--- a/Presentation_1.pptx
+++ b/Presentation_1.pptx
@@ -5,28 +5,30 @@
     <p:sldMasterId id="2147483660" r:id="rId1"/>
   </p:sldMasterIdLst>
   <p:notesMasterIdLst>
-    <p:notesMasterId r:id="rId18"/>
+    <p:notesMasterId r:id="rId20"/>
   </p:notesMasterIdLst>
   <p:handoutMasterIdLst>
-    <p:handoutMasterId r:id="rId19"/>
+    <p:handoutMasterId r:id="rId21"/>
   </p:handoutMasterIdLst>
   <p:sldIdLst>
     <p:sldId id="258" r:id="rId2"/>
     <p:sldId id="289" r:id="rId3"/>
     <p:sldId id="290" r:id="rId4"/>
     <p:sldId id="320" r:id="rId5"/>
-    <p:sldId id="317" r:id="rId6"/>
-    <p:sldId id="291" r:id="rId7"/>
-    <p:sldId id="318" r:id="rId8"/>
-    <p:sldId id="319" r:id="rId9"/>
-    <p:sldId id="292" r:id="rId10"/>
-    <p:sldId id="321" r:id="rId11"/>
-    <p:sldId id="324" r:id="rId12"/>
-    <p:sldId id="325" r:id="rId13"/>
-    <p:sldId id="326" r:id="rId14"/>
-    <p:sldId id="308" r:id="rId15"/>
-    <p:sldId id="323" r:id="rId16"/>
-    <p:sldId id="288" r:id="rId17"/>
+    <p:sldId id="328" r:id="rId6"/>
+    <p:sldId id="317" r:id="rId7"/>
+    <p:sldId id="291" r:id="rId8"/>
+    <p:sldId id="318" r:id="rId9"/>
+    <p:sldId id="319" r:id="rId10"/>
+    <p:sldId id="292" r:id="rId11"/>
+    <p:sldId id="329" r:id="rId12"/>
+    <p:sldId id="321" r:id="rId13"/>
+    <p:sldId id="324" r:id="rId14"/>
+    <p:sldId id="325" r:id="rId15"/>
+    <p:sldId id="326" r:id="rId16"/>
+    <p:sldId id="308" r:id="rId17"/>
+    <p:sldId id="323" r:id="rId18"/>
+    <p:sldId id="288" r:id="rId19"/>
   </p:sldIdLst>
   <p:sldSz cx="9144000" cy="5143500" type="screen16x9"/>
   <p:notesSz cx="6858000" cy="9144000"/>
@@ -218,7 +220,7 @@
           <a:p>
             <a:fld id="{A2B2A835-D6C1-404A-A359-5C2910E15811}" type="datetimeFigureOut">
               <a:rPr lang="en-US" smtClean="0"/>
-              <a:t>9/12/18</a:t>
+              <a:t>9/13/18</a:t>
             </a:fld>
             <a:endParaRPr lang="en-US"/>
           </a:p>
@@ -383,7 +385,7 @@
           <a:p>
             <a:fld id="{01490E92-8FD4-234D-89C0-7595B07D4E75}" type="datetimeFigureOut">
               <a:rPr lang="en-US" smtClean="0"/>
-              <a:t>9/12/18</a:t>
+              <a:t>9/13/18</a:t>
             </a:fld>
             <a:endParaRPr lang="en-US"/>
           </a:p>
@@ -702,18 +704,15 @@
               </a:spcBef>
               <a:buNone/>
             </a:pPr>
-            <a:r>
-              <a:rPr lang="en" sz="1200">
-                <a:solidFill>
-                  <a:schemeClr val="dk1"/>
-                </a:solidFill>
-                <a:latin typeface="Calibri"/>
-                <a:ea typeface="Calibri"/>
-                <a:cs typeface="Calibri"/>
-                <a:sym typeface="Calibri"/>
-              </a:rPr>
-              <a:t>Slides can vary as per your presentation, but header and footer should be consistent</a:t>
-            </a:r>
+            <a:endParaRPr lang="en" sz="1200" dirty="0">
+              <a:solidFill>
+                <a:schemeClr val="dk1"/>
+              </a:solidFill>
+              <a:latin typeface="Calibri"/>
+              <a:ea typeface="Calibri"/>
+              <a:cs typeface="Calibri"/>
+              <a:sym typeface="Calibri"/>
+            </a:endParaRPr>
           </a:p>
         </p:txBody>
       </p:sp>
@@ -928,7 +927,7 @@
           <a:p>
             <a:fld id="{3873CCA1-929B-C34C-8D00-2618D2083E74}" type="slidenum">
               <a:rPr lang="en-US" smtClean="0"/>
-              <a:t>6</a:t>
+              <a:t>7</a:t>
             </a:fld>
             <a:endParaRPr lang="en-US"/>
           </a:p>
@@ -991,29 +990,6 @@
           <a:bodyPr/>
           <a:lstStyle/>
           <a:p>
-            <a:pPr marL="0" marR="0" lvl="0" indent="0" algn="l" defTabSz="685800" rtl="0" eaLnBrk="1" fontAlgn="auto" latinLnBrk="0" hangingPunct="1">
-              <a:lnSpc>
-                <a:spcPct val="100000"/>
-              </a:lnSpc>
-              <a:spcBef>
-                <a:spcPts val="0"/>
-              </a:spcBef>
-              <a:spcAft>
-                <a:spcPts val="0"/>
-              </a:spcAft>
-              <a:buClrTx/>
-              <a:buSzTx/>
-              <a:buFontTx/>
-              <a:buNone/>
-              <a:tabLst/>
-              <a:defRPr/>
-            </a:pPr>
-            <a:r>
-              <a:rPr lang="en-US" dirty="0"/>
-              <a:t>Claim to double the users and web page growth each year</a:t>
-            </a:r>
-          </a:p>
-          <a:p>
             <a:endParaRPr lang="en-US" dirty="0"/>
           </a:p>
         </p:txBody>
@@ -1035,7 +1011,7 @@
           <a:p>
             <a:fld id="{3873CCA1-929B-C34C-8D00-2618D2083E74}" type="slidenum">
               <a:rPr lang="en-US" smtClean="0"/>
-              <a:t>9</a:t>
+              <a:t>10</a:t>
             </a:fld>
             <a:endParaRPr lang="en-US"/>
           </a:p>
@@ -1045,6 +1021,98 @@
     <p:extLst>
       <p:ext uri="{BB962C8B-B14F-4D97-AF65-F5344CB8AC3E}">
         <p14:creationId xmlns:p14="http://schemas.microsoft.com/office/powerpoint/2010/main" val="253696535"/>
+      </p:ext>
+    </p:extLst>
+  </p:cSld>
+  <p:clrMapOvr>
+    <a:masterClrMapping/>
+  </p:clrMapOvr>
+</p:notes>
+</file>
+
+<file path=ppt/notesSlides/notesSlide5.xml><?xml version="1.0" encoding="utf-8"?>
+<p:notes xmlns:a="http://schemas.openxmlformats.org/drawingml/2006/main" xmlns:r="http://schemas.openxmlformats.org/officeDocument/2006/relationships" xmlns:p="http://schemas.openxmlformats.org/presentationml/2006/main">
+  <p:cSld>
+    <p:spTree>
+      <p:nvGrpSpPr>
+        <p:cNvPr id="1" name=""/>
+        <p:cNvGrpSpPr/>
+        <p:nvPr/>
+      </p:nvGrpSpPr>
+      <p:grpSpPr>
+        <a:xfrm>
+          <a:off x="0" y="0"/>
+          <a:ext cx="0" cy="0"/>
+          <a:chOff x="0" y="0"/>
+          <a:chExt cx="0" cy="0"/>
+        </a:xfrm>
+      </p:grpSpPr>
+      <p:sp>
+        <p:nvSpPr>
+          <p:cNvPr id="2" name="Slide Image Placeholder 1"/>
+          <p:cNvSpPr>
+            <a:spLocks noGrp="1" noRot="1" noChangeAspect="1"/>
+          </p:cNvSpPr>
+          <p:nvPr>
+            <p:ph type="sldImg"/>
+          </p:nvPr>
+        </p:nvSpPr>
+        <p:spPr/>
+      </p:sp>
+      <p:sp>
+        <p:nvSpPr>
+          <p:cNvPr id="3" name="Notes Placeholder 2"/>
+          <p:cNvSpPr>
+            <a:spLocks noGrp="1"/>
+          </p:cNvSpPr>
+          <p:nvPr>
+            <p:ph type="body" idx="1"/>
+          </p:nvPr>
+        </p:nvSpPr>
+        <p:spPr/>
+        <p:txBody>
+          <a:bodyPr/>
+          <a:lstStyle/>
+          <a:p>
+            <a:r>
+              <a:rPr lang="en-US" dirty="0" smtClean="0"/>
+              <a:t>Which is</a:t>
+            </a:r>
+            <a:r>
+              <a:rPr lang="en-US" baseline="0" dirty="0" smtClean="0"/>
+              <a:t> the mostly likely one. </a:t>
+            </a:r>
+            <a:endParaRPr lang="en-US" dirty="0"/>
+          </a:p>
+        </p:txBody>
+      </p:sp>
+      <p:sp>
+        <p:nvSpPr>
+          <p:cNvPr id="4" name="Slide Number Placeholder 3"/>
+          <p:cNvSpPr>
+            <a:spLocks noGrp="1"/>
+          </p:cNvSpPr>
+          <p:nvPr>
+            <p:ph type="sldNum" sz="quarter" idx="10"/>
+          </p:nvPr>
+        </p:nvSpPr>
+        <p:spPr/>
+        <p:txBody>
+          <a:bodyPr/>
+          <a:lstStyle/>
+          <a:p>
+            <a:fld id="{3873CCA1-929B-C34C-8D00-2618D2083E74}" type="slidenum">
+              <a:rPr lang="en-US" smtClean="0"/>
+              <a:t>11</a:t>
+            </a:fld>
+            <a:endParaRPr lang="en-US"/>
+          </a:p>
+        </p:txBody>
+      </p:sp>
+    </p:spTree>
+    <p:extLst>
+      <p:ext uri="{BB962C8B-B14F-4D97-AF65-F5344CB8AC3E}">
+        <p14:creationId xmlns:p14="http://schemas.microsoft.com/office/powerpoint/2010/main" val="128874819"/>
       </p:ext>
     </p:extLst>
   </p:cSld>
@@ -4501,8 +4569,8 @@
         </p:nvSpPr>
         <p:spPr>
           <a:xfrm>
-            <a:off x="2906162" y="2012196"/>
-            <a:ext cx="4053438" cy="724275"/>
+            <a:off x="2660603" y="2568744"/>
+            <a:ext cx="8005834" cy="2128004"/>
           </a:xfrm>
           <a:prstGeom prst="rect">
             <a:avLst/>
@@ -4523,16 +4591,124 @@
             </a:pPr>
             <a:r>
               <a:rPr lang="en-US" sz="2200" dirty="0" smtClean="0">
-                <a:solidFill>
-                  <a:srgbClr val="42719B"/>
-                </a:solidFill>
                 <a:latin typeface="Helvetica Neue"/>
                 <a:ea typeface="Helvetica Neue"/>
                 <a:cs typeface="Helvetica Neue"/>
                 <a:sym typeface="Helvetica Neue"/>
               </a:rPr>
-              <a:t>Yue Shi</a:t>
-            </a:r>
+              <a:t>Presented by:</a:t>
+            </a:r>
+          </a:p>
+          <a:p>
+            <a:pPr algn="ctr">
+              <a:buSzPct val="25000"/>
+            </a:pPr>
+            <a:r>
+              <a:rPr lang="en-US" sz="2200" dirty="0" smtClean="0">
+                <a:latin typeface="Helvetica Neue"/>
+                <a:ea typeface="Helvetica Neue"/>
+                <a:cs typeface="Helvetica Neue"/>
+                <a:sym typeface="Helvetica Neue"/>
+              </a:rPr>
+              <a:t>Yue Shi (</a:t>
+            </a:r>
+            <a:r>
+              <a:rPr lang="en-US" sz="2200" dirty="0" smtClean="0">
+                <a:latin typeface="Helvetica Neue"/>
+                <a:ea typeface="Helvetica Neue"/>
+                <a:cs typeface="Helvetica Neue"/>
+                <a:sym typeface="Helvetica Neue"/>
+                <a:hlinkClick r:id="rId3"/>
+              </a:rPr>
+              <a:t>yueshi@usc.edu</a:t>
+            </a:r>
+            <a:r>
+              <a:rPr lang="en-US" sz="2200" dirty="0" smtClean="0">
+                <a:latin typeface="Helvetica Neue"/>
+                <a:ea typeface="Helvetica Neue"/>
+                <a:cs typeface="Helvetica Neue"/>
+                <a:sym typeface="Helvetica Neue"/>
+              </a:rPr>
+              <a:t>)</a:t>
+            </a:r>
+          </a:p>
+          <a:p>
+            <a:pPr algn="ctr">
+              <a:buSzPct val="25000"/>
+            </a:pPr>
+            <a:r>
+              <a:rPr lang="en-US" sz="2200" dirty="0" err="1"/>
+              <a:t>Himani</a:t>
+            </a:r>
+            <a:r>
+              <a:rPr lang="en-US" sz="2200" dirty="0"/>
+              <a:t> Sharma </a:t>
+            </a:r>
+            <a:r>
+              <a:rPr lang="en-US" sz="2200" dirty="0" smtClean="0">
+                <a:latin typeface="Helvetica Neue"/>
+                <a:ea typeface="Helvetica Neue"/>
+                <a:cs typeface="Helvetica Neue"/>
+                <a:sym typeface="Helvetica Neue"/>
+              </a:rPr>
+              <a:t>(</a:t>
+            </a:r>
+            <a:r>
+              <a:rPr lang="en-US" sz="2200" dirty="0" smtClean="0">
+                <a:hlinkClick r:id="rId4"/>
+              </a:rPr>
+              <a:t>himanis@usc.edu</a:t>
+            </a:r>
+            <a:r>
+              <a:rPr lang="en-US" sz="2200" dirty="0"/>
+              <a:t>)</a:t>
+            </a:r>
+            <a:endParaRPr lang="en-US" sz="2200" dirty="0" smtClean="0"/>
+          </a:p>
+          <a:p>
+            <a:pPr algn="ctr">
+              <a:buSzPct val="25000"/>
+            </a:pPr>
+            <a:r>
+              <a:rPr lang="en-US" sz="2200" dirty="0" err="1"/>
+              <a:t>Akhil</a:t>
+            </a:r>
+            <a:r>
+              <a:rPr lang="en-US" sz="2200" dirty="0"/>
+              <a:t> Kumar </a:t>
+            </a:r>
+            <a:r>
+              <a:rPr lang="en-US" sz="2200" dirty="0" err="1" smtClean="0"/>
+              <a:t>Rajendra</a:t>
+            </a:r>
+            <a:r>
+              <a:rPr lang="en-US" sz="2200" dirty="0" smtClean="0"/>
+              <a:t>(</a:t>
+            </a:r>
+            <a:r>
+              <a:rPr lang="en-US" sz="2200" dirty="0" err="1" smtClean="0"/>
+              <a:t>akhilkur@usc.edu</a:t>
+            </a:r>
+            <a:r>
+              <a:rPr lang="en-US" sz="2200" dirty="0" smtClean="0"/>
+              <a:t>)</a:t>
+            </a:r>
+            <a:endParaRPr lang="en-US" sz="2200" dirty="0"/>
+          </a:p>
+          <a:p>
+            <a:pPr algn="ctr">
+              <a:buSzPct val="25000"/>
+            </a:pPr>
+            <a:r>
+              <a:rPr lang="en-US" sz="2200" b="1" dirty="0" smtClean="0"/>
+              <a:t> </a:t>
+            </a:r>
+            <a:endParaRPr lang="en-US" sz="2200" b="1" dirty="0"/>
+          </a:p>
+          <a:p>
+            <a:pPr algn="ctr">
+              <a:buSzPct val="25000"/>
+            </a:pPr>
             <a:endParaRPr lang="en-US" sz="2200" dirty="0">
               <a:solidFill>
                 <a:srgbClr val="42719B"/>
@@ -4547,19 +4723,20 @@
             <a:pPr algn="ctr">
               <a:buSzPct val="25000"/>
             </a:pPr>
-            <a:r>
-              <a:rPr lang="en-US" sz="2200" dirty="0" smtClean="0">
-                <a:solidFill>
-                  <a:srgbClr val="42719B"/>
-                </a:solidFill>
-                <a:latin typeface="Helvetica Neue"/>
-                <a:ea typeface="Helvetica Neue"/>
-                <a:cs typeface="Helvetica Neue"/>
-                <a:sym typeface="Helvetica Neue"/>
-                <a:hlinkClick r:id="rId3"/>
-              </a:rPr>
-              <a:t>yueshi@usc.edu</a:t>
-            </a:r>
+            <a:endParaRPr lang="en-US" sz="2200" dirty="0" smtClean="0">
+              <a:solidFill>
+                <a:srgbClr val="42719B"/>
+              </a:solidFill>
+              <a:latin typeface="Helvetica Neue"/>
+              <a:ea typeface="Helvetica Neue"/>
+              <a:cs typeface="Helvetica Neue"/>
+              <a:sym typeface="Helvetica Neue"/>
+            </a:endParaRPr>
+          </a:p>
+          <a:p>
+            <a:pPr algn="ctr">
+              <a:buSzPct val="25000"/>
+            </a:pPr>
             <a:endParaRPr lang="en-US" sz="2200" dirty="0">
               <a:solidFill>
                 <a:srgbClr val="42719B"/>
@@ -4711,6 +4888,75 @@
               </a:solidFill>
               <a:ea typeface="Abadi MT Condensed Light" charset="0"/>
               <a:cs typeface="Abadi MT Condensed Light" charset="0"/>
+              <a:sym typeface="Helvetica Neue"/>
+            </a:endParaRPr>
+          </a:p>
+        </p:txBody>
+      </p:sp>
+      <p:sp>
+        <p:nvSpPr>
+          <p:cNvPr id="7" name="Shape 137"/>
+          <p:cNvSpPr txBox="1"/>
+          <p:nvPr/>
+        </p:nvSpPr>
+        <p:spPr>
+          <a:xfrm>
+            <a:off x="1930448" y="1440588"/>
+            <a:ext cx="7391352" cy="774897"/>
+          </a:xfrm>
+          <a:prstGeom prst="rect">
+            <a:avLst/>
+          </a:prstGeom>
+          <a:noFill/>
+          <a:ln>
+            <a:noFill/>
+          </a:ln>
+        </p:spPr>
+        <p:txBody>
+          <a:bodyPr lIns="68569" tIns="68569" rIns="68569" bIns="68569" anchor="t" anchorCtr="0">
+            <a:noAutofit/>
+          </a:bodyPr>
+          <a:lstStyle/>
+          <a:p>
+            <a:pPr algn="ctr">
+              <a:buSzPct val="25000"/>
+            </a:pPr>
+            <a:r>
+              <a:rPr lang="en-US" sz="2400" dirty="0" err="1"/>
+              <a:t>Fryback</a:t>
+            </a:r>
+            <a:r>
+              <a:rPr lang="en-US" sz="2400" dirty="0"/>
+              <a:t>, Dennis G., and John </a:t>
+            </a:r>
+            <a:r>
+              <a:rPr lang="en-US" sz="2400" dirty="0" smtClean="0"/>
+              <a:t>R, </a:t>
+            </a:r>
+          </a:p>
+          <a:p>
+            <a:pPr algn="ctr">
+              <a:buSzPct val="25000"/>
+            </a:pPr>
+            <a:r>
+              <a:rPr lang="en-US" sz="2400" i="1" dirty="0" smtClean="0"/>
+              <a:t>Medical </a:t>
+            </a:r>
+            <a:r>
+              <a:rPr lang="en-US" sz="2400" i="1" dirty="0"/>
+              <a:t>decision making</a:t>
+            </a:r>
+            <a:r>
+              <a:rPr lang="en-US" sz="2400" dirty="0"/>
+              <a:t> 11.2 (1991): 88-94.</a:t>
+            </a:r>
+            <a:endParaRPr lang="en-US" sz="2200" dirty="0">
+              <a:solidFill>
+                <a:srgbClr val="42719B"/>
+              </a:solidFill>
+              <a:latin typeface="Helvetica Neue"/>
+              <a:ea typeface="Helvetica Neue"/>
+              <a:cs typeface="Helvetica Neue"/>
               <a:sym typeface="Helvetica Neue"/>
             </a:endParaRPr>
           </a:p>
@@ -4750,7 +4996,7 @@
       </p:grpSpPr>
       <p:sp>
         <p:nvSpPr>
-          <p:cNvPr id="2" name="Title 1"/>
+          <p:cNvPr id="13" name="Title 12"/>
           <p:cNvSpPr>
             <a:spLocks noGrp="1"/>
           </p:cNvSpPr>
@@ -4765,7 +5011,7 @@
           <a:p>
             <a:r>
               <a:rPr lang="en-US" dirty="0" smtClean="0"/>
-              <a:t>Level 4: Therapeutic Efficacy</a:t>
+              <a:t>Level 3: Diagnosis Thinking Efficacy </a:t>
             </a:r>
             <a:endParaRPr lang="en-US" dirty="0"/>
           </a:p>
@@ -4773,7 +5019,7 @@
       </p:sp>
       <p:sp>
         <p:nvSpPr>
-          <p:cNvPr id="3" name="Content Placeholder 2"/>
+          <p:cNvPr id="14" name="Content Placeholder 13"/>
           <p:cNvSpPr>
             <a:spLocks noGrp="1"/>
           </p:cNvSpPr>
@@ -4783,7 +5029,9 @@
         </p:nvSpPr>
         <p:spPr/>
         <p:txBody>
-          <a:bodyPr/>
+          <a:bodyPr>
+            <a:normAutofit/>
+          </a:bodyPr>
           <a:lstStyle/>
           <a:p>
             <a:endParaRPr lang="en-US" dirty="0"/>
@@ -4792,7 +5040,7 @@
       </p:sp>
       <p:sp>
         <p:nvSpPr>
-          <p:cNvPr id="4" name="Date Placeholder 3"/>
+          <p:cNvPr id="7" name="Date Placeholder 6"/>
           <p:cNvSpPr>
             <a:spLocks noGrp="1"/>
           </p:cNvSpPr>
@@ -4809,13 +5057,13 @@
               <a:rPr lang="en-US" smtClean="0"/>
               <a:t>Sep 18 2018</a:t>
             </a:r>
-            <a:endParaRPr lang="en-US"/>
-          </a:p>
-        </p:txBody>
-      </p:sp>
-      <p:sp>
-        <p:nvSpPr>
-          <p:cNvPr id="5" name="Footer Placeholder 4"/>
+            <a:endParaRPr lang="en-US" dirty="0"/>
+          </a:p>
+        </p:txBody>
+      </p:sp>
+      <p:sp>
+        <p:nvSpPr>
+          <p:cNvPr id="8" name="Footer Placeholder 7"/>
           <p:cNvSpPr>
             <a:spLocks noGrp="1"/>
           </p:cNvSpPr>
@@ -4832,13 +5080,13 @@
               <a:rPr lang="en-US" smtClean="0"/>
               <a:t>Seminar – Fall 2018</a:t>
             </a:r>
-            <a:endParaRPr lang="en-US"/>
-          </a:p>
-        </p:txBody>
-      </p:sp>
-      <p:sp>
-        <p:nvSpPr>
-          <p:cNvPr id="6" name="Slide Number Placeholder 5"/>
+            <a:endParaRPr lang="en-US" dirty="0"/>
+          </a:p>
+        </p:txBody>
+      </p:sp>
+      <p:sp>
+        <p:nvSpPr>
+          <p:cNvPr id="9" name="Slide Number Placeholder 8"/>
           <p:cNvSpPr>
             <a:spLocks noGrp="1"/>
           </p:cNvSpPr>
@@ -4861,7 +5109,7 @@
       </p:sp>
       <p:sp>
         <p:nvSpPr>
-          <p:cNvPr id="7" name="Oval 6"/>
+          <p:cNvPr id="10" name="Oval 9"/>
           <p:cNvSpPr/>
           <p:nvPr/>
         </p:nvSpPr>
@@ -4903,7 +5151,7 @@
       </p:sp>
       <p:sp>
         <p:nvSpPr>
-          <p:cNvPr id="8" name="Oval 7"/>
+          <p:cNvPr id="12" name="Oval 11"/>
           <p:cNvSpPr/>
           <p:nvPr/>
         </p:nvSpPr>
@@ -4945,7 +5193,7 @@
       </p:sp>
       <p:cxnSp>
         <p:nvCxnSpPr>
-          <p:cNvPr id="9" name="Straight Connector 8"/>
+          <p:cNvPr id="3" name="Straight Connector 2"/>
           <p:cNvCxnSpPr/>
           <p:nvPr/>
         </p:nvCxnSpPr>
@@ -4973,10 +5221,44 @@
           </a:fontRef>
         </p:style>
       </p:cxnSp>
+      <p:sp>
+        <p:nvSpPr>
+          <p:cNvPr id="4" name="TextBox 3"/>
+          <p:cNvSpPr txBox="1"/>
+          <p:nvPr/>
+        </p:nvSpPr>
+        <p:spPr>
+          <a:xfrm>
+            <a:off x="3569970" y="2684280"/>
+            <a:ext cx="2373630" cy="323165"/>
+          </a:xfrm>
+          <a:prstGeom prst="rect">
+            <a:avLst/>
+          </a:prstGeom>
+          <a:noFill/>
+        </p:spPr>
+        <p:txBody>
+          <a:bodyPr wrap="square" rtlCol="0">
+            <a:spAutoFit/>
+          </a:bodyPr>
+          <a:lstStyle/>
+          <a:p>
+            <a:r>
+              <a:rPr lang="en-US" sz="1500" b="1" dirty="0" smtClean="0"/>
+              <a:t>Diagnosis </a:t>
+            </a:r>
+            <a:r>
+              <a:rPr lang="en-US" sz="1500" b="1" smtClean="0"/>
+              <a:t>thinking Change</a:t>
+            </a:r>
+            <a:endParaRPr lang="en-US" sz="1500" b="1" dirty="0"/>
+          </a:p>
+        </p:txBody>
+      </p:sp>
     </p:spTree>
     <p:extLst>
       <p:ext uri="{BB962C8B-B14F-4D97-AF65-F5344CB8AC3E}">
-        <p14:creationId xmlns:p14="http://schemas.microsoft.com/office/powerpoint/2010/main" val="274470862"/>
+        <p14:creationId xmlns:p14="http://schemas.microsoft.com/office/powerpoint/2010/main" val="1982304118"/>
       </p:ext>
     </p:extLst>
   </p:cSld>
@@ -4986,9 +5268,143 @@
   <p:timing>
     <p:tnLst>
       <p:par>
-        <p:cTn id="1" dur="indefinite" restart="never" nodeType="tmRoot"/>
+        <p:cTn id="1" dur="indefinite" restart="never" nodeType="tmRoot">
+          <p:childTnLst>
+            <p:seq concurrent="1" nextAc="seek">
+              <p:cTn id="2" dur="indefinite" nodeType="mainSeq">
+                <p:childTnLst>
+                  <p:par>
+                    <p:cTn id="3" fill="hold">
+                      <p:stCondLst>
+                        <p:cond delay="indefinite"/>
+                      </p:stCondLst>
+                      <p:childTnLst>
+                        <p:par>
+                          <p:cTn id="4" fill="hold">
+                            <p:stCondLst>
+                              <p:cond delay="0"/>
+                            </p:stCondLst>
+                            <p:childTnLst>
+                              <p:par>
+                                <p:cTn id="5" presetID="2" presetClass="entr" presetSubtype="4" fill="hold" grpId="0" nodeType="clickEffect" nodePh="1">
+                                  <p:stCondLst>
+                                    <p:cond delay="0"/>
+                                  </p:stCondLst>
+                                  <p:endCondLst>
+                                    <p:cond evt="begin" delay="0">
+                                      <p:tn val="5"/>
+                                    </p:cond>
+                                  </p:endCondLst>
+                                  <p:childTnLst>
+                                    <p:set>
+                                      <p:cBhvr>
+                                        <p:cTn id="6" dur="1" fill="hold">
+                                          <p:stCondLst>
+                                            <p:cond delay="0"/>
+                                          </p:stCondLst>
+                                        </p:cTn>
+                                        <p:tgtEl>
+                                          <p:spTgt spid="14">
+                                            <p:txEl>
+                                              <p:pRg st="0" end="0"/>
+                                            </p:txEl>
+                                          </p:spTgt>
+                                        </p:tgtEl>
+                                        <p:attrNameLst>
+                                          <p:attrName>style.visibility</p:attrName>
+                                        </p:attrNameLst>
+                                      </p:cBhvr>
+                                      <p:to>
+                                        <p:strVal val="visible"/>
+                                      </p:to>
+                                    </p:set>
+                                    <p:anim calcmode="lin" valueType="num">
+                                      <p:cBhvr additive="base">
+                                        <p:cTn id="7" dur="500" fill="hold"/>
+                                        <p:tgtEl>
+                                          <p:spTgt spid="14">
+                                            <p:txEl>
+                                              <p:pRg st="0" end="0"/>
+                                            </p:txEl>
+                                          </p:spTgt>
+                                        </p:tgtEl>
+                                        <p:attrNameLst>
+                                          <p:attrName>ppt_x</p:attrName>
+                                        </p:attrNameLst>
+                                      </p:cBhvr>
+                                      <p:tavLst>
+                                        <p:tav tm="0">
+                                          <p:val>
+                                            <p:strVal val="#ppt_x"/>
+                                          </p:val>
+                                        </p:tav>
+                                        <p:tav tm="100000">
+                                          <p:val>
+                                            <p:strVal val="#ppt_x"/>
+                                          </p:val>
+                                        </p:tav>
+                                      </p:tavLst>
+                                    </p:anim>
+                                    <p:anim calcmode="lin" valueType="num">
+                                      <p:cBhvr additive="base">
+                                        <p:cTn id="8" dur="500" fill="hold"/>
+                                        <p:tgtEl>
+                                          <p:spTgt spid="14">
+                                            <p:txEl>
+                                              <p:pRg st="0" end="0"/>
+                                            </p:txEl>
+                                          </p:spTgt>
+                                        </p:tgtEl>
+                                        <p:attrNameLst>
+                                          <p:attrName>ppt_y</p:attrName>
+                                        </p:attrNameLst>
+                                      </p:cBhvr>
+                                      <p:tavLst>
+                                        <p:tav tm="0">
+                                          <p:val>
+                                            <p:strVal val="1+#ppt_h/2"/>
+                                          </p:val>
+                                        </p:tav>
+                                        <p:tav tm="100000">
+                                          <p:val>
+                                            <p:strVal val="#ppt_y"/>
+                                          </p:val>
+                                        </p:tav>
+                                      </p:tavLst>
+                                    </p:anim>
+                                  </p:childTnLst>
+                                </p:cTn>
+                              </p:par>
+                            </p:childTnLst>
+                          </p:cTn>
+                        </p:par>
+                      </p:childTnLst>
+                    </p:cTn>
+                  </p:par>
+                </p:childTnLst>
+              </p:cTn>
+              <p:prevCondLst>
+                <p:cond evt="onPrev" delay="0">
+                  <p:tgtEl>
+                    <p:sldTgt/>
+                  </p:tgtEl>
+                </p:cond>
+              </p:prevCondLst>
+              <p:nextCondLst>
+                <p:cond evt="onNext" delay="0">
+                  <p:tgtEl>
+                    <p:sldTgt/>
+                  </p:tgtEl>
+                </p:cond>
+              </p:nextCondLst>
+            </p:seq>
+          </p:childTnLst>
+        </p:cTn>
       </p:par>
     </p:tnLst>
+    <p:bldLst>
+      <p:bldP spid="14" grpId="0" build="p"/>
+    </p:bldLst>
   </p:timing>
 </p:sld>
 </file>
@@ -5026,8 +5442,12 @@
           <a:lstStyle/>
           <a:p>
             <a:r>
+              <a:rPr lang="en-US" dirty="0"/>
+              <a:t>Level 3: Diagnosis Thinking </a:t>
+            </a:r>
+            <a:r>
               <a:rPr lang="en-US" dirty="0" smtClean="0"/>
-              <a:t>Level 5: Patient Outcome Efficacy</a:t>
+              <a:t>Efficacy Methods </a:t>
             </a:r>
             <a:endParaRPr lang="en-US" dirty="0"/>
           </a:p>
@@ -5050,8 +5470,11 @@
           <a:p>
             <a:r>
               <a:rPr lang="en-US" dirty="0" smtClean="0"/>
-              <a:t>Qualify-adjusted life years</a:t>
-            </a:r>
+              <a:t>Empirical method : Differential Diagnosis</a:t>
+            </a:r>
+          </a:p>
+          <a:p>
+            <a:endParaRPr lang="en-US" dirty="0" smtClean="0"/>
           </a:p>
           <a:p>
             <a:endParaRPr lang="en-US" dirty="0"/>
@@ -5127,23 +5550,185 @@
           </a:p>
         </p:txBody>
       </p:sp>
+      <p:sp>
+        <p:nvSpPr>
+          <p:cNvPr id="7" name="Oval 6"/>
+          <p:cNvSpPr/>
+          <p:nvPr/>
+        </p:nvSpPr>
+        <p:spPr>
+          <a:xfrm>
+            <a:off x="1155700" y="2279512"/>
+            <a:ext cx="1948042" cy="1822588"/>
+          </a:xfrm>
+          <a:prstGeom prst="ellipse">
+            <a:avLst/>
+          </a:prstGeom>
+        </p:spPr>
+        <p:style>
+          <a:lnRef idx="2">
+            <a:schemeClr val="accent5"/>
+          </a:lnRef>
+          <a:fillRef idx="1">
+            <a:schemeClr val="lt1"/>
+          </a:fillRef>
+          <a:effectRef idx="0">
+            <a:schemeClr val="accent5"/>
+          </a:effectRef>
+          <a:fontRef idx="minor">
+            <a:schemeClr val="dk1"/>
+          </a:fontRef>
+        </p:style>
+        <p:txBody>
+          <a:bodyPr rtlCol="0" anchor="ctr"/>
+          <a:lstStyle/>
+          <a:p>
+            <a:pPr algn="ctr"/>
+            <a:r>
+              <a:rPr lang="en-US" sz="1800" dirty="0" err="1" smtClean="0"/>
+              <a:t>Prob</a:t>
+            </a:r>
+            <a:r>
+              <a:rPr lang="en-US" sz="1800" dirty="0" smtClean="0"/>
+              <a:t>(correct diagnosis)</a:t>
+            </a:r>
+            <a:endParaRPr lang="en-US" sz="1800" dirty="0"/>
+          </a:p>
+        </p:txBody>
+      </p:sp>
+      <p:sp>
+        <p:nvSpPr>
+          <p:cNvPr id="8" name="Oval 7"/>
+          <p:cNvSpPr/>
+          <p:nvPr/>
+        </p:nvSpPr>
+        <p:spPr>
+          <a:xfrm>
+            <a:off x="6206854" y="2161968"/>
+            <a:ext cx="1974007" cy="1822588"/>
+          </a:xfrm>
+          <a:prstGeom prst="ellipse">
+            <a:avLst/>
+          </a:prstGeom>
+        </p:spPr>
+        <p:style>
+          <a:lnRef idx="2">
+            <a:schemeClr val="accent5"/>
+          </a:lnRef>
+          <a:fillRef idx="1">
+            <a:schemeClr val="lt1"/>
+          </a:fillRef>
+          <a:effectRef idx="0">
+            <a:schemeClr val="accent5"/>
+          </a:effectRef>
+          <a:fontRef idx="minor">
+            <a:schemeClr val="dk1"/>
+          </a:fontRef>
+        </p:style>
+        <p:txBody>
+          <a:bodyPr rtlCol="0" anchor="ctr"/>
+          <a:lstStyle/>
+          <a:p>
+            <a:pPr algn="ctr"/>
+            <a:r>
+              <a:rPr lang="en-US" sz="1800" smtClean="0"/>
+              <a:t>Prob</a:t>
+            </a:r>
+            <a:r>
+              <a:rPr lang="en-US" sz="1800" dirty="0" smtClean="0"/>
+              <a:t>(correct </a:t>
+            </a:r>
+            <a:r>
+              <a:rPr lang="en-US" sz="1800" dirty="0"/>
+              <a:t>diagnosis)</a:t>
+            </a:r>
+          </a:p>
+          <a:p>
+            <a:pPr algn="ctr"/>
+            <a:endParaRPr lang="en-US" sz="1500" dirty="0"/>
+          </a:p>
+        </p:txBody>
+      </p:sp>
+      <p:sp>
+        <p:nvSpPr>
+          <p:cNvPr id="9" name="Right Arrow 8"/>
+          <p:cNvSpPr/>
+          <p:nvPr/>
+        </p:nvSpPr>
+        <p:spPr>
+          <a:xfrm>
+            <a:off x="3695700" y="2654093"/>
+            <a:ext cx="2082800" cy="660538"/>
+          </a:xfrm>
+          <a:prstGeom prst="rightArrow">
+            <a:avLst/>
+          </a:prstGeom>
+        </p:spPr>
+        <p:style>
+          <a:lnRef idx="2">
+            <a:schemeClr val="accent1">
+              <a:shade val="50000"/>
+            </a:schemeClr>
+          </a:lnRef>
+          <a:fillRef idx="1">
+            <a:schemeClr val="accent1"/>
+          </a:fillRef>
+          <a:effectRef idx="0">
+            <a:schemeClr val="accent1"/>
+          </a:effectRef>
+          <a:fontRef idx="minor">
+            <a:schemeClr val="lt1"/>
+          </a:fontRef>
+        </p:style>
+        <p:txBody>
+          <a:bodyPr rtlCol="0" anchor="ctr"/>
+          <a:lstStyle/>
+          <a:p>
+            <a:pPr algn="ctr"/>
+            <a:endParaRPr lang="en-US"/>
+          </a:p>
+        </p:txBody>
+      </p:sp>
+      <p:sp>
+        <p:nvSpPr>
+          <p:cNvPr id="10" name="TextBox 9"/>
+          <p:cNvSpPr txBox="1"/>
+          <p:nvPr/>
+        </p:nvSpPr>
+        <p:spPr>
+          <a:xfrm>
+            <a:off x="3532096" y="2279512"/>
+            <a:ext cx="2373630" cy="323165"/>
+          </a:xfrm>
+          <a:prstGeom prst="rect">
+            <a:avLst/>
+          </a:prstGeom>
+          <a:noFill/>
+        </p:spPr>
+        <p:txBody>
+          <a:bodyPr wrap="square" rtlCol="0">
+            <a:spAutoFit/>
+          </a:bodyPr>
+          <a:lstStyle/>
+          <a:p>
+            <a:r>
+              <a:rPr lang="en-US" sz="1500" b="1" dirty="0" smtClean="0"/>
+              <a:t>Image information</a:t>
+            </a:r>
+            <a:endParaRPr lang="en-US" sz="1500" b="1" dirty="0"/>
+          </a:p>
+        </p:txBody>
+      </p:sp>
     </p:spTree>
     <p:extLst>
       <p:ext uri="{BB962C8B-B14F-4D97-AF65-F5344CB8AC3E}">
-        <p14:creationId xmlns:p14="http://schemas.microsoft.com/office/powerpoint/2010/main" val="402076097"/>
+        <p14:creationId xmlns:p14="http://schemas.microsoft.com/office/powerpoint/2010/main" val="776749091"/>
       </p:ext>
     </p:extLst>
   </p:cSld>
   <p:clrMapOvr>
     <a:masterClrMapping/>
   </p:clrMapOvr>
-  <p:timing>
-    <p:tnLst>
-      <p:par>
-        <p:cTn id="1" dur="indefinite" restart="never" nodeType="tmRoot"/>
-      </p:par>
-    </p:tnLst>
-  </p:timing>
 </p:sld>
 </file>
 
@@ -5181,7 +5766,7 @@
           <a:p>
             <a:r>
               <a:rPr lang="en-US" dirty="0" smtClean="0"/>
-              <a:t>Level 6: Societal Efficacy</a:t>
+              <a:t>Level 4: Therapeutic Efficacy</a:t>
             </a:r>
             <a:endParaRPr lang="en-US" dirty="0"/>
           </a:p>
@@ -5203,19 +5788,15 @@
           <a:lstStyle/>
           <a:p>
             <a:r>
-              <a:rPr lang="en-US" dirty="0"/>
-              <a:t>U</a:t>
-            </a:r>
-            <a:r>
               <a:rPr lang="en-US" dirty="0" smtClean="0"/>
-              <a:t>se of societal </a:t>
-            </a:r>
-            <a:r>
-              <a:rPr lang="en-US" dirty="0"/>
-              <a:t>resources</a:t>
-            </a:r>
-          </a:p>
-          <a:p>
+              <a:t>New therapy</a:t>
+            </a:r>
+          </a:p>
+          <a:p>
+            <a:r>
+              <a:rPr lang="en-US" dirty="0" smtClean="0"/>
+              <a:t>Avoid the need for therapy </a:t>
+            </a:r>
             <a:endParaRPr lang="en-US" dirty="0"/>
           </a:p>
         </p:txBody>
@@ -5292,7 +5873,7 @@
     </p:spTree>
     <p:extLst>
       <p:ext uri="{BB962C8B-B14F-4D97-AF65-F5344CB8AC3E}">
-        <p14:creationId xmlns:p14="http://schemas.microsoft.com/office/powerpoint/2010/main" val="832783125"/>
+        <p14:creationId xmlns:p14="http://schemas.microsoft.com/office/powerpoint/2010/main" val="274470862"/>
       </p:ext>
     </p:extLst>
   </p:cSld>
@@ -5343,7 +5924,7 @@
           <a:p>
             <a:r>
               <a:rPr lang="en-US" dirty="0" smtClean="0"/>
-              <a:t>Efficacy -&gt; Cost Effectiveness</a:t>
+              <a:t>Level 5: Patient Outcome Efficacy</a:t>
             </a:r>
             <a:endParaRPr lang="en-US" dirty="0"/>
           </a:p>
@@ -5365,36 +5946,36 @@
           <a:lstStyle/>
           <a:p>
             <a:r>
-              <a:rPr lang="en-US" dirty="0"/>
-              <a:t>Phelps and </a:t>
-            </a:r>
-            <a:r>
-              <a:rPr lang="en-US" dirty="0" err="1"/>
-              <a:t>Mushlin</a:t>
-            </a:r>
-            <a:r>
-              <a:rPr lang="en-US" dirty="0"/>
-              <a:t> </a:t>
-            </a:r>
-            <a:r>
               <a:rPr lang="en-US" dirty="0" smtClean="0"/>
-              <a:t>approach</a:t>
-            </a:r>
-            <a:r>
-              <a:rPr lang="en-US" dirty="0"/>
-              <a:t> </a:t>
-            </a:r>
+              <a:t>Cost comes into play </a:t>
+            </a:r>
+          </a:p>
+          <a:p>
             <a:r>
               <a:rPr lang="en-US" dirty="0" smtClean="0"/>
-              <a:t>model</a:t>
+              <a:t>Methods:</a:t>
             </a:r>
           </a:p>
           <a:p>
             <a:pPr lvl="1"/>
             <a:r>
               <a:rPr lang="en-US" dirty="0" smtClean="0"/>
-              <a:t>Dollars per QALY</a:t>
-            </a:r>
+              <a:t>RCT (random controlled trial)</a:t>
+            </a:r>
+          </a:p>
+          <a:p>
+            <a:pPr lvl="1"/>
+            <a:r>
+              <a:rPr lang="en-US" dirty="0" smtClean="0"/>
+              <a:t>Statistical Methods</a:t>
+            </a:r>
+            <a:endParaRPr lang="en-US" dirty="0" smtClean="0"/>
+          </a:p>
+          <a:p>
+            <a:pPr lvl="1"/>
+            <a:endParaRPr lang="en-US" dirty="0" smtClean="0"/>
+          </a:p>
+          <a:p>
             <a:endParaRPr lang="en-US" dirty="0"/>
           </a:p>
         </p:txBody>
@@ -5471,7 +6052,7 @@
     </p:spTree>
     <p:extLst>
       <p:ext uri="{BB962C8B-B14F-4D97-AF65-F5344CB8AC3E}">
-        <p14:creationId xmlns:p14="http://schemas.microsoft.com/office/powerpoint/2010/main" val="964978674"/>
+        <p14:creationId xmlns:p14="http://schemas.microsoft.com/office/powerpoint/2010/main" val="402076097"/>
       </p:ext>
     </p:extLst>
   </p:cSld>
@@ -5507,7 +6088,7 @@
       </p:grpSpPr>
       <p:sp>
         <p:nvSpPr>
-          <p:cNvPr id="13" name="Title 12"/>
+          <p:cNvPr id="2" name="Title 1"/>
           <p:cNvSpPr>
             <a:spLocks noGrp="1"/>
           </p:cNvSpPr>
@@ -5521,15 +6102,16 @@
           <a:lstStyle/>
           <a:p>
             <a:r>
-              <a:rPr lang="en-US" dirty="0"/>
-              <a:t>Conclusion</a:t>
-            </a:r>
-          </a:p>
-        </p:txBody>
-      </p:sp>
-      <p:sp>
-        <p:nvSpPr>
-          <p:cNvPr id="14" name="Content Placeholder 13"/>
+              <a:rPr lang="en-US" dirty="0" smtClean="0"/>
+              <a:t>Level 6: Societal Efficacy</a:t>
+            </a:r>
+            <a:endParaRPr lang="en-US" dirty="0"/>
+          </a:p>
+        </p:txBody>
+      </p:sp>
+      <p:sp>
+        <p:nvSpPr>
+          <p:cNvPr id="3" name="Content Placeholder 2"/>
           <p:cNvSpPr>
             <a:spLocks noGrp="1"/>
           </p:cNvSpPr>
@@ -5542,28 +6124,34 @@
           <a:bodyPr/>
           <a:lstStyle/>
           <a:p>
-            <a:endParaRPr lang="en-US" dirty="0" smtClean="0"/>
-          </a:p>
-          <a:p>
             <a:r>
               <a:rPr lang="en-US" dirty="0" smtClean="0"/>
-              <a:t>Efficacy model evaluates diagnosis imaging in the whole process of patient treatment.  </a:t>
-            </a:r>
-          </a:p>
-          <a:p>
+              <a:t>Efficient use </a:t>
+            </a:r>
             <a:r>
               <a:rPr lang="en-US" dirty="0" smtClean="0"/>
-              <a:t>More research has been conducted in Level 1 and 2.</a:t>
-            </a:r>
-          </a:p>
-          <a:p>
+              <a:t>of societal </a:t>
+            </a:r>
+            <a:r>
+              <a:rPr lang="en-US" dirty="0" smtClean="0"/>
+              <a:t>resources</a:t>
+            </a:r>
+          </a:p>
+          <a:p>
+            <a:r>
+              <a:rPr lang="en-US" dirty="0" smtClean="0"/>
+              <a:t>Introduction to new technology</a:t>
+            </a:r>
             <a:endParaRPr lang="en-US" dirty="0"/>
           </a:p>
-        </p:txBody>
-      </p:sp>
-      <p:sp>
-        <p:nvSpPr>
-          <p:cNvPr id="7" name="Date Placeholder 6"/>
+          <a:p>
+            <a:endParaRPr lang="en-US" dirty="0"/>
+          </a:p>
+        </p:txBody>
+      </p:sp>
+      <p:sp>
+        <p:nvSpPr>
+          <p:cNvPr id="4" name="Date Placeholder 3"/>
           <p:cNvSpPr>
             <a:spLocks noGrp="1"/>
           </p:cNvSpPr>
@@ -5580,13 +6168,13 @@
               <a:rPr lang="en-US" smtClean="0"/>
               <a:t>Sep 18 2018</a:t>
             </a:r>
-            <a:endParaRPr lang="en-US" dirty="0"/>
-          </a:p>
-        </p:txBody>
-      </p:sp>
-      <p:sp>
-        <p:nvSpPr>
-          <p:cNvPr id="8" name="Footer Placeholder 7"/>
+            <a:endParaRPr lang="en-US"/>
+          </a:p>
+        </p:txBody>
+      </p:sp>
+      <p:sp>
+        <p:nvSpPr>
+          <p:cNvPr id="5" name="Footer Placeholder 4"/>
           <p:cNvSpPr>
             <a:spLocks noGrp="1"/>
           </p:cNvSpPr>
@@ -5603,13 +6191,13 @@
               <a:rPr lang="en-US" smtClean="0"/>
               <a:t>Seminar – Fall 2018</a:t>
             </a:r>
-            <a:endParaRPr lang="en-US" dirty="0"/>
-          </a:p>
-        </p:txBody>
-      </p:sp>
-      <p:sp>
-        <p:nvSpPr>
-          <p:cNvPr id="9" name="Slide Number Placeholder 8"/>
+            <a:endParaRPr lang="en-US"/>
+          </a:p>
+        </p:txBody>
+      </p:sp>
+      <p:sp>
+        <p:nvSpPr>
+          <p:cNvPr id="6" name="Slide Number Placeholder 5"/>
           <p:cNvSpPr>
             <a:spLocks noGrp="1"/>
           </p:cNvSpPr>
@@ -5625,6 +6213,347 @@
             <a:fld id="{BDA5F717-12EE-A348-A3FB-CFE8FCC4E8AC}" type="slidenum">
               <a:rPr lang="en-US" smtClean="0"/>
               <a:t>14</a:t>
+            </a:fld>
+            <a:endParaRPr lang="en-US"/>
+          </a:p>
+        </p:txBody>
+      </p:sp>
+    </p:spTree>
+    <p:extLst>
+      <p:ext uri="{BB962C8B-B14F-4D97-AF65-F5344CB8AC3E}">
+        <p14:creationId xmlns:p14="http://schemas.microsoft.com/office/powerpoint/2010/main" val="832783125"/>
+      </p:ext>
+    </p:extLst>
+  </p:cSld>
+  <p:clrMapOvr>
+    <a:masterClrMapping/>
+  </p:clrMapOvr>
+  <p:timing>
+    <p:tnLst>
+      <p:par>
+        <p:cTn id="1" dur="indefinite" restart="never" nodeType="tmRoot"/>
+      </p:par>
+    </p:tnLst>
+  </p:timing>
+</p:sld>
+</file>
+
+<file path=ppt/slides/slide15.xml><?xml version="1.0" encoding="utf-8"?>
+<p:sld xmlns:a="http://schemas.openxmlformats.org/drawingml/2006/main" xmlns:r="http://schemas.openxmlformats.org/officeDocument/2006/relationships" xmlns:p="http://schemas.openxmlformats.org/presentationml/2006/main">
+  <p:cSld>
+    <p:spTree>
+      <p:nvGrpSpPr>
+        <p:cNvPr id="1" name=""/>
+        <p:cNvGrpSpPr/>
+        <p:nvPr/>
+      </p:nvGrpSpPr>
+      <p:grpSpPr>
+        <a:xfrm>
+          <a:off x="0" y="0"/>
+          <a:ext cx="0" cy="0"/>
+          <a:chOff x="0" y="0"/>
+          <a:chExt cx="0" cy="0"/>
+        </a:xfrm>
+      </p:grpSpPr>
+      <p:sp>
+        <p:nvSpPr>
+          <p:cNvPr id="2" name="Title 1"/>
+          <p:cNvSpPr>
+            <a:spLocks noGrp="1"/>
+          </p:cNvSpPr>
+          <p:nvPr>
+            <p:ph type="title"/>
+          </p:nvPr>
+        </p:nvSpPr>
+        <p:spPr/>
+        <p:txBody>
+          <a:bodyPr/>
+          <a:lstStyle/>
+          <a:p>
+            <a:r>
+              <a:rPr lang="en-US" dirty="0" smtClean="0"/>
+              <a:t>Efficacy -&gt; Cost Effectiveness</a:t>
+            </a:r>
+            <a:endParaRPr lang="en-US" dirty="0"/>
+          </a:p>
+        </p:txBody>
+      </p:sp>
+      <p:sp>
+        <p:nvSpPr>
+          <p:cNvPr id="3" name="Content Placeholder 2"/>
+          <p:cNvSpPr>
+            <a:spLocks noGrp="1"/>
+          </p:cNvSpPr>
+          <p:nvPr>
+            <p:ph idx="1"/>
+          </p:nvPr>
+        </p:nvSpPr>
+        <p:spPr/>
+        <p:txBody>
+          <a:bodyPr/>
+          <a:lstStyle/>
+          <a:p>
+            <a:r>
+              <a:rPr lang="en-US" dirty="0"/>
+              <a:t>Phelps and </a:t>
+            </a:r>
+            <a:r>
+              <a:rPr lang="en-US" dirty="0" err="1"/>
+              <a:t>Mushlin</a:t>
+            </a:r>
+            <a:r>
+              <a:rPr lang="en-US" dirty="0"/>
+              <a:t> </a:t>
+            </a:r>
+            <a:r>
+              <a:rPr lang="en-US" dirty="0" smtClean="0"/>
+              <a:t>approach</a:t>
+            </a:r>
+            <a:r>
+              <a:rPr lang="en-US" dirty="0"/>
+              <a:t> </a:t>
+            </a:r>
+            <a:r>
+              <a:rPr lang="en-US" dirty="0" smtClean="0"/>
+              <a:t>model</a:t>
+            </a:r>
+          </a:p>
+          <a:p>
+            <a:pPr lvl="1"/>
+            <a:r>
+              <a:rPr lang="en-US" dirty="0" smtClean="0"/>
+              <a:t>Dollars per QALY</a:t>
+            </a:r>
+            <a:endParaRPr lang="en-US" dirty="0"/>
+          </a:p>
+        </p:txBody>
+      </p:sp>
+      <p:sp>
+        <p:nvSpPr>
+          <p:cNvPr id="4" name="Date Placeholder 3"/>
+          <p:cNvSpPr>
+            <a:spLocks noGrp="1"/>
+          </p:cNvSpPr>
+          <p:nvPr>
+            <p:ph type="dt" sz="half" idx="10"/>
+          </p:nvPr>
+        </p:nvSpPr>
+        <p:spPr/>
+        <p:txBody>
+          <a:bodyPr/>
+          <a:lstStyle/>
+          <a:p>
+            <a:r>
+              <a:rPr lang="en-US" smtClean="0"/>
+              <a:t>Sep 18 2018</a:t>
+            </a:r>
+            <a:endParaRPr lang="en-US"/>
+          </a:p>
+        </p:txBody>
+      </p:sp>
+      <p:sp>
+        <p:nvSpPr>
+          <p:cNvPr id="5" name="Footer Placeholder 4"/>
+          <p:cNvSpPr>
+            <a:spLocks noGrp="1"/>
+          </p:cNvSpPr>
+          <p:nvPr>
+            <p:ph type="ftr" sz="quarter" idx="11"/>
+          </p:nvPr>
+        </p:nvSpPr>
+        <p:spPr/>
+        <p:txBody>
+          <a:bodyPr/>
+          <a:lstStyle/>
+          <a:p>
+            <a:r>
+              <a:rPr lang="en-US" smtClean="0"/>
+              <a:t>Seminar – Fall 2018</a:t>
+            </a:r>
+            <a:endParaRPr lang="en-US"/>
+          </a:p>
+        </p:txBody>
+      </p:sp>
+      <p:sp>
+        <p:nvSpPr>
+          <p:cNvPr id="6" name="Slide Number Placeholder 5"/>
+          <p:cNvSpPr>
+            <a:spLocks noGrp="1"/>
+          </p:cNvSpPr>
+          <p:nvPr>
+            <p:ph type="sldNum" sz="quarter" idx="12"/>
+          </p:nvPr>
+        </p:nvSpPr>
+        <p:spPr/>
+        <p:txBody>
+          <a:bodyPr/>
+          <a:lstStyle/>
+          <a:p>
+            <a:fld id="{BDA5F717-12EE-A348-A3FB-CFE8FCC4E8AC}" type="slidenum">
+              <a:rPr lang="en-US" smtClean="0"/>
+              <a:t>15</a:t>
+            </a:fld>
+            <a:endParaRPr lang="en-US"/>
+          </a:p>
+        </p:txBody>
+      </p:sp>
+    </p:spTree>
+    <p:extLst>
+      <p:ext uri="{BB962C8B-B14F-4D97-AF65-F5344CB8AC3E}">
+        <p14:creationId xmlns:p14="http://schemas.microsoft.com/office/powerpoint/2010/main" val="964978674"/>
+      </p:ext>
+    </p:extLst>
+  </p:cSld>
+  <p:clrMapOvr>
+    <a:masterClrMapping/>
+  </p:clrMapOvr>
+  <p:timing>
+    <p:tnLst>
+      <p:par>
+        <p:cTn id="1" dur="indefinite" restart="never" nodeType="tmRoot"/>
+      </p:par>
+    </p:tnLst>
+  </p:timing>
+</p:sld>
+</file>
+
+<file path=ppt/slides/slide16.xml><?xml version="1.0" encoding="utf-8"?>
+<p:sld xmlns:a="http://schemas.openxmlformats.org/drawingml/2006/main" xmlns:r="http://schemas.openxmlformats.org/officeDocument/2006/relationships" xmlns:p="http://schemas.openxmlformats.org/presentationml/2006/main">
+  <p:cSld>
+    <p:spTree>
+      <p:nvGrpSpPr>
+        <p:cNvPr id="1" name=""/>
+        <p:cNvGrpSpPr/>
+        <p:nvPr/>
+      </p:nvGrpSpPr>
+      <p:grpSpPr>
+        <a:xfrm>
+          <a:off x="0" y="0"/>
+          <a:ext cx="0" cy="0"/>
+          <a:chOff x="0" y="0"/>
+          <a:chExt cx="0" cy="0"/>
+        </a:xfrm>
+      </p:grpSpPr>
+      <p:sp>
+        <p:nvSpPr>
+          <p:cNvPr id="13" name="Title 12"/>
+          <p:cNvSpPr>
+            <a:spLocks noGrp="1"/>
+          </p:cNvSpPr>
+          <p:nvPr>
+            <p:ph type="title"/>
+          </p:nvPr>
+        </p:nvSpPr>
+        <p:spPr/>
+        <p:txBody>
+          <a:bodyPr/>
+          <a:lstStyle/>
+          <a:p>
+            <a:r>
+              <a:rPr lang="en-US" dirty="0"/>
+              <a:t>Conclusion</a:t>
+            </a:r>
+          </a:p>
+        </p:txBody>
+      </p:sp>
+      <p:sp>
+        <p:nvSpPr>
+          <p:cNvPr id="14" name="Content Placeholder 13"/>
+          <p:cNvSpPr>
+            <a:spLocks noGrp="1"/>
+          </p:cNvSpPr>
+          <p:nvPr>
+            <p:ph idx="1"/>
+          </p:nvPr>
+        </p:nvSpPr>
+        <p:spPr/>
+        <p:txBody>
+          <a:bodyPr/>
+          <a:lstStyle/>
+          <a:p>
+            <a:endParaRPr lang="en-US" dirty="0" smtClean="0"/>
+          </a:p>
+          <a:p>
+            <a:r>
+              <a:rPr lang="en-US" dirty="0" smtClean="0"/>
+              <a:t>Efficacy model evaluates diagnosis imaging in the whole process of patient treatment.  </a:t>
+            </a:r>
+          </a:p>
+          <a:p>
+            <a:r>
+              <a:rPr lang="en-US" dirty="0" smtClean="0"/>
+              <a:t>More research has been conducted in Level 1 and 2.</a:t>
+            </a:r>
+          </a:p>
+          <a:p>
+            <a:endParaRPr lang="en-US" dirty="0"/>
+          </a:p>
+        </p:txBody>
+      </p:sp>
+      <p:sp>
+        <p:nvSpPr>
+          <p:cNvPr id="7" name="Date Placeholder 6"/>
+          <p:cNvSpPr>
+            <a:spLocks noGrp="1"/>
+          </p:cNvSpPr>
+          <p:nvPr>
+            <p:ph type="dt" sz="half" idx="10"/>
+          </p:nvPr>
+        </p:nvSpPr>
+        <p:spPr/>
+        <p:txBody>
+          <a:bodyPr/>
+          <a:lstStyle/>
+          <a:p>
+            <a:r>
+              <a:rPr lang="en-US" smtClean="0"/>
+              <a:t>Sep 18 2018</a:t>
+            </a:r>
+            <a:endParaRPr lang="en-US" dirty="0"/>
+          </a:p>
+        </p:txBody>
+      </p:sp>
+      <p:sp>
+        <p:nvSpPr>
+          <p:cNvPr id="8" name="Footer Placeholder 7"/>
+          <p:cNvSpPr>
+            <a:spLocks noGrp="1"/>
+          </p:cNvSpPr>
+          <p:nvPr>
+            <p:ph type="ftr" sz="quarter" idx="11"/>
+          </p:nvPr>
+        </p:nvSpPr>
+        <p:spPr/>
+        <p:txBody>
+          <a:bodyPr/>
+          <a:lstStyle/>
+          <a:p>
+            <a:r>
+              <a:rPr lang="en-US" smtClean="0"/>
+              <a:t>Seminar – Fall 2018</a:t>
+            </a:r>
+            <a:endParaRPr lang="en-US" dirty="0"/>
+          </a:p>
+        </p:txBody>
+      </p:sp>
+      <p:sp>
+        <p:nvSpPr>
+          <p:cNvPr id="9" name="Slide Number Placeholder 8"/>
+          <p:cNvSpPr>
+            <a:spLocks noGrp="1"/>
+          </p:cNvSpPr>
+          <p:nvPr>
+            <p:ph type="sldNum" sz="quarter" idx="12"/>
+          </p:nvPr>
+        </p:nvSpPr>
+        <p:spPr/>
+        <p:txBody>
+          <a:bodyPr/>
+          <a:lstStyle/>
+          <a:p>
+            <a:fld id="{BDA5F717-12EE-A348-A3FB-CFE8FCC4E8AC}" type="slidenum">
+              <a:rPr lang="en-US" smtClean="0"/>
+              <a:t>16</a:t>
             </a:fld>
             <a:endParaRPr lang="en-US"/>
           </a:p>
@@ -5882,7 +6811,7 @@
 </p:sld>
 </file>
 
-<file path=ppt/slides/slide15.xml><?xml version="1.0" encoding="utf-8"?>
+<file path=ppt/slides/slide17.xml><?xml version="1.0" encoding="utf-8"?>
 <p:sld xmlns:a="http://schemas.openxmlformats.org/drawingml/2006/main" xmlns:r="http://schemas.openxmlformats.org/officeDocument/2006/relationships" xmlns:p="http://schemas.openxmlformats.org/presentationml/2006/main">
   <p:cSld>
     <p:spTree>
@@ -5934,7 +6863,9 @@
         </p:nvSpPr>
         <p:spPr/>
         <p:txBody>
-          <a:bodyPr/>
+          <a:bodyPr>
+            <a:normAutofit fontScale="70000" lnSpcReduction="20000"/>
+          </a:bodyPr>
           <a:lstStyle/>
           <a:p>
             <a:r>
@@ -5960,23 +6891,118 @@
               <a:rPr lang="en-US" dirty="0" smtClean="0"/>
               <a:t>[2] </a:t>
             </a:r>
+            <a:r>
+              <a:rPr lang="en-US" b="0" dirty="0"/>
+              <a:t>Lord, Sarah J., Les </a:t>
+            </a:r>
+            <a:r>
+              <a:rPr lang="en-US" b="0" dirty="0" err="1"/>
+              <a:t>Irwig</a:t>
+            </a:r>
+            <a:r>
+              <a:rPr lang="en-US" b="0" dirty="0"/>
+              <a:t>, and R. John </a:t>
+            </a:r>
+            <a:r>
+              <a:rPr lang="en-US" b="0" dirty="0" err="1"/>
+              <a:t>Simes</a:t>
+            </a:r>
+            <a:r>
+              <a:rPr lang="en-US" b="0" dirty="0"/>
+              <a:t>. "When is measuring sensitivity and specificity sufficient to evaluate a diagnostic test, and when do we need randomized trials?." </a:t>
+            </a:r>
+            <a:r>
+              <a:rPr lang="en-US" b="0" i="1" dirty="0"/>
+              <a:t>Annals of internal medicine</a:t>
+            </a:r>
+            <a:r>
+              <a:rPr lang="en-US" b="0" dirty="0"/>
+              <a:t> 144.11 (2006): 850-855.</a:t>
+            </a:r>
+            <a:endParaRPr lang="en-US" dirty="0" smtClean="0"/>
           </a:p>
           <a:p>
             <a:r>
               <a:rPr lang="en-US" dirty="0" smtClean="0"/>
-              <a:t>[3]</a:t>
-            </a:r>
-          </a:p>
-          <a:p>
+              <a:t>[3</a:t>
+            </a:r>
             <a:r>
               <a:rPr lang="en-US" dirty="0" smtClean="0"/>
-              <a:t>[4]</a:t>
-            </a:r>
+              <a:t>]</a:t>
+            </a:r>
+            <a:r>
+              <a:rPr lang="en-US" b="0" dirty="0"/>
+              <a:t> Verhaegen, </a:t>
+            </a:r>
+            <a:r>
+              <a:rPr lang="en-US" b="0" dirty="0" err="1"/>
+              <a:t>Jorine</a:t>
+            </a:r>
+            <a:r>
+              <a:rPr lang="en-US" b="0" dirty="0"/>
+              <a:t>, et al. "Accuracy of single progesterone test to predict early pregnancy outcome in women with pain or bleeding: meta-analysis of cohort studies." </a:t>
+            </a:r>
+            <a:r>
+              <a:rPr lang="en-US" b="0" i="1" dirty="0" err="1"/>
+              <a:t>Bmj</a:t>
+            </a:r>
+            <a:r>
+              <a:rPr lang="en-US" b="0" dirty="0"/>
+              <a:t> 345 (2012): e6077.</a:t>
+            </a:r>
+            <a:endParaRPr lang="en-US" dirty="0" smtClean="0"/>
           </a:p>
           <a:p>
             <a:r>
               <a:rPr lang="en-US" dirty="0" smtClean="0"/>
-              <a:t>[5]</a:t>
+              <a:t>[4</a:t>
+            </a:r>
+            <a:r>
+              <a:rPr lang="en-US" dirty="0" smtClean="0"/>
+              <a:t>]</a:t>
+            </a:r>
+            <a:r>
+              <a:rPr lang="en-US" b="0" dirty="0"/>
+              <a:t> </a:t>
+            </a:r>
+            <a:r>
+              <a:rPr lang="en-US" b="0" dirty="0" err="1"/>
+              <a:t>Aboyans</a:t>
+            </a:r>
+            <a:r>
+              <a:rPr lang="en-US" b="0" dirty="0"/>
+              <a:t>, Victor, et al. "2017 ESC Guidelines on the Diagnosis and Treatment of Peripheral Arterial Diseases, in collaboration with the European Society for Vascular Surgery (ESVS) Document covering atherosclerotic disease of extracranial carotid and vertebral, mesenteric, renal, upper and lower extremity arteries Endorsed by: the European Stroke Organization (ESO) The Task Force for the Diagnosis and Treatment of Peripheral Arterial Diseases of the European Society of Cardiology (ESC) and of the European Society for Vascular ...." </a:t>
+            </a:r>
+            <a:r>
+              <a:rPr lang="en-US" b="0" i="1" dirty="0"/>
+              <a:t>European heart journal</a:t>
+            </a:r>
+            <a:r>
+              <a:rPr lang="en-US" b="0" dirty="0"/>
+              <a:t> 39.9 (2017): 763-816.</a:t>
+            </a:r>
+            <a:endParaRPr lang="en-US" dirty="0" smtClean="0"/>
+          </a:p>
+          <a:p>
+            <a:r>
+              <a:rPr lang="en-US" dirty="0" smtClean="0"/>
+              <a:t>[5</a:t>
+            </a:r>
+            <a:r>
+              <a:rPr lang="en-US" dirty="0" smtClean="0"/>
+              <a:t>]</a:t>
+            </a:r>
+            <a:r>
+              <a:rPr lang="en-US" b="0" dirty="0"/>
+              <a:t> Met, Rosemarie, et al. "Diagnostic performance of computed tomography angiography in peripheral arterial disease: a systematic review and meta-analysis." </a:t>
+            </a:r>
+            <a:r>
+              <a:rPr lang="en-US" b="0" i="1" dirty="0"/>
+              <a:t>Jama</a:t>
+            </a:r>
+            <a:r>
+              <a:rPr lang="en-US" b="0" dirty="0"/>
+              <a:t> 301.4 (2009): 415-424.</a:t>
             </a:r>
             <a:endParaRPr lang="en-US" dirty="0"/>
           </a:p>
@@ -6045,7 +7071,7 @@
           <a:p>
             <a:fld id="{BDA5F717-12EE-A348-A3FB-CFE8FCC4E8AC}" type="slidenum">
               <a:rPr lang="en-US" smtClean="0"/>
-              <a:t>15</a:t>
+              <a:t>17</a:t>
             </a:fld>
             <a:endParaRPr lang="en-US"/>
           </a:p>
@@ -6071,7 +7097,7 @@
 </p:sld>
 </file>
 
-<file path=ppt/slides/slide16.xml><?xml version="1.0" encoding="utf-8"?>
+<file path=ppt/slides/slide18.xml><?xml version="1.0" encoding="utf-8"?>
 <p:sld xmlns:a="http://schemas.openxmlformats.org/drawingml/2006/main" xmlns:r="http://schemas.openxmlformats.org/officeDocument/2006/relationships" xmlns:p="http://schemas.openxmlformats.org/presentationml/2006/main">
   <p:cSld>
     <p:spTree>
@@ -6152,7 +7178,7 @@
             <a:fld id="{00000000-1234-1234-1234-123412341234}" type="slidenum">
               <a:rPr lang="en" smtClean="0"/>
               <a:pPr/>
-              <a:t>16</a:t>
+              <a:t>18</a:t>
             </a:fld>
             <a:endParaRPr lang="en" dirty="0"/>
           </a:p>
@@ -6352,15 +7378,17 @@
           <a:lstStyle/>
           <a:p>
             <a:r>
-              <a:rPr lang="en-US" dirty="0"/>
-              <a:t>Background and Reason why this paper is important!!</a:t>
-            </a:r>
-          </a:p>
-          <a:p>
-            <a:r>
-              <a:rPr lang="en-US" dirty="0"/>
-              <a:t>Introduction</a:t>
-            </a:r>
+              <a:rPr lang="en-US" dirty="0" smtClean="0"/>
+              <a:t>Background</a:t>
+            </a:r>
+            <a:endParaRPr lang="en-US" dirty="0"/>
+          </a:p>
+          <a:p>
+            <a:r>
+              <a:rPr lang="en-US" dirty="0" smtClean="0"/>
+              <a:t>Related Work</a:t>
+            </a:r>
+            <a:endParaRPr lang="en-US" dirty="0"/>
           </a:p>
           <a:p>
             <a:r>
@@ -6372,22 +7400,15 @@
           <a:p>
             <a:r>
               <a:rPr lang="en-US" dirty="0" smtClean="0"/>
-              <a:t>Ongoing Research</a:t>
-            </a:r>
-            <a:endParaRPr lang="en-US" dirty="0"/>
-          </a:p>
-          <a:p>
-            <a:r>
-              <a:rPr lang="en-US" dirty="0" smtClean="0"/>
               <a:t>Conclusion</a:t>
             </a:r>
+            <a:endParaRPr lang="en-US" dirty="0" smtClean="0"/>
           </a:p>
           <a:p>
             <a:r>
               <a:rPr lang="en-US" dirty="0" smtClean="0"/>
               <a:t>References</a:t>
             </a:r>
-            <a:endParaRPr lang="en-US" dirty="0" smtClean="0"/>
           </a:p>
           <a:p>
             <a:r>
@@ -7102,109 +8123,6 @@
                       </p:childTnLst>
                     </p:cTn>
                   </p:par>
-                  <p:par>
-                    <p:cTn id="39" fill="hold">
-                      <p:stCondLst>
-                        <p:cond delay="indefinite"/>
-                      </p:stCondLst>
-                      <p:childTnLst>
-                        <p:par>
-                          <p:cTn id="40" fill="hold">
-                            <p:stCondLst>
-                              <p:cond delay="0"/>
-                            </p:stCondLst>
-                            <p:childTnLst>
-                              <p:par>
-                                <p:cTn id="41" presetID="2" presetClass="entr" presetSubtype="4" fill="hold" grpId="0" nodeType="clickEffect">
-                                  <p:stCondLst>
-                                    <p:cond delay="0"/>
-                                  </p:stCondLst>
-                                  <p:childTnLst>
-                                    <p:set>
-                                      <p:cBhvr>
-                                        <p:cTn id="42" dur="1" fill="hold">
-                                          <p:stCondLst>
-                                            <p:cond delay="0"/>
-                                          </p:stCondLst>
-                                        </p:cTn>
-                                        <p:tgtEl>
-                                          <p:spTgt spid="14">
-                                            <p:txEl>
-                                              <p:pRg st="6" end="6"/>
-                                            </p:txEl>
-                                          </p:spTgt>
-                                        </p:tgtEl>
-                                        <p:attrNameLst>
-                                          <p:attrName>style.visibility</p:attrName>
-                                        </p:attrNameLst>
-                                      </p:cBhvr>
-                                      <p:to>
-                                        <p:strVal val="visible"/>
-                                      </p:to>
-                                    </p:set>
-                                    <p:anim calcmode="lin" valueType="num">
-                                      <p:cBhvr additive="base">
-                                        <p:cTn id="43" dur="500" fill="hold"/>
-                                        <p:tgtEl>
-                                          <p:spTgt spid="14">
-                                            <p:txEl>
-                                              <p:pRg st="6" end="6"/>
-                                            </p:txEl>
-                                          </p:spTgt>
-                                        </p:tgtEl>
-                                        <p:attrNameLst>
-                                          <p:attrName>ppt_x</p:attrName>
-                                        </p:attrNameLst>
-                                      </p:cBhvr>
-                                      <p:tavLst>
-                                        <p:tav tm="0">
-                                          <p:val>
-                                            <p:strVal val="#ppt_x"/>
-                                          </p:val>
-                                        </p:tav>
-                                        <p:tav tm="100000">
-                                          <p:val>
-                                            <p:strVal val="#ppt_x"/>
-                                          </p:val>
-                                        </p:tav>
-                                      </p:tavLst>
-                                    </p:anim>
-                                    <p:anim calcmode="lin" valueType="num">
-                                      <p:cBhvr additive="base">
-                                        <p:cTn id="44" dur="500" fill="hold"/>
-                                        <p:tgtEl>
-                                          <p:spTgt spid="14">
-                                            <p:txEl>
-                                              <p:pRg st="6" end="6"/>
-                                            </p:txEl>
-                                          </p:spTgt>
-                                        </p:tgtEl>
-                                        <p:attrNameLst>
-                                          <p:attrName>ppt_y</p:attrName>
-                                        </p:attrNameLst>
-                                      </p:cBhvr>
-                                      <p:tavLst>
-                                        <p:tav tm="0">
-                                          <p:val>
-                                            <p:strVal val="1+#ppt_h/2"/>
-                                          </p:val>
-                                        </p:tav>
-                                        <p:tav tm="100000">
-                                          <p:val>
-                                            <p:strVal val="#ppt_y"/>
-                                          </p:val>
-                                        </p:tav>
-                                      </p:tavLst>
-                                    </p:anim>
-                                  </p:childTnLst>
-                                </p:cTn>
-                              </p:par>
-                            </p:childTnLst>
-                          </p:cTn>
-                        </p:par>
-                      </p:childTnLst>
-                    </p:cTn>
-                  </p:par>
                 </p:childTnLst>
               </p:cTn>
               <p:prevCondLst>
@@ -7307,11 +8225,7 @@
           <a:p>
             <a:r>
               <a:rPr lang="en-US" dirty="0" smtClean="0"/>
-              <a:t>Types</a:t>
-            </a:r>
-            <a:r>
-              <a:rPr lang="en-US" dirty="0" smtClean="0"/>
-              <a:t>:</a:t>
+              <a:t>Types:</a:t>
             </a:r>
           </a:p>
           <a:p>
@@ -7363,7 +8277,6 @@
               <a:rPr lang="en-US" dirty="0" smtClean="0"/>
               <a:t>etc.</a:t>
             </a:r>
-            <a:endParaRPr lang="en-US" dirty="0" smtClean="0"/>
           </a:p>
         </p:txBody>
       </p:sp>
@@ -8402,7 +9315,19 @@
           <a:p>
             <a:r>
               <a:rPr lang="en-US" dirty="0" smtClean="0"/>
-              <a:t>Why Efficacy? </a:t>
+              <a:t>Why </a:t>
+            </a:r>
+            <a:r>
+              <a:rPr lang="en-US" dirty="0" smtClean="0"/>
+              <a:t>Image Diagnosis </a:t>
+            </a:r>
+            <a:r>
+              <a:rPr lang="en-US" dirty="0" smtClean="0"/>
+              <a:t>Efficacy</a:t>
+            </a:r>
+            <a:r>
+              <a:rPr lang="en-US" dirty="0" smtClean="0"/>
+              <a:t>? </a:t>
             </a:r>
             <a:endParaRPr lang="en-US" dirty="0"/>
           </a:p>
@@ -8423,7 +9348,23 @@
           <a:bodyPr/>
           <a:lstStyle/>
           <a:p>
-            <a:endParaRPr lang="en-US"/>
+            <a:r>
+              <a:rPr lang="en-US" dirty="0" smtClean="0"/>
+              <a:t>Increase in expenditure in diagnostic Imaging</a:t>
+            </a:r>
+          </a:p>
+          <a:p>
+            <a:r>
+              <a:rPr lang="en-US" dirty="0" smtClean="0"/>
+              <a:t>Unnecessary radiation exposure</a:t>
+            </a:r>
+          </a:p>
+          <a:p>
+            <a:r>
+              <a:rPr lang="en-US" dirty="0" smtClean="0"/>
+              <a:t>Examination disagreement</a:t>
+            </a:r>
+            <a:endParaRPr lang="en-US" dirty="0"/>
           </a:p>
         </p:txBody>
       </p:sp>
@@ -8550,7 +9491,7 @@
           <a:p>
             <a:r>
               <a:rPr lang="en-US" dirty="0" smtClean="0"/>
-              <a:t>Innovation in Efficacy Model</a:t>
+              <a:t>Related work</a:t>
             </a:r>
             <a:endParaRPr lang="en-US" dirty="0"/>
           </a:p>
@@ -8570,6 +9511,18 @@
         <p:txBody>
           <a:bodyPr/>
           <a:lstStyle/>
+          <a:p>
+            <a:r>
+              <a:rPr lang="en-US" dirty="0" smtClean="0"/>
+              <a:t>Observer error in radiologic diagnosis (1954)</a:t>
+            </a:r>
+          </a:p>
+          <a:p>
+            <a:r>
+              <a:rPr lang="en-US" dirty="0" smtClean="0"/>
+              <a:t>Framework for evaluating efficacies (1980)</a:t>
+            </a:r>
+          </a:p>
           <a:p>
             <a:endParaRPr lang="en-US" dirty="0"/>
           </a:p>
@@ -8639,6 +9592,147 @@
             <a:fld id="{BDA5F717-12EE-A348-A3FB-CFE8FCC4E8AC}" type="slidenum">
               <a:rPr lang="en-US" smtClean="0"/>
               <a:t>5</a:t>
+            </a:fld>
+            <a:endParaRPr lang="en-US"/>
+          </a:p>
+        </p:txBody>
+      </p:sp>
+    </p:spTree>
+    <p:extLst>
+      <p:ext uri="{BB962C8B-B14F-4D97-AF65-F5344CB8AC3E}">
+        <p14:creationId xmlns:p14="http://schemas.microsoft.com/office/powerpoint/2010/main" val="1999054496"/>
+      </p:ext>
+    </p:extLst>
+  </p:cSld>
+  <p:clrMapOvr>
+    <a:masterClrMapping/>
+  </p:clrMapOvr>
+</p:sld>
+</file>
+
+<file path=ppt/slides/slide6.xml><?xml version="1.0" encoding="utf-8"?>
+<p:sld xmlns:a="http://schemas.openxmlformats.org/drawingml/2006/main" xmlns:r="http://schemas.openxmlformats.org/officeDocument/2006/relationships" xmlns:p="http://schemas.openxmlformats.org/presentationml/2006/main">
+  <p:cSld>
+    <p:spTree>
+      <p:nvGrpSpPr>
+        <p:cNvPr id="1" name=""/>
+        <p:cNvGrpSpPr/>
+        <p:nvPr/>
+      </p:nvGrpSpPr>
+      <p:grpSpPr>
+        <a:xfrm>
+          <a:off x="0" y="0"/>
+          <a:ext cx="0" cy="0"/>
+          <a:chOff x="0" y="0"/>
+          <a:chExt cx="0" cy="0"/>
+        </a:xfrm>
+      </p:grpSpPr>
+      <p:sp>
+        <p:nvSpPr>
+          <p:cNvPr id="2" name="Title 1"/>
+          <p:cNvSpPr>
+            <a:spLocks noGrp="1"/>
+          </p:cNvSpPr>
+          <p:nvPr>
+            <p:ph type="title"/>
+          </p:nvPr>
+        </p:nvSpPr>
+        <p:spPr/>
+        <p:txBody>
+          <a:bodyPr/>
+          <a:lstStyle/>
+          <a:p>
+            <a:r>
+              <a:rPr lang="en-US" dirty="0" smtClean="0"/>
+              <a:t>Innovation in Efficacy Model</a:t>
+            </a:r>
+            <a:endParaRPr lang="en-US" dirty="0"/>
+          </a:p>
+        </p:txBody>
+      </p:sp>
+      <p:sp>
+        <p:nvSpPr>
+          <p:cNvPr id="3" name="Content Placeholder 2"/>
+          <p:cNvSpPr>
+            <a:spLocks noGrp="1"/>
+          </p:cNvSpPr>
+          <p:nvPr>
+            <p:ph idx="1"/>
+          </p:nvPr>
+        </p:nvSpPr>
+        <p:spPr/>
+        <p:txBody>
+          <a:bodyPr/>
+          <a:lstStyle/>
+          <a:p>
+            <a:endParaRPr lang="en-US" dirty="0"/>
+          </a:p>
+        </p:txBody>
+      </p:sp>
+      <p:sp>
+        <p:nvSpPr>
+          <p:cNvPr id="4" name="Date Placeholder 3"/>
+          <p:cNvSpPr>
+            <a:spLocks noGrp="1"/>
+          </p:cNvSpPr>
+          <p:nvPr>
+            <p:ph type="dt" sz="half" idx="10"/>
+          </p:nvPr>
+        </p:nvSpPr>
+        <p:spPr/>
+        <p:txBody>
+          <a:bodyPr/>
+          <a:lstStyle/>
+          <a:p>
+            <a:r>
+              <a:rPr lang="en-US" smtClean="0"/>
+              <a:t>Sep 18 2018</a:t>
+            </a:r>
+            <a:endParaRPr lang="en-US"/>
+          </a:p>
+        </p:txBody>
+      </p:sp>
+      <p:sp>
+        <p:nvSpPr>
+          <p:cNvPr id="5" name="Footer Placeholder 4"/>
+          <p:cNvSpPr>
+            <a:spLocks noGrp="1"/>
+          </p:cNvSpPr>
+          <p:nvPr>
+            <p:ph type="ftr" sz="quarter" idx="11"/>
+          </p:nvPr>
+        </p:nvSpPr>
+        <p:spPr/>
+        <p:txBody>
+          <a:bodyPr/>
+          <a:lstStyle/>
+          <a:p>
+            <a:r>
+              <a:rPr lang="en-US" smtClean="0"/>
+              <a:t>Seminar – Fall 2018</a:t>
+            </a:r>
+            <a:endParaRPr lang="en-US"/>
+          </a:p>
+        </p:txBody>
+      </p:sp>
+      <p:sp>
+        <p:nvSpPr>
+          <p:cNvPr id="6" name="Slide Number Placeholder 5"/>
+          <p:cNvSpPr>
+            <a:spLocks noGrp="1"/>
+          </p:cNvSpPr>
+          <p:nvPr>
+            <p:ph type="sldNum" sz="quarter" idx="12"/>
+          </p:nvPr>
+        </p:nvSpPr>
+        <p:spPr/>
+        <p:txBody>
+          <a:bodyPr/>
+          <a:lstStyle/>
+          <a:p>
+            <a:fld id="{BDA5F717-12EE-A348-A3FB-CFE8FCC4E8AC}" type="slidenum">
+              <a:rPr lang="en-US" smtClean="0"/>
+              <a:t>6</a:t>
             </a:fld>
             <a:endParaRPr lang="en-US"/>
           </a:p>
@@ -8687,14 +9781,22 @@
             <a:pPr algn="ctr"/>
             <a:r>
               <a:rPr lang="en-US" sz="1500" dirty="0" smtClean="0"/>
-              <a:t>Best images</a:t>
+              <a:t>(Best </a:t>
+            </a:r>
+            <a:r>
+              <a:rPr lang="en-US" sz="1500" dirty="0" smtClean="0"/>
+              <a:t>images</a:t>
             </a:r>
           </a:p>
           <a:p>
             <a:pPr algn="ctr"/>
             <a:r>
               <a:rPr lang="en-US" sz="1500" dirty="0" smtClean="0"/>
-              <a:t>Accurate diagnoses</a:t>
+              <a:t>Accurate </a:t>
+            </a:r>
+            <a:r>
+              <a:rPr lang="en-US" sz="1500" dirty="0" smtClean="0"/>
+              <a:t>diagnoses)</a:t>
             </a:r>
             <a:endParaRPr lang="en-US" sz="1500" dirty="0"/>
           </a:p>
@@ -8809,607 +9911,6 @@
 </p:sld>
 </file>
 
-<file path=ppt/slides/slide6.xml><?xml version="1.0" encoding="utf-8"?>
-<p:sld xmlns:a="http://schemas.openxmlformats.org/drawingml/2006/main" xmlns:r="http://schemas.openxmlformats.org/officeDocument/2006/relationships" xmlns:p="http://schemas.openxmlformats.org/presentationml/2006/main">
-  <p:cSld>
-    <p:spTree>
-      <p:nvGrpSpPr>
-        <p:cNvPr id="1" name=""/>
-        <p:cNvGrpSpPr/>
-        <p:nvPr/>
-      </p:nvGrpSpPr>
-      <p:grpSpPr>
-        <a:xfrm>
-          <a:off x="0" y="0"/>
-          <a:ext cx="0" cy="0"/>
-          <a:chOff x="0" y="0"/>
-          <a:chExt cx="0" cy="0"/>
-        </a:xfrm>
-      </p:grpSpPr>
-      <p:sp>
-        <p:nvSpPr>
-          <p:cNvPr id="13" name="Title 12"/>
-          <p:cNvSpPr>
-            <a:spLocks noGrp="1"/>
-          </p:cNvSpPr>
-          <p:nvPr>
-            <p:ph type="title"/>
-          </p:nvPr>
-        </p:nvSpPr>
-        <p:spPr/>
-        <p:txBody>
-          <a:bodyPr>
-            <a:normAutofit/>
-          </a:bodyPr>
-          <a:lstStyle/>
-          <a:p>
-            <a:r>
-              <a:rPr lang="en-US" dirty="0" smtClean="0"/>
-              <a:t>Efficacy Model</a:t>
-            </a:r>
-            <a:endParaRPr lang="en-US" dirty="0"/>
-          </a:p>
-        </p:txBody>
-      </p:sp>
-      <p:sp>
-        <p:nvSpPr>
-          <p:cNvPr id="14" name="Content Placeholder 13"/>
-          <p:cNvSpPr>
-            <a:spLocks noGrp="1"/>
-          </p:cNvSpPr>
-          <p:nvPr>
-            <p:ph idx="1"/>
-          </p:nvPr>
-        </p:nvSpPr>
-        <p:spPr/>
-        <p:txBody>
-          <a:bodyPr>
-            <a:normAutofit/>
-          </a:bodyPr>
-          <a:lstStyle/>
-          <a:p>
-            <a:endParaRPr lang="en-US" sz="1800" i="1" dirty="0"/>
-          </a:p>
-        </p:txBody>
-      </p:sp>
-      <p:sp>
-        <p:nvSpPr>
-          <p:cNvPr id="7" name="Date Placeholder 6"/>
-          <p:cNvSpPr>
-            <a:spLocks noGrp="1"/>
-          </p:cNvSpPr>
-          <p:nvPr>
-            <p:ph type="dt" sz="half" idx="10"/>
-          </p:nvPr>
-        </p:nvSpPr>
-        <p:spPr/>
-        <p:txBody>
-          <a:bodyPr/>
-          <a:lstStyle/>
-          <a:p>
-            <a:r>
-              <a:rPr lang="en-US" sz="1800" b="1" i="1" smtClean="0"/>
-              <a:t>Sep 18 2018</a:t>
-            </a:r>
-            <a:endParaRPr lang="en-US" sz="1800" b="1" i="1" dirty="0"/>
-          </a:p>
-        </p:txBody>
-      </p:sp>
-      <p:sp>
-        <p:nvSpPr>
-          <p:cNvPr id="8" name="Footer Placeholder 7"/>
-          <p:cNvSpPr>
-            <a:spLocks noGrp="1"/>
-          </p:cNvSpPr>
-          <p:nvPr>
-            <p:ph type="ftr" sz="quarter" idx="11"/>
-          </p:nvPr>
-        </p:nvSpPr>
-        <p:spPr/>
-        <p:txBody>
-          <a:bodyPr/>
-          <a:lstStyle/>
-          <a:p>
-            <a:r>
-              <a:rPr lang="en-US" sz="1800" b="1" i="1" smtClean="0"/>
-              <a:t>Seminar – Fall 2018</a:t>
-            </a:r>
-            <a:endParaRPr lang="en-US" sz="1800" b="1" i="1" dirty="0"/>
-          </a:p>
-        </p:txBody>
-      </p:sp>
-      <p:sp>
-        <p:nvSpPr>
-          <p:cNvPr id="9" name="Slide Number Placeholder 8"/>
-          <p:cNvSpPr>
-            <a:spLocks noGrp="1"/>
-          </p:cNvSpPr>
-          <p:nvPr>
-            <p:ph type="sldNum" sz="quarter" idx="12"/>
-          </p:nvPr>
-        </p:nvSpPr>
-        <p:spPr/>
-        <p:txBody>
-          <a:bodyPr/>
-          <a:lstStyle/>
-          <a:p>
-            <a:fld id="{BDA5F717-12EE-A348-A3FB-CFE8FCC4E8AC}" type="slidenum">
-              <a:rPr lang="en-US" sz="1800" b="1" i="1" smtClean="0"/>
-              <a:t>6</a:t>
-            </a:fld>
-            <a:endParaRPr lang="en-US" sz="1800" b="1" i="1"/>
-          </a:p>
-        </p:txBody>
-      </p:sp>
-      <p:sp>
-        <p:nvSpPr>
-          <p:cNvPr id="2" name="Rectangle 1"/>
-          <p:cNvSpPr/>
-          <p:nvPr/>
-        </p:nvSpPr>
-        <p:spPr>
-          <a:xfrm>
-            <a:off x="2104277" y="1686993"/>
-            <a:ext cx="4711700" cy="495973"/>
-          </a:xfrm>
-          <a:prstGeom prst="rect">
-            <a:avLst/>
-          </a:prstGeom>
-        </p:spPr>
-        <p:style>
-          <a:lnRef idx="2">
-            <a:schemeClr val="accent6"/>
-          </a:lnRef>
-          <a:fillRef idx="1">
-            <a:schemeClr val="lt1"/>
-          </a:fillRef>
-          <a:effectRef idx="0">
-            <a:schemeClr val="accent6"/>
-          </a:effectRef>
-          <a:fontRef idx="minor">
-            <a:schemeClr val="dk1"/>
-          </a:fontRef>
-        </p:style>
-        <p:txBody>
-          <a:bodyPr rtlCol="0" anchor="ctr"/>
-          <a:lstStyle/>
-          <a:p>
-            <a:pPr algn="ctr"/>
-            <a:r>
-              <a:rPr lang="en-US" sz="1800" b="1" i="1" dirty="0" smtClean="0"/>
-              <a:t>Societal Efficacy</a:t>
-            </a:r>
-            <a:endParaRPr lang="en-US" sz="1800" b="1" i="1" dirty="0"/>
-          </a:p>
-        </p:txBody>
-      </p:sp>
-      <p:sp>
-        <p:nvSpPr>
-          <p:cNvPr id="12" name="Rectangle 11"/>
-          <p:cNvSpPr/>
-          <p:nvPr/>
-        </p:nvSpPr>
-        <p:spPr>
-          <a:xfrm>
-            <a:off x="2104277" y="2182966"/>
-            <a:ext cx="4711700" cy="495973"/>
-          </a:xfrm>
-          <a:prstGeom prst="rect">
-            <a:avLst/>
-          </a:prstGeom>
-        </p:spPr>
-        <p:style>
-          <a:lnRef idx="2">
-            <a:schemeClr val="accent6"/>
-          </a:lnRef>
-          <a:fillRef idx="1">
-            <a:schemeClr val="lt1"/>
-          </a:fillRef>
-          <a:effectRef idx="0">
-            <a:schemeClr val="accent6"/>
-          </a:effectRef>
-          <a:fontRef idx="minor">
-            <a:schemeClr val="dk1"/>
-          </a:fontRef>
-        </p:style>
-        <p:txBody>
-          <a:bodyPr rtlCol="0" anchor="ctr"/>
-          <a:lstStyle/>
-          <a:p>
-            <a:pPr algn="ctr"/>
-            <a:r>
-              <a:rPr lang="en-US" sz="1800" b="1" i="1" dirty="0" smtClean="0"/>
-              <a:t>Patient Outcome Efficacy</a:t>
-            </a:r>
-            <a:endParaRPr lang="en-US" sz="1800" b="1" i="1" dirty="0"/>
-          </a:p>
-        </p:txBody>
-      </p:sp>
-      <p:sp>
-        <p:nvSpPr>
-          <p:cNvPr id="15" name="Rectangle 14"/>
-          <p:cNvSpPr/>
-          <p:nvPr/>
-        </p:nvSpPr>
-        <p:spPr>
-          <a:xfrm>
-            <a:off x="2104277" y="2678939"/>
-            <a:ext cx="4711700" cy="495973"/>
-          </a:xfrm>
-          <a:prstGeom prst="rect">
-            <a:avLst/>
-          </a:prstGeom>
-        </p:spPr>
-        <p:style>
-          <a:lnRef idx="2">
-            <a:schemeClr val="accent6"/>
-          </a:lnRef>
-          <a:fillRef idx="1">
-            <a:schemeClr val="lt1"/>
-          </a:fillRef>
-          <a:effectRef idx="0">
-            <a:schemeClr val="accent6"/>
-          </a:effectRef>
-          <a:fontRef idx="minor">
-            <a:schemeClr val="dk1"/>
-          </a:fontRef>
-        </p:style>
-        <p:txBody>
-          <a:bodyPr rtlCol="0" anchor="ctr"/>
-          <a:lstStyle/>
-          <a:p>
-            <a:pPr algn="ctr"/>
-            <a:r>
-              <a:rPr lang="en-US" sz="1800" b="1" i="1" dirty="0" smtClean="0"/>
-              <a:t>Therapeutic Efficacy</a:t>
-            </a:r>
-            <a:endParaRPr lang="en-US" sz="1800" b="1" i="1" dirty="0"/>
-          </a:p>
-        </p:txBody>
-      </p:sp>
-      <p:sp>
-        <p:nvSpPr>
-          <p:cNvPr id="16" name="Rectangle 15"/>
-          <p:cNvSpPr/>
-          <p:nvPr/>
-        </p:nvSpPr>
-        <p:spPr>
-          <a:xfrm>
-            <a:off x="2104277" y="3174912"/>
-            <a:ext cx="4711700" cy="495973"/>
-          </a:xfrm>
-          <a:prstGeom prst="rect">
-            <a:avLst/>
-          </a:prstGeom>
-        </p:spPr>
-        <p:style>
-          <a:lnRef idx="2">
-            <a:schemeClr val="accent6"/>
-          </a:lnRef>
-          <a:fillRef idx="1">
-            <a:schemeClr val="lt1"/>
-          </a:fillRef>
-          <a:effectRef idx="0">
-            <a:schemeClr val="accent6"/>
-          </a:effectRef>
-          <a:fontRef idx="minor">
-            <a:schemeClr val="dk1"/>
-          </a:fontRef>
-        </p:style>
-        <p:txBody>
-          <a:bodyPr rtlCol="0" anchor="ctr"/>
-          <a:lstStyle/>
-          <a:p>
-            <a:pPr algn="ctr"/>
-            <a:r>
-              <a:rPr lang="en-US" sz="1800" b="1" i="1" dirty="0" smtClean="0"/>
-              <a:t>Diagnostic Thinking Efficacy</a:t>
-            </a:r>
-            <a:endParaRPr lang="en-US" sz="1800" b="1" i="1" dirty="0"/>
-          </a:p>
-        </p:txBody>
-      </p:sp>
-      <p:sp>
-        <p:nvSpPr>
-          <p:cNvPr id="17" name="Rectangle 16"/>
-          <p:cNvSpPr/>
-          <p:nvPr/>
-        </p:nvSpPr>
-        <p:spPr>
-          <a:xfrm>
-            <a:off x="2104277" y="3590655"/>
-            <a:ext cx="4711700" cy="495973"/>
-          </a:xfrm>
-          <a:prstGeom prst="rect">
-            <a:avLst/>
-          </a:prstGeom>
-        </p:spPr>
-        <p:style>
-          <a:lnRef idx="2">
-            <a:schemeClr val="accent6"/>
-          </a:lnRef>
-          <a:fillRef idx="1">
-            <a:schemeClr val="lt1"/>
-          </a:fillRef>
-          <a:effectRef idx="0">
-            <a:schemeClr val="accent6"/>
-          </a:effectRef>
-          <a:fontRef idx="minor">
-            <a:schemeClr val="dk1"/>
-          </a:fontRef>
-        </p:style>
-        <p:txBody>
-          <a:bodyPr rtlCol="0" anchor="ctr"/>
-          <a:lstStyle/>
-          <a:p>
-            <a:pPr algn="ctr"/>
-            <a:r>
-              <a:rPr lang="en-US" sz="1800" b="1" i="1" dirty="0" smtClean="0"/>
-              <a:t>Diagnostic Accuracy Efficacy</a:t>
-            </a:r>
-            <a:endParaRPr lang="en-US" sz="1800" b="1" i="1" dirty="0"/>
-          </a:p>
-        </p:txBody>
-      </p:sp>
-      <p:sp>
-        <p:nvSpPr>
-          <p:cNvPr id="18" name="Rectangle 17"/>
-          <p:cNvSpPr/>
-          <p:nvPr/>
-        </p:nvSpPr>
-        <p:spPr>
-          <a:xfrm>
-            <a:off x="2104277" y="4086628"/>
-            <a:ext cx="4711700" cy="495973"/>
-          </a:xfrm>
-          <a:prstGeom prst="rect">
-            <a:avLst/>
-          </a:prstGeom>
-        </p:spPr>
-        <p:style>
-          <a:lnRef idx="2">
-            <a:schemeClr val="accent6"/>
-          </a:lnRef>
-          <a:fillRef idx="1">
-            <a:schemeClr val="lt1"/>
-          </a:fillRef>
-          <a:effectRef idx="0">
-            <a:schemeClr val="accent6"/>
-          </a:effectRef>
-          <a:fontRef idx="minor">
-            <a:schemeClr val="dk1"/>
-          </a:fontRef>
-        </p:style>
-        <p:txBody>
-          <a:bodyPr rtlCol="0" anchor="ctr"/>
-          <a:lstStyle/>
-          <a:p>
-            <a:pPr algn="ctr"/>
-            <a:r>
-              <a:rPr lang="en-US" sz="1800" b="1" i="1" dirty="0" smtClean="0"/>
-              <a:t>Technical Efficacy</a:t>
-            </a:r>
-            <a:endParaRPr lang="en-US" sz="1800" b="1" i="1" dirty="0"/>
-          </a:p>
-        </p:txBody>
-      </p:sp>
-      <p:cxnSp>
-        <p:nvCxnSpPr>
-          <p:cNvPr id="4" name="Straight Arrow Connector 3"/>
-          <p:cNvCxnSpPr/>
-          <p:nvPr/>
-        </p:nvCxnSpPr>
-        <p:spPr>
-          <a:xfrm flipV="1">
-            <a:off x="7315627" y="1686993"/>
-            <a:ext cx="0" cy="2796107"/>
-          </a:xfrm>
-          <a:prstGeom prst="straightConnector1">
-            <a:avLst/>
-          </a:prstGeom>
-          <a:ln>
-            <a:tailEnd type="triangle"/>
-          </a:ln>
-        </p:spPr>
-        <p:style>
-          <a:lnRef idx="1">
-            <a:schemeClr val="accent6"/>
-          </a:lnRef>
-          <a:fillRef idx="0">
-            <a:schemeClr val="accent6"/>
-          </a:fillRef>
-          <a:effectRef idx="0">
-            <a:schemeClr val="accent6"/>
-          </a:effectRef>
-          <a:fontRef idx="minor">
-            <a:schemeClr val="tx1"/>
-          </a:fontRef>
-        </p:style>
-      </p:cxnSp>
-      <p:sp>
-        <p:nvSpPr>
-          <p:cNvPr id="5" name="TextBox 4"/>
-          <p:cNvSpPr txBox="1"/>
-          <p:nvPr/>
-        </p:nvSpPr>
-        <p:spPr>
-          <a:xfrm>
-            <a:off x="7359555" y="3122816"/>
-            <a:ext cx="685800" cy="300082"/>
-          </a:xfrm>
-          <a:prstGeom prst="rect">
-            <a:avLst/>
-          </a:prstGeom>
-          <a:noFill/>
-        </p:spPr>
-        <p:txBody>
-          <a:bodyPr wrap="square" rtlCol="0">
-            <a:spAutoFit/>
-          </a:bodyPr>
-          <a:lstStyle/>
-          <a:p>
-            <a:r>
-              <a:rPr lang="en-US" dirty="0" smtClean="0"/>
-              <a:t>Level</a:t>
-            </a:r>
-            <a:endParaRPr lang="en-US" dirty="0"/>
-          </a:p>
-        </p:txBody>
-      </p:sp>
-    </p:spTree>
-    <p:extLst>
-      <p:ext uri="{BB962C8B-B14F-4D97-AF65-F5344CB8AC3E}">
-        <p14:creationId xmlns:p14="http://schemas.microsoft.com/office/powerpoint/2010/main" val="3741275886"/>
-      </p:ext>
-    </p:extLst>
-  </p:cSld>
-  <p:clrMapOvr>
-    <a:masterClrMapping/>
-  </p:clrMapOvr>
-  <p:timing>
-    <p:tnLst>
-      <p:par>
-        <p:cTn id="1" dur="indefinite" restart="never" nodeType="tmRoot">
-          <p:childTnLst>
-            <p:seq concurrent="1" nextAc="seek">
-              <p:cTn id="2" dur="indefinite" nodeType="mainSeq">
-                <p:childTnLst>
-                  <p:par>
-                    <p:cTn id="3" fill="hold">
-                      <p:stCondLst>
-                        <p:cond delay="indefinite"/>
-                      </p:stCondLst>
-                      <p:childTnLst>
-                        <p:par>
-                          <p:cTn id="4" fill="hold">
-                            <p:stCondLst>
-                              <p:cond delay="0"/>
-                            </p:stCondLst>
-                            <p:childTnLst>
-                              <p:par>
-                                <p:cTn id="5" presetID="2" presetClass="entr" presetSubtype="4" fill="hold" grpId="0" nodeType="clickEffect" nodePh="1">
-                                  <p:stCondLst>
-                                    <p:cond delay="0"/>
-                                  </p:stCondLst>
-                                  <p:endCondLst>
-                                    <p:cond evt="begin" delay="0">
-                                      <p:tn val="5"/>
-                                    </p:cond>
-                                  </p:endCondLst>
-                                  <p:childTnLst>
-                                    <p:set>
-                                      <p:cBhvr>
-                                        <p:cTn id="6" dur="1" fill="hold">
-                                          <p:stCondLst>
-                                            <p:cond delay="0"/>
-                                          </p:stCondLst>
-                                        </p:cTn>
-                                        <p:tgtEl>
-                                          <p:spTgt spid="14">
-                                            <p:txEl>
-                                              <p:pRg st="0" end="0"/>
-                                            </p:txEl>
-                                          </p:spTgt>
-                                        </p:tgtEl>
-                                        <p:attrNameLst>
-                                          <p:attrName>style.visibility</p:attrName>
-                                        </p:attrNameLst>
-                                      </p:cBhvr>
-                                      <p:to>
-                                        <p:strVal val="visible"/>
-                                      </p:to>
-                                    </p:set>
-                                    <p:anim calcmode="lin" valueType="num">
-                                      <p:cBhvr additive="base">
-                                        <p:cTn id="7" dur="500" fill="hold"/>
-                                        <p:tgtEl>
-                                          <p:spTgt spid="14">
-                                            <p:txEl>
-                                              <p:pRg st="0" end="0"/>
-                                            </p:txEl>
-                                          </p:spTgt>
-                                        </p:tgtEl>
-                                        <p:attrNameLst>
-                                          <p:attrName>ppt_x</p:attrName>
-                                        </p:attrNameLst>
-                                      </p:cBhvr>
-                                      <p:tavLst>
-                                        <p:tav tm="0">
-                                          <p:val>
-                                            <p:strVal val="#ppt_x"/>
-                                          </p:val>
-                                        </p:tav>
-                                        <p:tav tm="100000">
-                                          <p:val>
-                                            <p:strVal val="#ppt_x"/>
-                                          </p:val>
-                                        </p:tav>
-                                      </p:tavLst>
-                                    </p:anim>
-                                    <p:anim calcmode="lin" valueType="num">
-                                      <p:cBhvr additive="base">
-                                        <p:cTn id="8" dur="500" fill="hold"/>
-                                        <p:tgtEl>
-                                          <p:spTgt spid="14">
-                                            <p:txEl>
-                                              <p:pRg st="0" end="0"/>
-                                            </p:txEl>
-                                          </p:spTgt>
-                                        </p:tgtEl>
-                                        <p:attrNameLst>
-                                          <p:attrName>ppt_y</p:attrName>
-                                        </p:attrNameLst>
-                                      </p:cBhvr>
-                                      <p:tavLst>
-                                        <p:tav tm="0">
-                                          <p:val>
-                                            <p:strVal val="1+#ppt_h/2"/>
-                                          </p:val>
-                                        </p:tav>
-                                        <p:tav tm="100000">
-                                          <p:val>
-                                            <p:strVal val="#ppt_y"/>
-                                          </p:val>
-                                        </p:tav>
-                                      </p:tavLst>
-                                    </p:anim>
-                                  </p:childTnLst>
-                                </p:cTn>
-                              </p:par>
-                            </p:childTnLst>
-                          </p:cTn>
-                        </p:par>
-                      </p:childTnLst>
-                    </p:cTn>
-                  </p:par>
-                </p:childTnLst>
-              </p:cTn>
-              <p:prevCondLst>
-                <p:cond evt="onPrev" delay="0">
-                  <p:tgtEl>
-                    <p:sldTgt/>
-                  </p:tgtEl>
-                </p:cond>
-              </p:prevCondLst>
-              <p:nextCondLst>
-                <p:cond evt="onNext" delay="0">
-                  <p:tgtEl>
-                    <p:sldTgt/>
-                  </p:tgtEl>
-                </p:cond>
-              </p:nextCondLst>
-            </p:seq>
-          </p:childTnLst>
-        </p:cTn>
-      </p:par>
-    </p:tnLst>
-    <p:bldLst>
-      <p:bldP spid="14" grpId="0" build="p"/>
-    </p:bldLst>
-  </p:timing>
-</p:sld>
-</file>
-
 <file path=ppt/slides/slide7.xml><?xml version="1.0" encoding="utf-8"?>
 <p:sld xmlns:a="http://schemas.openxmlformats.org/drawingml/2006/main" xmlns:r="http://schemas.openxmlformats.org/officeDocument/2006/relationships" xmlns:p="http://schemas.openxmlformats.org/presentationml/2006/main">
   <p:cSld>
@@ -9429,7 +9930,7 @@
       </p:grpSpPr>
       <p:sp>
         <p:nvSpPr>
-          <p:cNvPr id="2" name="Title 1"/>
+          <p:cNvPr id="13" name="Title 12"/>
           <p:cNvSpPr>
             <a:spLocks noGrp="1"/>
           </p:cNvSpPr>
@@ -9439,12 +9940,18 @@
         </p:nvSpPr>
         <p:spPr/>
         <p:txBody>
-          <a:bodyPr/>
+          <a:bodyPr>
+            <a:normAutofit/>
+          </a:bodyPr>
           <a:lstStyle/>
           <a:p>
             <a:r>
               <a:rPr lang="en-US" dirty="0" smtClean="0"/>
-              <a:t>Level 1: Technical Efficacy</a:t>
+              <a:t>6-tier Efficacy </a:t>
+            </a:r>
+            <a:r>
+              <a:rPr lang="en-US" dirty="0" smtClean="0"/>
+              <a:t>Model</a:t>
             </a:r>
             <a:endParaRPr lang="en-US" dirty="0"/>
           </a:p>
@@ -9452,72 +9959,7 @@
       </p:sp>
       <p:sp>
         <p:nvSpPr>
-          <p:cNvPr id="3" name="Content Placeholder 2"/>
-          <p:cNvSpPr>
-            <a:spLocks noGrp="1"/>
-          </p:cNvSpPr>
-          <p:nvPr>
-            <p:ph idx="1"/>
-          </p:nvPr>
-        </p:nvSpPr>
-        <p:spPr/>
-        <p:txBody>
-          <a:bodyPr/>
-          <a:lstStyle/>
-          <a:p>
-            <a:r>
-              <a:rPr lang="en-US" dirty="0" smtClean="0"/>
-              <a:t>High Quality Image:</a:t>
-            </a:r>
-          </a:p>
-          <a:p>
-            <a:pPr lvl="1"/>
-            <a:r>
-              <a:rPr lang="en-US" dirty="0" smtClean="0"/>
-              <a:t>MTF</a:t>
-            </a:r>
-          </a:p>
-          <a:p>
-            <a:pPr lvl="1"/>
-            <a:r>
-              <a:rPr lang="en-US" dirty="0" smtClean="0"/>
-              <a:t>Sharpness</a:t>
-            </a:r>
-          </a:p>
-          <a:p>
-            <a:pPr lvl="1"/>
-            <a:r>
-              <a:rPr lang="en-US" dirty="0" smtClean="0"/>
-              <a:t>Brightness</a:t>
-            </a:r>
-          </a:p>
-          <a:p>
-            <a:pPr lvl="1"/>
-            <a:r>
-              <a:rPr lang="en-US" dirty="0" smtClean="0"/>
-              <a:t>Contrast</a:t>
-            </a:r>
-          </a:p>
-          <a:p>
-            <a:pPr lvl="1"/>
-            <a:r>
-              <a:rPr lang="en-US" dirty="0" smtClean="0"/>
-              <a:t>Mottle</a:t>
-            </a:r>
-          </a:p>
-          <a:p>
-            <a:pPr lvl="1"/>
-            <a:r>
-              <a:rPr lang="en-US" dirty="0" smtClean="0"/>
-              <a:t>Time required for an optimal exposure</a:t>
-            </a:r>
-            <a:endParaRPr lang="en-US" dirty="0"/>
-          </a:p>
-        </p:txBody>
-      </p:sp>
-      <p:sp>
-        <p:nvSpPr>
-          <p:cNvPr id="4" name="Date Placeholder 3"/>
+          <p:cNvPr id="7" name="Date Placeholder 6"/>
           <p:cNvSpPr>
             <a:spLocks noGrp="1"/>
           </p:cNvSpPr>
@@ -9531,16 +9973,16 @@
           <a:lstStyle/>
           <a:p>
             <a:r>
-              <a:rPr lang="en-US" smtClean="0"/>
+              <a:rPr lang="en-US" sz="1800" b="1" i="1" smtClean="0"/>
               <a:t>Sep 18 2018</a:t>
             </a:r>
-            <a:endParaRPr lang="en-US"/>
-          </a:p>
-        </p:txBody>
-      </p:sp>
-      <p:sp>
-        <p:nvSpPr>
-          <p:cNvPr id="5" name="Footer Placeholder 4"/>
+            <a:endParaRPr lang="en-US" sz="1800" b="1" i="1" dirty="0"/>
+          </a:p>
+        </p:txBody>
+      </p:sp>
+      <p:sp>
+        <p:nvSpPr>
+          <p:cNvPr id="8" name="Footer Placeholder 7"/>
           <p:cNvSpPr>
             <a:spLocks noGrp="1"/>
           </p:cNvSpPr>
@@ -9554,16 +9996,16 @@
           <a:lstStyle/>
           <a:p>
             <a:r>
-              <a:rPr lang="en-US" smtClean="0"/>
+              <a:rPr lang="en-US" sz="1800" b="1" i="1" smtClean="0"/>
               <a:t>Seminar – Fall 2018</a:t>
             </a:r>
-            <a:endParaRPr lang="en-US"/>
-          </a:p>
-        </p:txBody>
-      </p:sp>
-      <p:sp>
-        <p:nvSpPr>
-          <p:cNvPr id="6" name="Slide Number Placeholder 5"/>
+            <a:endParaRPr lang="en-US" sz="1800" b="1" i="1" dirty="0"/>
+          </a:p>
+        </p:txBody>
+      </p:sp>
+      <p:sp>
+        <p:nvSpPr>
+          <p:cNvPr id="9" name="Slide Number Placeholder 8"/>
           <p:cNvSpPr>
             <a:spLocks noGrp="1"/>
           </p:cNvSpPr>
@@ -9577,17 +10019,347 @@
           <a:lstStyle/>
           <a:p>
             <a:fld id="{BDA5F717-12EE-A348-A3FB-CFE8FCC4E8AC}" type="slidenum">
-              <a:rPr lang="en-US" smtClean="0"/>
+              <a:rPr lang="en-US" sz="1800" b="1" i="1" smtClean="0"/>
               <a:t>7</a:t>
             </a:fld>
-            <a:endParaRPr lang="en-US"/>
-          </a:p>
-        </p:txBody>
-      </p:sp>
+            <a:endParaRPr lang="en-US" sz="1800" b="1" i="1"/>
+          </a:p>
+        </p:txBody>
+      </p:sp>
+      <p:grpSp>
+        <p:nvGrpSpPr>
+          <p:cNvPr id="3" name="Group 2"/>
+          <p:cNvGrpSpPr/>
+          <p:nvPr/>
+        </p:nvGrpSpPr>
+        <p:grpSpPr>
+          <a:xfrm>
+            <a:off x="1489588" y="1268016"/>
+            <a:ext cx="5941078" cy="2895608"/>
+            <a:chOff x="2104277" y="1572693"/>
+            <a:chExt cx="5941078" cy="2895608"/>
+          </a:xfrm>
+        </p:grpSpPr>
+        <p:sp>
+          <p:nvSpPr>
+            <p:cNvPr id="2" name="Rectangle 1"/>
+            <p:cNvSpPr/>
+            <p:nvPr/>
+          </p:nvSpPr>
+          <p:spPr>
+            <a:xfrm>
+              <a:off x="2104277" y="1572693"/>
+              <a:ext cx="4711700" cy="495973"/>
+            </a:xfrm>
+            <a:prstGeom prst="rect">
+              <a:avLst/>
+            </a:prstGeom>
+          </p:spPr>
+          <p:style>
+            <a:lnRef idx="2">
+              <a:schemeClr val="accent6"/>
+            </a:lnRef>
+            <a:fillRef idx="1">
+              <a:schemeClr val="lt1"/>
+            </a:fillRef>
+            <a:effectRef idx="0">
+              <a:schemeClr val="accent6"/>
+            </a:effectRef>
+            <a:fontRef idx="minor">
+              <a:schemeClr val="dk1"/>
+            </a:fontRef>
+          </p:style>
+          <p:txBody>
+            <a:bodyPr rtlCol="0" anchor="ctr"/>
+            <a:lstStyle/>
+            <a:p>
+              <a:pPr algn="ctr"/>
+              <a:r>
+                <a:rPr lang="en-US" sz="1800" b="1" i="1" dirty="0" smtClean="0"/>
+                <a:t>Societal Efficacy</a:t>
+              </a:r>
+              <a:endParaRPr lang="en-US" sz="1800" b="1" i="1" dirty="0"/>
+            </a:p>
+          </p:txBody>
+        </p:sp>
+        <p:sp>
+          <p:nvSpPr>
+            <p:cNvPr id="12" name="Rectangle 11"/>
+            <p:cNvSpPr/>
+            <p:nvPr/>
+          </p:nvSpPr>
+          <p:spPr>
+            <a:xfrm>
+              <a:off x="2104277" y="2068666"/>
+              <a:ext cx="4711700" cy="495973"/>
+            </a:xfrm>
+            <a:prstGeom prst="rect">
+              <a:avLst/>
+            </a:prstGeom>
+          </p:spPr>
+          <p:style>
+            <a:lnRef idx="2">
+              <a:schemeClr val="accent6"/>
+            </a:lnRef>
+            <a:fillRef idx="1">
+              <a:schemeClr val="lt1"/>
+            </a:fillRef>
+            <a:effectRef idx="0">
+              <a:schemeClr val="accent6"/>
+            </a:effectRef>
+            <a:fontRef idx="minor">
+              <a:schemeClr val="dk1"/>
+            </a:fontRef>
+          </p:style>
+          <p:txBody>
+            <a:bodyPr rtlCol="0" anchor="ctr"/>
+            <a:lstStyle/>
+            <a:p>
+              <a:pPr algn="ctr"/>
+              <a:r>
+                <a:rPr lang="en-US" sz="1800" b="1" i="1" dirty="0" smtClean="0"/>
+                <a:t>Patient Outcome Efficacy</a:t>
+              </a:r>
+              <a:endParaRPr lang="en-US" sz="1800" b="1" i="1" dirty="0"/>
+            </a:p>
+          </p:txBody>
+        </p:sp>
+        <p:sp>
+          <p:nvSpPr>
+            <p:cNvPr id="15" name="Rectangle 14"/>
+            <p:cNvSpPr/>
+            <p:nvPr/>
+          </p:nvSpPr>
+          <p:spPr>
+            <a:xfrm>
+              <a:off x="2104277" y="2564639"/>
+              <a:ext cx="4711700" cy="495973"/>
+            </a:xfrm>
+            <a:prstGeom prst="rect">
+              <a:avLst/>
+            </a:prstGeom>
+          </p:spPr>
+          <p:style>
+            <a:lnRef idx="2">
+              <a:schemeClr val="accent6"/>
+            </a:lnRef>
+            <a:fillRef idx="1">
+              <a:schemeClr val="lt1"/>
+            </a:fillRef>
+            <a:effectRef idx="0">
+              <a:schemeClr val="accent6"/>
+            </a:effectRef>
+            <a:fontRef idx="minor">
+              <a:schemeClr val="dk1"/>
+            </a:fontRef>
+          </p:style>
+          <p:txBody>
+            <a:bodyPr rtlCol="0" anchor="ctr"/>
+            <a:lstStyle/>
+            <a:p>
+              <a:pPr algn="ctr"/>
+              <a:r>
+                <a:rPr lang="en-US" sz="1800" b="1" i="1" dirty="0" smtClean="0"/>
+                <a:t>Therapeutic Efficacy</a:t>
+              </a:r>
+              <a:endParaRPr lang="en-US" sz="1800" b="1" i="1" dirty="0"/>
+            </a:p>
+          </p:txBody>
+        </p:sp>
+        <p:sp>
+          <p:nvSpPr>
+            <p:cNvPr id="16" name="Rectangle 15"/>
+            <p:cNvSpPr/>
+            <p:nvPr/>
+          </p:nvSpPr>
+          <p:spPr>
+            <a:xfrm>
+              <a:off x="2104277" y="3060612"/>
+              <a:ext cx="4711700" cy="495973"/>
+            </a:xfrm>
+            <a:prstGeom prst="rect">
+              <a:avLst/>
+            </a:prstGeom>
+          </p:spPr>
+          <p:style>
+            <a:lnRef idx="2">
+              <a:schemeClr val="accent6"/>
+            </a:lnRef>
+            <a:fillRef idx="1">
+              <a:schemeClr val="lt1"/>
+            </a:fillRef>
+            <a:effectRef idx="0">
+              <a:schemeClr val="accent6"/>
+            </a:effectRef>
+            <a:fontRef idx="minor">
+              <a:schemeClr val="dk1"/>
+            </a:fontRef>
+          </p:style>
+          <p:txBody>
+            <a:bodyPr rtlCol="0" anchor="ctr"/>
+            <a:lstStyle/>
+            <a:p>
+              <a:pPr algn="ctr"/>
+              <a:r>
+                <a:rPr lang="en-US" sz="1800" b="1" i="1" dirty="0" smtClean="0"/>
+                <a:t>Diagnostic Thinking Efficacy</a:t>
+              </a:r>
+              <a:endParaRPr lang="en-US" sz="1800" b="1" i="1" dirty="0"/>
+            </a:p>
+          </p:txBody>
+        </p:sp>
+        <p:sp>
+          <p:nvSpPr>
+            <p:cNvPr id="17" name="Rectangle 16"/>
+            <p:cNvSpPr/>
+            <p:nvPr/>
+          </p:nvSpPr>
+          <p:spPr>
+            <a:xfrm>
+              <a:off x="2104277" y="3476355"/>
+              <a:ext cx="4711700" cy="495973"/>
+            </a:xfrm>
+            <a:prstGeom prst="rect">
+              <a:avLst/>
+            </a:prstGeom>
+          </p:spPr>
+          <p:style>
+            <a:lnRef idx="2">
+              <a:schemeClr val="accent6"/>
+            </a:lnRef>
+            <a:fillRef idx="1">
+              <a:schemeClr val="lt1"/>
+            </a:fillRef>
+            <a:effectRef idx="0">
+              <a:schemeClr val="accent6"/>
+            </a:effectRef>
+            <a:fontRef idx="minor">
+              <a:schemeClr val="dk1"/>
+            </a:fontRef>
+          </p:style>
+          <p:txBody>
+            <a:bodyPr rtlCol="0" anchor="ctr"/>
+            <a:lstStyle/>
+            <a:p>
+              <a:pPr algn="ctr"/>
+              <a:r>
+                <a:rPr lang="en-US" sz="1800" b="1" i="1" dirty="0" smtClean="0"/>
+                <a:t>Diagnostic Accuracy Efficacy</a:t>
+              </a:r>
+              <a:endParaRPr lang="en-US" sz="1800" b="1" i="1" dirty="0"/>
+            </a:p>
+          </p:txBody>
+        </p:sp>
+        <p:sp>
+          <p:nvSpPr>
+            <p:cNvPr id="18" name="Rectangle 17"/>
+            <p:cNvSpPr/>
+            <p:nvPr/>
+          </p:nvSpPr>
+          <p:spPr>
+            <a:xfrm>
+              <a:off x="2104277" y="3972328"/>
+              <a:ext cx="4711700" cy="495973"/>
+            </a:xfrm>
+            <a:prstGeom prst="rect">
+              <a:avLst/>
+            </a:prstGeom>
+          </p:spPr>
+          <p:style>
+            <a:lnRef idx="2">
+              <a:schemeClr val="accent6"/>
+            </a:lnRef>
+            <a:fillRef idx="1">
+              <a:schemeClr val="lt1"/>
+            </a:fillRef>
+            <a:effectRef idx="0">
+              <a:schemeClr val="accent6"/>
+            </a:effectRef>
+            <a:fontRef idx="minor">
+              <a:schemeClr val="dk1"/>
+            </a:fontRef>
+          </p:style>
+          <p:txBody>
+            <a:bodyPr rtlCol="0" anchor="ctr"/>
+            <a:lstStyle/>
+            <a:p>
+              <a:pPr algn="ctr"/>
+              <a:r>
+                <a:rPr lang="en-US" sz="1800" b="1" i="1" dirty="0" smtClean="0"/>
+                <a:t>Technical Efficacy</a:t>
+              </a:r>
+              <a:endParaRPr lang="en-US" sz="1800" b="1" i="1" dirty="0"/>
+            </a:p>
+          </p:txBody>
+        </p:sp>
+        <p:cxnSp>
+          <p:nvCxnSpPr>
+            <p:cNvPr id="4" name="Straight Arrow Connector 3"/>
+            <p:cNvCxnSpPr/>
+            <p:nvPr/>
+          </p:nvCxnSpPr>
+          <p:spPr>
+            <a:xfrm flipV="1">
+              <a:off x="7315627" y="1572693"/>
+              <a:ext cx="0" cy="2796107"/>
+            </a:xfrm>
+            <a:prstGeom prst="straightConnector1">
+              <a:avLst/>
+            </a:prstGeom>
+            <a:ln>
+              <a:tailEnd type="triangle"/>
+            </a:ln>
+          </p:spPr>
+          <p:style>
+            <a:lnRef idx="1">
+              <a:schemeClr val="accent6"/>
+            </a:lnRef>
+            <a:fillRef idx="0">
+              <a:schemeClr val="accent6"/>
+            </a:fillRef>
+            <a:effectRef idx="0">
+              <a:schemeClr val="accent6"/>
+            </a:effectRef>
+            <a:fontRef idx="minor">
+              <a:schemeClr val="tx1"/>
+            </a:fontRef>
+          </p:style>
+        </p:cxnSp>
+        <p:sp>
+          <p:nvSpPr>
+            <p:cNvPr id="5" name="TextBox 4"/>
+            <p:cNvSpPr txBox="1"/>
+            <p:nvPr/>
+          </p:nvSpPr>
+          <p:spPr>
+            <a:xfrm>
+              <a:off x="7359555" y="3008516"/>
+              <a:ext cx="685800" cy="300082"/>
+            </a:xfrm>
+            <a:prstGeom prst="rect">
+              <a:avLst/>
+            </a:prstGeom>
+            <a:noFill/>
+          </p:spPr>
+          <p:txBody>
+            <a:bodyPr wrap="square" rtlCol="0">
+              <a:spAutoFit/>
+            </a:bodyPr>
+            <a:lstStyle/>
+            <a:p>
+              <a:r>
+                <a:rPr lang="en-US" dirty="0" smtClean="0"/>
+                <a:t>Level</a:t>
+              </a:r>
+              <a:endParaRPr lang="en-US" dirty="0"/>
+            </a:p>
+          </p:txBody>
+        </p:sp>
+      </p:grpSp>
     </p:spTree>
     <p:extLst>
       <p:ext uri="{BB962C8B-B14F-4D97-AF65-F5344CB8AC3E}">
-        <p14:creationId xmlns:p14="http://schemas.microsoft.com/office/powerpoint/2010/main" val="1544281637"/>
+        <p14:creationId xmlns:p14="http://schemas.microsoft.com/office/powerpoint/2010/main" val="3741275886"/>
       </p:ext>
     </p:extLst>
   </p:cSld>
@@ -9638,7 +10410,7 @@
           <a:p>
             <a:r>
               <a:rPr lang="en-US" dirty="0" smtClean="0"/>
-              <a:t>Level 2: Diagnosis Accuracy Efficacy</a:t>
+              <a:t>Level 1: Technical Efficacy</a:t>
             </a:r>
             <a:endParaRPr lang="en-US" dirty="0"/>
           </a:p>
@@ -9661,31 +10433,49 @@
           <a:p>
             <a:r>
               <a:rPr lang="en-US" dirty="0" smtClean="0"/>
-              <a:t>TP, TN, FP, FN</a:t>
-            </a:r>
-          </a:p>
-          <a:p>
+              <a:t>High Quality Image:</a:t>
+            </a:r>
+          </a:p>
+          <a:p>
+            <a:pPr lvl="1"/>
             <a:r>
               <a:rPr lang="en-US" dirty="0" smtClean="0"/>
-              <a:t>ROC </a:t>
-            </a:r>
-          </a:p>
-          <a:p>
+              <a:t>MTF</a:t>
+            </a:r>
+          </a:p>
+          <a:p>
+            <a:pPr lvl="1"/>
             <a:r>
               <a:rPr lang="en-US" dirty="0" smtClean="0"/>
-              <a:t>AUC</a:t>
-            </a:r>
-          </a:p>
-          <a:p>
+              <a:t>Sharpness</a:t>
+            </a:r>
+          </a:p>
+          <a:p>
+            <a:pPr lvl="1"/>
             <a:r>
               <a:rPr lang="en-US" dirty="0" smtClean="0"/>
-              <a:t>Sensitivity</a:t>
-            </a:r>
-          </a:p>
-          <a:p>
+              <a:t>Brightness</a:t>
+            </a:r>
+          </a:p>
+          <a:p>
+            <a:pPr lvl="1"/>
             <a:r>
               <a:rPr lang="en-US" dirty="0" smtClean="0"/>
-              <a:t>Specificity</a:t>
+              <a:t>Contrast</a:t>
+            </a:r>
+          </a:p>
+          <a:p>
+            <a:pPr lvl="1"/>
+            <a:r>
+              <a:rPr lang="en-US" dirty="0" smtClean="0"/>
+              <a:t>Mottle</a:t>
+            </a:r>
+          </a:p>
+          <a:p>
+            <a:pPr lvl="1"/>
+            <a:r>
+              <a:rPr lang="en-US" dirty="0" smtClean="0"/>
+              <a:t>Time required for an optimal exposure</a:t>
             </a:r>
             <a:endParaRPr lang="en-US" dirty="0"/>
           </a:p>
@@ -9763,7 +10553,7 @@
     </p:spTree>
     <p:extLst>
       <p:ext uri="{BB962C8B-B14F-4D97-AF65-F5344CB8AC3E}">
-        <p14:creationId xmlns:p14="http://schemas.microsoft.com/office/powerpoint/2010/main" val="520823852"/>
+        <p14:creationId xmlns:p14="http://schemas.microsoft.com/office/powerpoint/2010/main" val="1544281637"/>
       </p:ext>
     </p:extLst>
   </p:cSld>
@@ -9799,7 +10589,7 @@
       </p:grpSpPr>
       <p:sp>
         <p:nvSpPr>
-          <p:cNvPr id="13" name="Title 12"/>
+          <p:cNvPr id="2" name="Title 1"/>
           <p:cNvSpPr>
             <a:spLocks noGrp="1"/>
           </p:cNvSpPr>
@@ -9814,7 +10604,7 @@
           <a:p>
             <a:r>
               <a:rPr lang="en-US" dirty="0" smtClean="0"/>
-              <a:t>Level 3: Diagnosis Thinking Efficacy </a:t>
+              <a:t>Level 2: Diagnosis Accuracy Efficacy</a:t>
             </a:r>
             <a:endParaRPr lang="en-US" dirty="0"/>
           </a:p>
@@ -9822,7 +10612,7 @@
       </p:sp>
       <p:sp>
         <p:nvSpPr>
-          <p:cNvPr id="14" name="Content Placeholder 13"/>
+          <p:cNvPr id="3" name="Content Placeholder 2"/>
           <p:cNvSpPr>
             <a:spLocks noGrp="1"/>
           </p:cNvSpPr>
@@ -9832,18 +10622,44 @@
         </p:nvSpPr>
         <p:spPr/>
         <p:txBody>
-          <a:bodyPr>
-            <a:normAutofit/>
-          </a:bodyPr>
-          <a:lstStyle/>
-          <a:p>
+          <a:bodyPr/>
+          <a:lstStyle/>
+          <a:p>
+            <a:r>
+              <a:rPr lang="en-US" dirty="0" smtClean="0"/>
+              <a:t>TP, TN, FP, FN</a:t>
+            </a:r>
+          </a:p>
+          <a:p>
+            <a:r>
+              <a:rPr lang="en-US" dirty="0" smtClean="0"/>
+              <a:t>ROC </a:t>
+            </a:r>
+          </a:p>
+          <a:p>
+            <a:r>
+              <a:rPr lang="en-US" dirty="0" smtClean="0"/>
+              <a:t>AUC</a:t>
+            </a:r>
+          </a:p>
+          <a:p>
+            <a:r>
+              <a:rPr lang="en-US" dirty="0" smtClean="0"/>
+              <a:t>Sensitivity</a:t>
+            </a:r>
+          </a:p>
+          <a:p>
+            <a:r>
+              <a:rPr lang="en-US" dirty="0" smtClean="0"/>
+              <a:t>Specificity</a:t>
+            </a:r>
             <a:endParaRPr lang="en-US" dirty="0"/>
           </a:p>
         </p:txBody>
       </p:sp>
       <p:sp>
         <p:nvSpPr>
-          <p:cNvPr id="7" name="Date Placeholder 6"/>
+          <p:cNvPr id="4" name="Date Placeholder 3"/>
           <p:cNvSpPr>
             <a:spLocks noGrp="1"/>
           </p:cNvSpPr>
@@ -9860,13 +10676,13 @@
               <a:rPr lang="en-US" smtClean="0"/>
               <a:t>Sep 18 2018</a:t>
             </a:r>
-            <a:endParaRPr lang="en-US" dirty="0"/>
-          </a:p>
-        </p:txBody>
-      </p:sp>
-      <p:sp>
-        <p:nvSpPr>
-          <p:cNvPr id="8" name="Footer Placeholder 7"/>
+            <a:endParaRPr lang="en-US"/>
+          </a:p>
+        </p:txBody>
+      </p:sp>
+      <p:sp>
+        <p:nvSpPr>
+          <p:cNvPr id="5" name="Footer Placeholder 4"/>
           <p:cNvSpPr>
             <a:spLocks noGrp="1"/>
           </p:cNvSpPr>
@@ -9883,13 +10699,13 @@
               <a:rPr lang="en-US" smtClean="0"/>
               <a:t>Seminar – Fall 2018</a:t>
             </a:r>
-            <a:endParaRPr lang="en-US" dirty="0"/>
-          </a:p>
-        </p:txBody>
-      </p:sp>
-      <p:sp>
-        <p:nvSpPr>
-          <p:cNvPr id="9" name="Slide Number Placeholder 8"/>
+            <a:endParaRPr lang="en-US"/>
+          </a:p>
+        </p:txBody>
+      </p:sp>
+      <p:sp>
+        <p:nvSpPr>
+          <p:cNvPr id="6" name="Slide Number Placeholder 5"/>
           <p:cNvSpPr>
             <a:spLocks noGrp="1"/>
           </p:cNvSpPr>
@@ -9910,158 +10726,10 @@
           </a:p>
         </p:txBody>
       </p:sp>
-      <p:sp>
-        <p:nvSpPr>
-          <p:cNvPr id="10" name="Oval 9"/>
-          <p:cNvSpPr/>
-          <p:nvPr/>
-        </p:nvSpPr>
-        <p:spPr>
-          <a:xfrm>
-            <a:off x="571500" y="2279512"/>
-            <a:ext cx="2794000" cy="1822588"/>
-          </a:xfrm>
-          <a:prstGeom prst="ellipse">
-            <a:avLst/>
-          </a:prstGeom>
-        </p:spPr>
-        <p:style>
-          <a:lnRef idx="2">
-            <a:schemeClr val="accent5"/>
-          </a:lnRef>
-          <a:fillRef idx="1">
-            <a:schemeClr val="lt1"/>
-          </a:fillRef>
-          <a:effectRef idx="0">
-            <a:schemeClr val="accent5"/>
-          </a:effectRef>
-          <a:fontRef idx="minor">
-            <a:schemeClr val="dk1"/>
-          </a:fontRef>
-        </p:style>
-        <p:txBody>
-          <a:bodyPr rtlCol="0" anchor="ctr"/>
-          <a:lstStyle/>
-          <a:p>
-            <a:pPr algn="ctr"/>
-            <a:r>
-              <a:rPr lang="en-US" sz="1800" b="1" dirty="0" smtClean="0"/>
-              <a:t>Image information content</a:t>
-            </a:r>
-            <a:endParaRPr lang="en-US" sz="1500" dirty="0"/>
-          </a:p>
-        </p:txBody>
-      </p:sp>
-      <p:sp>
-        <p:nvSpPr>
-          <p:cNvPr id="12" name="Oval 11"/>
-          <p:cNvSpPr/>
-          <p:nvPr/>
-        </p:nvSpPr>
-        <p:spPr>
-          <a:xfrm>
-            <a:off x="5778500" y="2279512"/>
-            <a:ext cx="2527300" cy="1822588"/>
-          </a:xfrm>
-          <a:prstGeom prst="ellipse">
-            <a:avLst/>
-          </a:prstGeom>
-        </p:spPr>
-        <p:style>
-          <a:lnRef idx="2">
-            <a:schemeClr val="accent5"/>
-          </a:lnRef>
-          <a:fillRef idx="1">
-            <a:schemeClr val="lt1"/>
-          </a:fillRef>
-          <a:effectRef idx="0">
-            <a:schemeClr val="accent5"/>
-          </a:effectRef>
-          <a:fontRef idx="minor">
-            <a:schemeClr val="dk1"/>
-          </a:fontRef>
-        </p:style>
-        <p:txBody>
-          <a:bodyPr rtlCol="0" anchor="ctr"/>
-          <a:lstStyle/>
-          <a:p>
-            <a:pPr algn="ctr"/>
-            <a:r>
-              <a:rPr lang="en-US" sz="1800" b="1" dirty="0" smtClean="0"/>
-              <a:t>Changes in Treatment</a:t>
-            </a:r>
-            <a:endParaRPr lang="en-US" sz="1500" dirty="0"/>
-          </a:p>
-        </p:txBody>
-      </p:sp>
-      <p:cxnSp>
-        <p:nvCxnSpPr>
-          <p:cNvPr id="3" name="Straight Connector 2"/>
-          <p:cNvCxnSpPr/>
-          <p:nvPr/>
-        </p:nvCxnSpPr>
-        <p:spPr>
-          <a:xfrm flipV="1">
-            <a:off x="3467099" y="3124200"/>
-            <a:ext cx="2194560" cy="0"/>
-          </a:xfrm>
-          <a:prstGeom prst="line">
-            <a:avLst/>
-          </a:prstGeom>
-        </p:spPr>
-        <p:style>
-          <a:lnRef idx="1">
-            <a:schemeClr val="accent1"/>
-          </a:lnRef>
-          <a:fillRef idx="0">
-            <a:schemeClr val="accent1"/>
-          </a:fillRef>
-          <a:effectRef idx="0">
-            <a:schemeClr val="accent1"/>
-          </a:effectRef>
-          <a:fontRef idx="minor">
-            <a:schemeClr val="tx1"/>
-          </a:fontRef>
-        </p:style>
-      </p:cxnSp>
-      <p:sp>
-        <p:nvSpPr>
-          <p:cNvPr id="4" name="TextBox 3"/>
-          <p:cNvSpPr txBox="1"/>
-          <p:nvPr/>
-        </p:nvSpPr>
-        <p:spPr>
-          <a:xfrm>
-            <a:off x="3569970" y="2684280"/>
-            <a:ext cx="2373630" cy="323165"/>
-          </a:xfrm>
-          <a:prstGeom prst="rect">
-            <a:avLst/>
-          </a:prstGeom>
-          <a:noFill/>
-        </p:spPr>
-        <p:txBody>
-          <a:bodyPr wrap="square" rtlCol="0">
-            <a:spAutoFit/>
-          </a:bodyPr>
-          <a:lstStyle/>
-          <a:p>
-            <a:r>
-              <a:rPr lang="en-US" sz="1500" b="1" dirty="0" smtClean="0"/>
-              <a:t>Diagnosis </a:t>
-            </a:r>
-            <a:r>
-              <a:rPr lang="en-US" sz="1500" b="1" smtClean="0"/>
-              <a:t>thinking Change</a:t>
-            </a:r>
-            <a:endParaRPr lang="en-US" sz="1500" b="1" dirty="0"/>
-          </a:p>
-        </p:txBody>
-      </p:sp>
     </p:spTree>
     <p:extLst>
       <p:ext uri="{BB962C8B-B14F-4D97-AF65-F5344CB8AC3E}">
-        <p14:creationId xmlns:p14="http://schemas.microsoft.com/office/powerpoint/2010/main" val="1982304118"/>
+        <p14:creationId xmlns:p14="http://schemas.microsoft.com/office/powerpoint/2010/main" val="520823852"/>
       </p:ext>
     </p:extLst>
   </p:cSld>
@@ -10071,143 +10739,9 @@
   <p:timing>
     <p:tnLst>
       <p:par>
-        <p:cTn id="1" dur="indefinite" restart="never" nodeType="tmRoot">
-          <p:childTnLst>
-            <p:seq concurrent="1" nextAc="seek">
-              <p:cTn id="2" dur="indefinite" nodeType="mainSeq">
-                <p:childTnLst>
-                  <p:par>
-                    <p:cTn id="3" fill="hold">
-                      <p:stCondLst>
-                        <p:cond delay="indefinite"/>
-                      </p:stCondLst>
-                      <p:childTnLst>
-                        <p:par>
-                          <p:cTn id="4" fill="hold">
-                            <p:stCondLst>
-                              <p:cond delay="0"/>
-                            </p:stCondLst>
-                            <p:childTnLst>
-                              <p:par>
-                                <p:cTn id="5" presetID="2" presetClass="entr" presetSubtype="4" fill="hold" grpId="0" nodeType="clickEffect" nodePh="1">
-                                  <p:stCondLst>
-                                    <p:cond delay="0"/>
-                                  </p:stCondLst>
-                                  <p:endCondLst>
-                                    <p:cond evt="begin" delay="0">
-                                      <p:tn val="5"/>
-                                    </p:cond>
-                                  </p:endCondLst>
-                                  <p:childTnLst>
-                                    <p:set>
-                                      <p:cBhvr>
-                                        <p:cTn id="6" dur="1" fill="hold">
-                                          <p:stCondLst>
-                                            <p:cond delay="0"/>
-                                          </p:stCondLst>
-                                        </p:cTn>
-                                        <p:tgtEl>
-                                          <p:spTgt spid="14">
-                                            <p:txEl>
-                                              <p:pRg st="0" end="0"/>
-                                            </p:txEl>
-                                          </p:spTgt>
-                                        </p:tgtEl>
-                                        <p:attrNameLst>
-                                          <p:attrName>style.visibility</p:attrName>
-                                        </p:attrNameLst>
-                                      </p:cBhvr>
-                                      <p:to>
-                                        <p:strVal val="visible"/>
-                                      </p:to>
-                                    </p:set>
-                                    <p:anim calcmode="lin" valueType="num">
-                                      <p:cBhvr additive="base">
-                                        <p:cTn id="7" dur="500" fill="hold"/>
-                                        <p:tgtEl>
-                                          <p:spTgt spid="14">
-                                            <p:txEl>
-                                              <p:pRg st="0" end="0"/>
-                                            </p:txEl>
-                                          </p:spTgt>
-                                        </p:tgtEl>
-                                        <p:attrNameLst>
-                                          <p:attrName>ppt_x</p:attrName>
-                                        </p:attrNameLst>
-                                      </p:cBhvr>
-                                      <p:tavLst>
-                                        <p:tav tm="0">
-                                          <p:val>
-                                            <p:strVal val="#ppt_x"/>
-                                          </p:val>
-                                        </p:tav>
-                                        <p:tav tm="100000">
-                                          <p:val>
-                                            <p:strVal val="#ppt_x"/>
-                                          </p:val>
-                                        </p:tav>
-                                      </p:tavLst>
-                                    </p:anim>
-                                    <p:anim calcmode="lin" valueType="num">
-                                      <p:cBhvr additive="base">
-                                        <p:cTn id="8" dur="500" fill="hold"/>
-                                        <p:tgtEl>
-                                          <p:spTgt spid="14">
-                                            <p:txEl>
-                                              <p:pRg st="0" end="0"/>
-                                            </p:txEl>
-                                          </p:spTgt>
-                                        </p:tgtEl>
-                                        <p:attrNameLst>
-                                          <p:attrName>ppt_y</p:attrName>
-                                        </p:attrNameLst>
-                                      </p:cBhvr>
-                                      <p:tavLst>
-                                        <p:tav tm="0">
-                                          <p:val>
-                                            <p:strVal val="1+#ppt_h/2"/>
-                                          </p:val>
-                                        </p:tav>
-                                        <p:tav tm="100000">
-                                          <p:val>
-                                            <p:strVal val="#ppt_y"/>
-                                          </p:val>
-                                        </p:tav>
-                                      </p:tavLst>
-                                    </p:anim>
-                                  </p:childTnLst>
-                                </p:cTn>
-                              </p:par>
-                            </p:childTnLst>
-                          </p:cTn>
-                        </p:par>
-                      </p:childTnLst>
-                    </p:cTn>
-                  </p:par>
-                </p:childTnLst>
-              </p:cTn>
-              <p:prevCondLst>
-                <p:cond evt="onPrev" delay="0">
-                  <p:tgtEl>
-                    <p:sldTgt/>
-                  </p:tgtEl>
-                </p:cond>
-              </p:prevCondLst>
-              <p:nextCondLst>
-                <p:cond evt="onNext" delay="0">
-                  <p:tgtEl>
-                    <p:sldTgt/>
-                  </p:tgtEl>
-                </p:cond>
-              </p:nextCondLst>
-            </p:seq>
-          </p:childTnLst>
-        </p:cTn>
+        <p:cTn id="1" dur="indefinite" restart="never" nodeType="tmRoot"/>
       </p:par>
     </p:tnLst>
-    <p:bldLst>
-      <p:bldP spid="14" grpId="0" build="p"/>
-    </p:bldLst>
   </p:timing>
 </p:sld>
 </file>

--- a/Presentation_1.pptx
+++ b/Presentation_1.pptx
@@ -129,10 +129,10 @@
   </p:defaultTextStyle>
   <p:extLst>
     <p:ext uri="{EFAFB233-063F-42B5-8137-9DF3F51BA10A}">
-      <p15:sldGuideLst xmlns:p15="http://schemas.microsoft.com/office/powerpoint/2012/main"/>
+      <p15:sldGuideLst xmlns:p15="http://schemas.microsoft.com/office/powerpoint/2012/main" xmlns=""/>
     </p:ext>
     <p:ext uri="{2D200454-40CA-4A62-9FC3-DE9A4176ACB9}">
-      <p15:notesGuideLst xmlns:p15="http://schemas.microsoft.com/office/powerpoint/2012/main"/>
+      <p15:notesGuideLst xmlns:p15="http://schemas.microsoft.com/office/powerpoint/2012/main" xmlns=""/>
     </p:ext>
   </p:extLst>
 </p:presentation>
@@ -220,7 +220,7 @@
           <a:p>
             <a:fld id="{A2B2A835-D6C1-404A-A359-5C2910E15811}" type="datetimeFigureOut">
               <a:rPr lang="en-US" smtClean="0"/>
-              <a:t>9/13/18</a:t>
+              <a:t>16-Sep-18</a:t>
             </a:fld>
             <a:endParaRPr lang="en-US"/>
           </a:p>
@@ -385,7 +385,7 @@
           <a:p>
             <a:fld id="{01490E92-8FD4-234D-89C0-7595B07D4E75}" type="datetimeFigureOut">
               <a:rPr lang="en-US" smtClean="0"/>
-              <a:t>9/13/18</a:t>
+              <a:t>16-Sep-18</a:t>
             </a:fld>
             <a:endParaRPr lang="en-US"/>
           </a:p>
@@ -835,7 +835,7 @@
           <a:p>
             <a:fld id="{3873CCA1-929B-C34C-8D00-2618D2083E74}" type="slidenum">
               <a:rPr lang="en-US" smtClean="0"/>
-              <a:t>3</a:t>
+              <a:t>2</a:t>
             </a:fld>
             <a:endParaRPr lang="en-US"/>
           </a:p>
@@ -844,7 +844,7 @@
     </p:spTree>
     <p:extLst>
       <p:ext uri="{BB962C8B-B14F-4D97-AF65-F5344CB8AC3E}">
-        <p14:creationId xmlns:p14="http://schemas.microsoft.com/office/powerpoint/2010/main" val="1965915332"/>
+        <p14:creationId xmlns:p14="http://schemas.microsoft.com/office/powerpoint/2010/main" val="2612791583"/>
       </p:ext>
     </p:extLst>
   </p:cSld>
@@ -898,14 +898,6 @@
           <a:bodyPr/>
           <a:lstStyle/>
           <a:p>
-            <a:r>
-              <a:rPr lang="en-US" dirty="0" smtClean="0"/>
-              <a:t>Lower level</a:t>
-            </a:r>
-            <a:r>
-              <a:rPr lang="en-US" baseline="0" dirty="0" smtClean="0"/>
-              <a:t> accuracy is the guarantee for higher level.</a:t>
-            </a:r>
             <a:endParaRPr lang="en-US" dirty="0"/>
           </a:p>
         </p:txBody>
@@ -927,7 +919,7 @@
           <a:p>
             <a:fld id="{3873CCA1-929B-C34C-8D00-2618D2083E74}" type="slidenum">
               <a:rPr lang="en-US" smtClean="0"/>
-              <a:t>7</a:t>
+              <a:t>3</a:t>
             </a:fld>
             <a:endParaRPr lang="en-US"/>
           </a:p>
@@ -936,7 +928,7 @@
     </p:spTree>
     <p:extLst>
       <p:ext uri="{BB962C8B-B14F-4D97-AF65-F5344CB8AC3E}">
-        <p14:creationId xmlns:p14="http://schemas.microsoft.com/office/powerpoint/2010/main" val="497333965"/>
+        <p14:creationId xmlns:p14="http://schemas.microsoft.com/office/powerpoint/2010/main" val="1965915332"/>
       </p:ext>
     </p:extLst>
   </p:cSld>
@@ -990,6 +982,98 @@
           <a:bodyPr/>
           <a:lstStyle/>
           <a:p>
+            <a:r>
+              <a:rPr lang="en-US" dirty="0" smtClean="0"/>
+              <a:t>Lower level</a:t>
+            </a:r>
+            <a:r>
+              <a:rPr lang="en-US" baseline="0" dirty="0" smtClean="0"/>
+              <a:t> accuracy is the guarantee for higher level.</a:t>
+            </a:r>
+            <a:endParaRPr lang="en-US" dirty="0"/>
+          </a:p>
+        </p:txBody>
+      </p:sp>
+      <p:sp>
+        <p:nvSpPr>
+          <p:cNvPr id="4" name="Slide Number Placeholder 3"/>
+          <p:cNvSpPr>
+            <a:spLocks noGrp="1"/>
+          </p:cNvSpPr>
+          <p:nvPr>
+            <p:ph type="sldNum" sz="quarter" idx="10"/>
+          </p:nvPr>
+        </p:nvSpPr>
+        <p:spPr/>
+        <p:txBody>
+          <a:bodyPr/>
+          <a:lstStyle/>
+          <a:p>
+            <a:fld id="{3873CCA1-929B-C34C-8D00-2618D2083E74}" type="slidenum">
+              <a:rPr lang="en-US" smtClean="0"/>
+              <a:t>7</a:t>
+            </a:fld>
+            <a:endParaRPr lang="en-US"/>
+          </a:p>
+        </p:txBody>
+      </p:sp>
+    </p:spTree>
+    <p:extLst>
+      <p:ext uri="{BB962C8B-B14F-4D97-AF65-F5344CB8AC3E}">
+        <p14:creationId xmlns:p14="http://schemas.microsoft.com/office/powerpoint/2010/main" val="497333965"/>
+      </p:ext>
+    </p:extLst>
+  </p:cSld>
+  <p:clrMapOvr>
+    <a:masterClrMapping/>
+  </p:clrMapOvr>
+</p:notes>
+</file>
+
+<file path=ppt/notesSlides/notesSlide5.xml><?xml version="1.0" encoding="utf-8"?>
+<p:notes xmlns:a="http://schemas.openxmlformats.org/drawingml/2006/main" xmlns:r="http://schemas.openxmlformats.org/officeDocument/2006/relationships" xmlns:p="http://schemas.openxmlformats.org/presentationml/2006/main">
+  <p:cSld>
+    <p:spTree>
+      <p:nvGrpSpPr>
+        <p:cNvPr id="1" name=""/>
+        <p:cNvGrpSpPr/>
+        <p:nvPr/>
+      </p:nvGrpSpPr>
+      <p:grpSpPr>
+        <a:xfrm>
+          <a:off x="0" y="0"/>
+          <a:ext cx="0" cy="0"/>
+          <a:chOff x="0" y="0"/>
+          <a:chExt cx="0" cy="0"/>
+        </a:xfrm>
+      </p:grpSpPr>
+      <p:sp>
+        <p:nvSpPr>
+          <p:cNvPr id="2" name="Slide Image Placeholder 1"/>
+          <p:cNvSpPr>
+            <a:spLocks noGrp="1" noRot="1" noChangeAspect="1"/>
+          </p:cNvSpPr>
+          <p:nvPr>
+            <p:ph type="sldImg"/>
+          </p:nvPr>
+        </p:nvSpPr>
+        <p:spPr/>
+      </p:sp>
+      <p:sp>
+        <p:nvSpPr>
+          <p:cNvPr id="3" name="Notes Placeholder 2"/>
+          <p:cNvSpPr>
+            <a:spLocks noGrp="1"/>
+          </p:cNvSpPr>
+          <p:nvPr>
+            <p:ph type="body" idx="1"/>
+          </p:nvPr>
+        </p:nvSpPr>
+        <p:spPr/>
+        <p:txBody>
+          <a:bodyPr/>
+          <a:lstStyle/>
+          <a:p>
             <a:endParaRPr lang="en-US" dirty="0"/>
           </a:p>
         </p:txBody>
@@ -1030,7 +1114,7 @@
 </p:notes>
 </file>
 
-<file path=ppt/notesSlides/notesSlide5.xml><?xml version="1.0" encoding="utf-8"?>
+<file path=ppt/notesSlides/notesSlide6.xml><?xml version="1.0" encoding="utf-8"?>
 <p:notes xmlns:a="http://schemas.openxmlformats.org/drawingml/2006/main" xmlns:r="http://schemas.openxmlformats.org/officeDocument/2006/relationships" xmlns:p="http://schemas.openxmlformats.org/presentationml/2006/main">
   <p:cSld>
     <p:spTree>
@@ -5438,7 +5522,9 @@
         </p:nvSpPr>
         <p:spPr/>
         <p:txBody>
-          <a:bodyPr/>
+          <a:bodyPr>
+            <a:normAutofit fontScale="90000"/>
+          </a:bodyPr>
           <a:lstStyle/>
           <a:p>
             <a:r>
@@ -5795,7 +5881,11 @@
           <a:p>
             <a:r>
               <a:rPr lang="en-US" dirty="0" smtClean="0"/>
-              <a:t>Avoid the need for therapy </a:t>
+              <a:t>Avoid the need </a:t>
+            </a:r>
+            <a:r>
+              <a:rPr lang="en-US" smtClean="0"/>
+              <a:t>for </a:t>
             </a:r>
             <a:endParaRPr lang="en-US" dirty="0"/>
           </a:p>
@@ -5969,7 +6059,6 @@
               <a:rPr lang="en-US" dirty="0" smtClean="0"/>
               <a:t>Statistical Methods</a:t>
             </a:r>
-            <a:endParaRPr lang="en-US" dirty="0" smtClean="0"/>
           </a:p>
           <a:p>
             <a:pPr lvl="1"/>
@@ -6126,15 +6215,7 @@
           <a:p>
             <a:r>
               <a:rPr lang="en-US" dirty="0" smtClean="0"/>
-              <a:t>Efficient use </a:t>
-            </a:r>
-            <a:r>
-              <a:rPr lang="en-US" dirty="0" smtClean="0"/>
-              <a:t>of societal </a:t>
-            </a:r>
-            <a:r>
-              <a:rPr lang="en-US" dirty="0" smtClean="0"/>
-              <a:t>resources</a:t>
+              <a:t>Efficient use of societal resources</a:t>
             </a:r>
           </a:p>
           <a:p>
@@ -6924,11 +7005,7 @@
           <a:p>
             <a:r>
               <a:rPr lang="en-US" dirty="0" smtClean="0"/>
-              <a:t>[3</a:t>
-            </a:r>
-            <a:r>
-              <a:rPr lang="en-US" dirty="0" smtClean="0"/>
-              <a:t>]</a:t>
+              <a:t>[3]</a:t>
             </a:r>
             <a:r>
               <a:rPr lang="en-US" b="0" dirty="0"/>
@@ -6955,11 +7032,7 @@
           <a:p>
             <a:r>
               <a:rPr lang="en-US" dirty="0" smtClean="0"/>
-              <a:t>[4</a:t>
-            </a:r>
-            <a:r>
-              <a:rPr lang="en-US" dirty="0" smtClean="0"/>
-              <a:t>]</a:t>
+              <a:t>[4]</a:t>
             </a:r>
             <a:r>
               <a:rPr lang="en-US" b="0" dirty="0"/>
@@ -6986,11 +7059,7 @@
           <a:p>
             <a:r>
               <a:rPr lang="en-US" dirty="0" smtClean="0"/>
-              <a:t>[5</a:t>
-            </a:r>
-            <a:r>
-              <a:rPr lang="en-US" dirty="0" smtClean="0"/>
-              <a:t>]</a:t>
+              <a:t>[5]</a:t>
             </a:r>
             <a:r>
               <a:rPr lang="en-US" b="0" dirty="0"/>
@@ -7402,7 +7471,6 @@
               <a:rPr lang="en-US" dirty="0" smtClean="0"/>
               <a:t>Conclusion</a:t>
             </a:r>
-            <a:endParaRPr lang="en-US" dirty="0" smtClean="0"/>
           </a:p>
           <a:p>
             <a:r>
@@ -9315,19 +9383,7 @@
           <a:p>
             <a:r>
               <a:rPr lang="en-US" dirty="0" smtClean="0"/>
-              <a:t>Why </a:t>
-            </a:r>
-            <a:r>
-              <a:rPr lang="en-US" dirty="0" smtClean="0"/>
-              <a:t>Image Diagnosis </a:t>
-            </a:r>
-            <a:r>
-              <a:rPr lang="en-US" dirty="0" smtClean="0"/>
-              <a:t>Efficacy</a:t>
-            </a:r>
-            <a:r>
-              <a:rPr lang="en-US" dirty="0" smtClean="0"/>
-              <a:t>? </a:t>
+              <a:t>Why Image Diagnosis Efficacy? </a:t>
             </a:r>
             <a:endParaRPr lang="en-US" dirty="0"/>
           </a:p>
@@ -9781,22 +9837,14 @@
             <a:pPr algn="ctr"/>
             <a:r>
               <a:rPr lang="en-US" sz="1500" dirty="0" smtClean="0"/>
-              <a:t>(Best </a:t>
-            </a:r>
+              <a:t>(Best images</a:t>
+            </a:r>
+          </a:p>
+          <a:p>
+            <a:pPr algn="ctr"/>
             <a:r>
               <a:rPr lang="en-US" sz="1500" dirty="0" smtClean="0"/>
-              <a:t>images</a:t>
-            </a:r>
-          </a:p>
-          <a:p>
-            <a:pPr algn="ctr"/>
-            <a:r>
-              <a:rPr lang="en-US" sz="1500" dirty="0" smtClean="0"/>
-              <a:t>Accurate </a:t>
-            </a:r>
-            <a:r>
-              <a:rPr lang="en-US" sz="1500" dirty="0" smtClean="0"/>
-              <a:t>diagnoses)</a:t>
+              <a:t>Accurate diagnoses)</a:t>
             </a:r>
             <a:endParaRPr lang="en-US" sz="1500" dirty="0"/>
           </a:p>
@@ -9947,11 +9995,7 @@
           <a:p>
             <a:r>
               <a:rPr lang="en-US" dirty="0" smtClean="0"/>
-              <a:t>6-tier Efficacy </a:t>
-            </a:r>
-            <a:r>
-              <a:rPr lang="en-US" dirty="0" smtClean="0"/>
-              <a:t>Model</a:t>
+              <a:t>6-tier Efficacy Model</a:t>
             </a:r>
             <a:endParaRPr lang="en-US" dirty="0"/>
           </a:p>
@@ -10789,7 +10833,7 @@
     </a:clrScheme>
     <a:fontScheme name="Office">
       <a:majorFont>
-        <a:latin typeface="Calibri Light" panose="020F0302020204030204"/>
+        <a:latin typeface="Calibri Light"/>
         <a:ea typeface=""/>
         <a:cs typeface=""/>
         <a:font script="Jpan" typeface="Yu Gothic Light"/>
@@ -10824,7 +10868,7 @@
         <a:font script="Geor" typeface="Sylfaen"/>
       </a:majorFont>
       <a:minorFont>
-        <a:latin typeface="Calibri" panose="020F0502020204030204"/>
+        <a:latin typeface="Calibri"/>
         <a:ea typeface=""/>
         <a:cs typeface=""/>
         <a:font script="Jpan" typeface="Yu Gothic"/>
@@ -11001,7 +11045,7 @@
   <a:extraClrSchemeLst/>
   <a:extLst>
     <a:ext uri="{05A4C25C-085E-4340-85A3-A5531E510DB2}">
-      <thm15:themeFamily xmlns:thm15="http://schemas.microsoft.com/office/thememl/2012/main" name="Presentation1" id="{6E97D440-AC0D-2948-B999-F528D41BAAC3}" vid="{FDCB8264-CDDA-C142-BE05-1C172407A782}"/>
+      <thm15:themeFamily xmlns:thm15="http://schemas.microsoft.com/office/thememl/2012/main" xmlns="" name="Presentation1" id="{6E97D440-AC0D-2948-B999-F528D41BAAC3}" vid="{FDCB8264-CDDA-C142-BE05-1C172407A782}"/>
     </a:ext>
   </a:extLst>
 </a:theme>
@@ -11050,7 +11094,7 @@
     </a:clrScheme>
     <a:fontScheme name="Office">
       <a:majorFont>
-        <a:latin typeface="Calibri Light" panose="020F0302020204030204"/>
+        <a:latin typeface="Calibri Light"/>
         <a:ea typeface=""/>
         <a:cs typeface=""/>
         <a:font script="Jpan" typeface="Yu Gothic Light"/>
@@ -11085,7 +11129,7 @@
         <a:font script="Geor" typeface="Sylfaen"/>
       </a:majorFont>
       <a:minorFont>
-        <a:latin typeface="Calibri" panose="020F0502020204030204"/>
+        <a:latin typeface="Calibri"/>
         <a:ea typeface=""/>
         <a:cs typeface=""/>
         <a:font script="Jpan" typeface="Yu Gothic"/>
@@ -11262,7 +11306,7 @@
   <a:extraClrSchemeLst/>
   <a:extLst>
     <a:ext uri="{05A4C25C-085E-4340-85A3-A5531E510DB2}">
-      <thm15:themeFamily xmlns:thm15="http://schemas.microsoft.com/office/thememl/2012/main" name="Office Theme" id="{62F939B6-93AF-4DB8-9C6B-D6C7DFDC589F}" vid="{4A3C46E8-61CC-4603-A589-7422A47A8E4A}"/>
+      <thm15:themeFamily xmlns:thm15="http://schemas.microsoft.com/office/thememl/2012/main" xmlns="" name="Office Theme" id="{62F939B6-93AF-4DB8-9C6B-D6C7DFDC589F}" vid="{4A3C46E8-61CC-4603-A589-7422A47A8E4A}"/>
     </a:ext>
   </a:extLst>
 </a:theme>
@@ -11311,7 +11355,7 @@
     </a:clrScheme>
     <a:fontScheme name="Office">
       <a:majorFont>
-        <a:latin typeface="Calibri Light" panose="020F0302020204030204"/>
+        <a:latin typeface="Calibri Light"/>
         <a:ea typeface=""/>
         <a:cs typeface=""/>
         <a:font script="Jpan" typeface="Yu Gothic Light"/>
@@ -11346,7 +11390,7 @@
         <a:font script="Geor" typeface="Sylfaen"/>
       </a:majorFont>
       <a:minorFont>
-        <a:latin typeface="Calibri" panose="020F0502020204030204"/>
+        <a:latin typeface="Calibri"/>
         <a:ea typeface=""/>
         <a:cs typeface=""/>
         <a:font script="Jpan" typeface="Yu Gothic"/>
@@ -11523,7 +11567,7 @@
   <a:extraClrSchemeLst/>
   <a:extLst>
     <a:ext uri="{05A4C25C-085E-4340-85A3-A5531E510DB2}">
-      <thm15:themeFamily xmlns:thm15="http://schemas.microsoft.com/office/thememl/2012/main" name="Office Theme" id="{62F939B6-93AF-4DB8-9C6B-D6C7DFDC589F}" vid="{4A3C46E8-61CC-4603-A589-7422A47A8E4A}"/>
+      <thm15:themeFamily xmlns:thm15="http://schemas.microsoft.com/office/thememl/2012/main" xmlns="" name="Office Theme" id="{62F939B6-93AF-4DB8-9C6B-D6C7DFDC589F}" vid="{4A3C46E8-61CC-4603-A589-7422A47A8E4A}"/>
     </a:ext>
   </a:extLst>
 </a:theme>

--- a/Presentation_1.pptx
+++ b/Presentation_1.pptx
@@ -5,10 +5,10 @@
     <p:sldMasterId id="2147483660" r:id="rId1"/>
   </p:sldMasterIdLst>
   <p:notesMasterIdLst>
-    <p:notesMasterId r:id="rId20"/>
+    <p:notesMasterId r:id="rId28"/>
   </p:notesMasterIdLst>
   <p:handoutMasterIdLst>
-    <p:handoutMasterId r:id="rId21"/>
+    <p:handoutMasterId r:id="rId29"/>
   </p:handoutMasterIdLst>
   <p:sldIdLst>
     <p:sldId id="258" r:id="rId2"/>
@@ -23,12 +23,20 @@
     <p:sldId id="292" r:id="rId11"/>
     <p:sldId id="329" r:id="rId12"/>
     <p:sldId id="321" r:id="rId13"/>
-    <p:sldId id="324" r:id="rId14"/>
-    <p:sldId id="325" r:id="rId15"/>
-    <p:sldId id="326" r:id="rId16"/>
-    <p:sldId id="308" r:id="rId17"/>
-    <p:sldId id="323" r:id="rId18"/>
-    <p:sldId id="288" r:id="rId19"/>
+    <p:sldId id="330" r:id="rId14"/>
+    <p:sldId id="331" r:id="rId15"/>
+    <p:sldId id="332" r:id="rId16"/>
+    <p:sldId id="333" r:id="rId17"/>
+    <p:sldId id="334" r:id="rId18"/>
+    <p:sldId id="335" r:id="rId19"/>
+    <p:sldId id="336" r:id="rId20"/>
+    <p:sldId id="337" r:id="rId21"/>
+    <p:sldId id="324" r:id="rId22"/>
+    <p:sldId id="325" r:id="rId23"/>
+    <p:sldId id="326" r:id="rId24"/>
+    <p:sldId id="308" r:id="rId25"/>
+    <p:sldId id="323" r:id="rId26"/>
+    <p:sldId id="288" r:id="rId27"/>
   </p:sldIdLst>
   <p:sldSz cx="9144000" cy="5143500" type="screen16x9"/>
   <p:notesSz cx="6858000" cy="9144000"/>
@@ -129,10 +137,10 @@
   </p:defaultTextStyle>
   <p:extLst>
     <p:ext uri="{EFAFB233-063F-42B5-8137-9DF3F51BA10A}">
-      <p15:sldGuideLst xmlns:p15="http://schemas.microsoft.com/office/powerpoint/2012/main" xmlns=""/>
+      <p15:sldGuideLst xmlns="" xmlns:p15="http://schemas.microsoft.com/office/powerpoint/2012/main"/>
     </p:ext>
     <p:ext uri="{2D200454-40CA-4A62-9FC3-DE9A4176ACB9}">
-      <p15:notesGuideLst xmlns:p15="http://schemas.microsoft.com/office/powerpoint/2012/main" xmlns=""/>
+      <p15:notesGuideLst xmlns="" xmlns:p15="http://schemas.microsoft.com/office/powerpoint/2012/main"/>
     </p:ext>
   </p:extLst>
 </p:presentation>
@@ -6009,14 +6017,26 @@
         </p:nvSpPr>
         <p:spPr/>
         <p:txBody>
-          <a:bodyPr/>
-          <a:lstStyle/>
-          <a:p>
-            <a:r>
-              <a:rPr lang="en-US" dirty="0" smtClean="0"/>
-              <a:t>Level 5: Patient Outcome Efficacy</a:t>
-            </a:r>
-            <a:endParaRPr lang="en-US" dirty="0"/>
+          <a:bodyPr>
+            <a:noAutofit/>
+          </a:bodyPr>
+          <a:lstStyle/>
+          <a:p>
+            <a:r>
+              <a:rPr lang="en-US" sz="2800" dirty="0"/>
+              <a:t>Reasoning Foundations for</a:t>
+            </a:r>
+            <a:br>
+              <a:rPr lang="en-US" sz="2800" dirty="0"/>
+            </a:br>
+            <a:r>
+              <a:rPr lang="en-US" sz="2800" dirty="0"/>
+              <a:t>Medical Diagnosis </a:t>
+            </a:r>
+            <a:br>
+              <a:rPr lang="en-US" sz="2800" dirty="0"/>
+            </a:br>
+            <a:endParaRPr lang="en-US" sz="2800" dirty="0"/>
           </a:p>
         </p:txBody>
       </p:sp>
@@ -6036,36 +6056,18 @@
           <a:lstStyle/>
           <a:p>
             <a:r>
-              <a:rPr lang="en-US" dirty="0" smtClean="0"/>
-              <a:t>Cost comes into play </a:t>
-            </a:r>
-          </a:p>
-          <a:p>
-            <a:r>
-              <a:rPr lang="en-US" dirty="0" smtClean="0"/>
-              <a:t>Methods:</a:t>
-            </a:r>
-          </a:p>
-          <a:p>
-            <a:pPr lvl="1"/>
-            <a:r>
-              <a:rPr lang="en-US" dirty="0" smtClean="0"/>
-              <a:t>RCT (random controlled trial)</a:t>
-            </a:r>
-          </a:p>
-          <a:p>
-            <a:pPr lvl="1"/>
-            <a:r>
-              <a:rPr lang="en-US" dirty="0" smtClean="0"/>
-              <a:t>Statistical Methods</a:t>
-            </a:r>
-          </a:p>
-          <a:p>
-            <a:pPr lvl="1"/>
-            <a:endParaRPr lang="en-US" dirty="0" smtClean="0"/>
-          </a:p>
-          <a:p>
-            <a:endParaRPr lang="en-US" dirty="0"/>
+              <a:rPr lang="en-US" sz="3200" dirty="0"/>
+              <a:t>Aim:  </a:t>
+            </a:r>
+          </a:p>
+          <a:p>
+            <a:endParaRPr lang="en-US" sz="3200" dirty="0"/>
+          </a:p>
+          <a:p>
+            <a:r>
+              <a:rPr lang="en-US" dirty="0"/>
+              <a:t>To know about the complicated reasoning  processes that how the physician makes a medical diagnosis</a:t>
+            </a:r>
           </a:p>
         </p:txBody>
       </p:sp>
@@ -6141,20 +6143,13 @@
     </p:spTree>
     <p:extLst>
       <p:ext uri="{BB962C8B-B14F-4D97-AF65-F5344CB8AC3E}">
-        <p14:creationId xmlns:p14="http://schemas.microsoft.com/office/powerpoint/2010/main" val="402076097"/>
+        <p14:creationId xmlns:p14="http://schemas.microsoft.com/office/powerpoint/2010/main" val="3891151158"/>
       </p:ext>
     </p:extLst>
   </p:cSld>
   <p:clrMapOvr>
     <a:masterClrMapping/>
   </p:clrMapOvr>
-  <p:timing>
-    <p:tnLst>
-      <p:par>
-        <p:cTn id="1" dur="indefinite" restart="never" nodeType="tmRoot"/>
-      </p:par>
-    </p:tnLst>
-  </p:timing>
 </p:sld>
 </file>
 
@@ -6187,46 +6182,15 @@
         </p:nvSpPr>
         <p:spPr/>
         <p:txBody>
-          <a:bodyPr/>
-          <a:lstStyle/>
-          <a:p>
-            <a:r>
-              <a:rPr lang="en-US" dirty="0" smtClean="0"/>
-              <a:t>Level 6: Societal Efficacy</a:t>
-            </a:r>
-            <a:endParaRPr lang="en-US" dirty="0"/>
-          </a:p>
-        </p:txBody>
-      </p:sp>
-      <p:sp>
-        <p:nvSpPr>
-          <p:cNvPr id="3" name="Content Placeholder 2"/>
-          <p:cNvSpPr>
-            <a:spLocks noGrp="1"/>
-          </p:cNvSpPr>
-          <p:nvPr>
-            <p:ph idx="1"/>
-          </p:nvPr>
-        </p:nvSpPr>
-        <p:spPr/>
-        <p:txBody>
-          <a:bodyPr/>
-          <a:lstStyle/>
-          <a:p>
-            <a:r>
-              <a:rPr lang="en-US" dirty="0" smtClean="0"/>
-              <a:t>Efficient use of societal resources</a:t>
-            </a:r>
-          </a:p>
-          <a:p>
-            <a:r>
-              <a:rPr lang="en-US" dirty="0" smtClean="0"/>
-              <a:t>Introduction to new technology</a:t>
-            </a:r>
-            <a:endParaRPr lang="en-US" dirty="0"/>
-          </a:p>
-          <a:p>
-            <a:endParaRPr lang="en-US" dirty="0"/>
+          <a:bodyPr>
+            <a:normAutofit/>
+          </a:bodyPr>
+          <a:lstStyle/>
+          <a:p>
+            <a:r>
+              <a:rPr lang="en-US" sz="2800" dirty="0"/>
+              <a:t>Inherent Concepts for the theory: </a:t>
+            </a:r>
           </a:p>
         </p:txBody>
       </p:sp>
@@ -6269,10 +6233,10 @@
           <a:lstStyle/>
           <a:p>
             <a:r>
-              <a:rPr lang="en-US" smtClean="0"/>
+              <a:rPr lang="en-US" dirty="0" smtClean="0"/>
               <a:t>Seminar – Fall 2018</a:t>
             </a:r>
-            <a:endParaRPr lang="en-US"/>
+            <a:endParaRPr lang="en-US" dirty="0"/>
           </a:p>
         </p:txBody>
       </p:sp>
@@ -6299,23 +6263,139 @@
           </a:p>
         </p:txBody>
       </p:sp>
+      <p:sp>
+        <p:nvSpPr>
+          <p:cNvPr id="7" name="Rectangle 6"/>
+          <p:cNvSpPr/>
+          <p:nvPr/>
+        </p:nvSpPr>
+        <p:spPr>
+          <a:xfrm>
+            <a:off x="3387436" y="1548570"/>
+            <a:ext cx="1600199" cy="443021"/>
+          </a:xfrm>
+          <a:prstGeom prst="rect">
+            <a:avLst/>
+          </a:prstGeom>
+        </p:spPr>
+        <p:style>
+          <a:lnRef idx="1">
+            <a:schemeClr val="accent3"/>
+          </a:lnRef>
+          <a:fillRef idx="3">
+            <a:schemeClr val="accent3"/>
+          </a:fillRef>
+          <a:effectRef idx="2">
+            <a:schemeClr val="accent3"/>
+          </a:effectRef>
+          <a:fontRef idx="minor">
+            <a:schemeClr val="lt1"/>
+          </a:fontRef>
+        </p:style>
+        <p:txBody>
+          <a:bodyPr rtlCol="0" anchor="ctr"/>
+          <a:lstStyle/>
+          <a:p>
+            <a:r>
+              <a:rPr lang="en-US" sz="1800" dirty="0" smtClean="0"/>
+              <a:t>Symbolic Logic</a:t>
+            </a:r>
+            <a:endParaRPr lang="en-US" sz="1800" dirty="0" smtClean="0"/>
+          </a:p>
+        </p:txBody>
+      </p:sp>
+      <p:sp>
+        <p:nvSpPr>
+          <p:cNvPr id="8" name="Rectangle 7"/>
+          <p:cNvSpPr/>
+          <p:nvPr/>
+        </p:nvSpPr>
+        <p:spPr>
+          <a:xfrm>
+            <a:off x="3387436" y="2570343"/>
+            <a:ext cx="1600199" cy="443021"/>
+          </a:xfrm>
+          <a:prstGeom prst="rect">
+            <a:avLst/>
+          </a:prstGeom>
+        </p:spPr>
+        <p:style>
+          <a:lnRef idx="1">
+            <a:schemeClr val="accent3"/>
+          </a:lnRef>
+          <a:fillRef idx="3">
+            <a:schemeClr val="accent3"/>
+          </a:fillRef>
+          <a:effectRef idx="2">
+            <a:schemeClr val="accent3"/>
+          </a:effectRef>
+          <a:fontRef idx="minor">
+            <a:schemeClr val="lt1"/>
+          </a:fontRef>
+        </p:style>
+        <p:txBody>
+          <a:bodyPr rtlCol="0" anchor="ctr"/>
+          <a:lstStyle/>
+          <a:p>
+            <a:r>
+              <a:rPr lang="en-US" sz="1800" dirty="0" smtClean="0"/>
+              <a:t>Probability</a:t>
+            </a:r>
+            <a:endParaRPr lang="en-US" sz="1800" dirty="0" smtClean="0"/>
+          </a:p>
+        </p:txBody>
+      </p:sp>
+      <p:sp>
+        <p:nvSpPr>
+          <p:cNvPr id="9" name="Rectangle 8"/>
+          <p:cNvSpPr/>
+          <p:nvPr/>
+        </p:nvSpPr>
+        <p:spPr>
+          <a:xfrm>
+            <a:off x="3387435" y="3491670"/>
+            <a:ext cx="1600199" cy="443021"/>
+          </a:xfrm>
+          <a:prstGeom prst="rect">
+            <a:avLst/>
+          </a:prstGeom>
+        </p:spPr>
+        <p:style>
+          <a:lnRef idx="1">
+            <a:schemeClr val="accent3"/>
+          </a:lnRef>
+          <a:fillRef idx="3">
+            <a:schemeClr val="accent3"/>
+          </a:fillRef>
+          <a:effectRef idx="2">
+            <a:schemeClr val="accent3"/>
+          </a:effectRef>
+          <a:fontRef idx="minor">
+            <a:schemeClr val="lt1"/>
+          </a:fontRef>
+        </p:style>
+        <p:txBody>
+          <a:bodyPr rtlCol="0" anchor="ctr"/>
+          <a:lstStyle/>
+          <a:p>
+            <a:r>
+              <a:rPr lang="en-US" sz="1800" dirty="0" smtClean="0"/>
+              <a:t>Value Theory</a:t>
+            </a:r>
+            <a:endParaRPr lang="en-US" sz="1800" dirty="0"/>
+          </a:p>
+        </p:txBody>
+      </p:sp>
     </p:spTree>
     <p:extLst>
       <p:ext uri="{BB962C8B-B14F-4D97-AF65-F5344CB8AC3E}">
-        <p14:creationId xmlns:p14="http://schemas.microsoft.com/office/powerpoint/2010/main" val="832783125"/>
+        <p14:creationId xmlns:p14="http://schemas.microsoft.com/office/powerpoint/2010/main" val="693927211"/>
       </p:ext>
     </p:extLst>
   </p:cSld>
   <p:clrMapOvr>
     <a:masterClrMapping/>
   </p:clrMapOvr>
-  <p:timing>
-    <p:tnLst>
-      <p:par>
-        <p:cTn id="1" dur="indefinite" restart="never" nodeType="tmRoot"/>
-      </p:par>
-    </p:tnLst>
-  </p:timing>
 </p:sld>
 </file>
 
@@ -6348,13 +6428,18 @@
         </p:nvSpPr>
         <p:spPr/>
         <p:txBody>
-          <a:bodyPr/>
-          <a:lstStyle/>
-          <a:p>
-            <a:r>
-              <a:rPr lang="en-US" dirty="0" smtClean="0"/>
-              <a:t>Efficacy -&gt; Cost Effectiveness</a:t>
-            </a:r>
+          <a:bodyPr>
+            <a:normAutofit fontScale="90000"/>
+          </a:bodyPr>
+          <a:lstStyle/>
+          <a:p>
+            <a:r>
+              <a:rPr lang="en-US" sz="3600" u="sng" dirty="0"/>
+              <a:t>Symbolic Logic</a:t>
+            </a:r>
+            <a:br>
+              <a:rPr lang="en-US" sz="3600" u="sng" dirty="0"/>
+            </a:br>
             <a:endParaRPr lang="en-US" dirty="0"/>
           </a:p>
         </p:txBody>
@@ -6369,42 +6454,26 @@
             <p:ph idx="1"/>
           </p:nvPr>
         </p:nvSpPr>
-        <p:spPr/>
+        <p:spPr>
+          <a:xfrm>
+            <a:off x="404904" y="1565768"/>
+            <a:ext cx="8110446" cy="2195741"/>
+          </a:xfrm>
+        </p:spPr>
         <p:txBody>
           <a:bodyPr/>
           <a:lstStyle/>
           <a:p>
             <a:r>
               <a:rPr lang="en-US" dirty="0"/>
-              <a:t>Phelps and </a:t>
-            </a:r>
-            <a:r>
-              <a:rPr lang="en-US" dirty="0" err="1"/>
-              <a:t>Mushlin</a:t>
-            </a:r>
-            <a:r>
+              <a:t>combinations of signs and symptoms that the patient does and does not have in relation to possible combinations of diseases.</a:t>
+            </a:r>
+            <a:br>
               <a:rPr lang="en-US" dirty="0"/>
-              <a:t> </a:t>
-            </a:r>
-            <a:r>
-              <a:rPr lang="en-US" dirty="0" smtClean="0"/>
-              <a:t>approach</a:t>
-            </a:r>
-            <a:r>
-              <a:rPr lang="en-US" dirty="0"/>
-              <a:t> </a:t>
-            </a:r>
-            <a:r>
-              <a:rPr lang="en-US" dirty="0" smtClean="0"/>
-              <a:t>model</a:t>
-            </a:r>
-          </a:p>
-          <a:p>
-            <a:pPr lvl="1"/>
-            <a:r>
-              <a:rPr lang="en-US" dirty="0" smtClean="0"/>
-              <a:t>Dollars per QALY</a:t>
-            </a:r>
+            </a:br>
+            <a:endParaRPr lang="en-US" dirty="0"/>
+          </a:p>
+          <a:p>
             <a:endParaRPr lang="en-US" dirty="0"/>
           </a:p>
         </p:txBody>
@@ -6481,20 +6550,13 @@
     </p:spTree>
     <p:extLst>
       <p:ext uri="{BB962C8B-B14F-4D97-AF65-F5344CB8AC3E}">
-        <p14:creationId xmlns:p14="http://schemas.microsoft.com/office/powerpoint/2010/main" val="964978674"/>
+        <p14:creationId xmlns:p14="http://schemas.microsoft.com/office/powerpoint/2010/main" val="2926846685"/>
       </p:ext>
     </p:extLst>
   </p:cSld>
   <p:clrMapOvr>
     <a:masterClrMapping/>
   </p:clrMapOvr>
-  <p:timing>
-    <p:tnLst>
-      <p:par>
-        <p:cTn id="1" dur="indefinite" restart="never" nodeType="tmRoot"/>
-      </p:par>
-    </p:tnLst>
-  </p:timing>
 </p:sld>
 </file>
 
@@ -6517,7 +6579,7 @@
       </p:grpSpPr>
       <p:sp>
         <p:nvSpPr>
-          <p:cNvPr id="13" name="Title 12"/>
+          <p:cNvPr id="2" name="Title 1"/>
           <p:cNvSpPr>
             <a:spLocks noGrp="1"/>
           </p:cNvSpPr>
@@ -6527,53 +6589,59 @@
         </p:nvSpPr>
         <p:spPr/>
         <p:txBody>
+          <a:bodyPr>
+            <a:normAutofit fontScale="90000"/>
+          </a:bodyPr>
+          <a:lstStyle/>
+          <a:p>
+            <a:r>
+              <a:rPr lang="en-US" sz="3600" u="sng" dirty="0"/>
+              <a:t>Probability</a:t>
+            </a:r>
+            <a:br>
+              <a:rPr lang="en-US" sz="3600" u="sng" dirty="0"/>
+            </a:br>
+            <a:endParaRPr lang="en-US" dirty="0"/>
+          </a:p>
+        </p:txBody>
+      </p:sp>
+      <p:sp>
+        <p:nvSpPr>
+          <p:cNvPr id="3" name="Content Placeholder 2"/>
+          <p:cNvSpPr>
+            <a:spLocks noGrp="1"/>
+          </p:cNvSpPr>
+          <p:nvPr>
+            <p:ph idx="1"/>
+          </p:nvPr>
+        </p:nvSpPr>
+        <p:spPr>
+          <a:xfrm>
+            <a:off x="404904" y="1639384"/>
+            <a:ext cx="8110446" cy="2444244"/>
+          </a:xfrm>
+        </p:spPr>
+        <p:txBody>
           <a:bodyPr/>
           <a:lstStyle/>
           <a:p>
             <a:r>
               <a:rPr lang="en-US" dirty="0"/>
-              <a:t>Conclusion</a:t>
-            </a:r>
-          </a:p>
-        </p:txBody>
-      </p:sp>
-      <p:sp>
-        <p:nvSpPr>
-          <p:cNvPr id="14" name="Content Placeholder 13"/>
-          <p:cNvSpPr>
-            <a:spLocks noGrp="1"/>
-          </p:cNvSpPr>
-          <p:nvPr>
-            <p:ph idx="1"/>
-          </p:nvPr>
-        </p:nvSpPr>
-        <p:spPr/>
-        <p:txBody>
-          <a:bodyPr/>
-          <a:lstStyle/>
-          <a:p>
-            <a:endParaRPr lang="en-US" dirty="0" smtClean="0"/>
-          </a:p>
-          <a:p>
-            <a:r>
-              <a:rPr lang="en-US" dirty="0" smtClean="0"/>
-              <a:t>Efficacy model evaluates diagnosis imaging in the whole process of patient treatment.  </a:t>
-            </a:r>
-          </a:p>
-          <a:p>
-            <a:r>
-              <a:rPr lang="en-US" dirty="0" smtClean="0"/>
-              <a:t>More research has been conducted in Level 1 and 2.</a:t>
-            </a:r>
-          </a:p>
-          <a:p>
+              <a:t>to determine which of these alternative disease complexes is "most likely" for this patient.</a:t>
+            </a:r>
+            <a:br>
+              <a:rPr lang="en-US" dirty="0"/>
+            </a:br>
             <a:endParaRPr lang="en-US" dirty="0"/>
           </a:p>
-        </p:txBody>
-      </p:sp>
-      <p:sp>
-        <p:nvSpPr>
-          <p:cNvPr id="7" name="Date Placeholder 6"/>
+          <a:p>
+            <a:endParaRPr lang="en-US" dirty="0"/>
+          </a:p>
+        </p:txBody>
+      </p:sp>
+      <p:sp>
+        <p:nvSpPr>
+          <p:cNvPr id="4" name="Date Placeholder 3"/>
           <p:cNvSpPr>
             <a:spLocks noGrp="1"/>
           </p:cNvSpPr>
@@ -6590,13 +6658,13 @@
               <a:rPr lang="en-US" smtClean="0"/>
               <a:t>Sep 18 2018</a:t>
             </a:r>
-            <a:endParaRPr lang="en-US" dirty="0"/>
-          </a:p>
-        </p:txBody>
-      </p:sp>
-      <p:sp>
-        <p:nvSpPr>
-          <p:cNvPr id="8" name="Footer Placeholder 7"/>
+            <a:endParaRPr lang="en-US"/>
+          </a:p>
+        </p:txBody>
+      </p:sp>
+      <p:sp>
+        <p:nvSpPr>
+          <p:cNvPr id="5" name="Footer Placeholder 4"/>
           <p:cNvSpPr>
             <a:spLocks noGrp="1"/>
           </p:cNvSpPr>
@@ -6613,13 +6681,13 @@
               <a:rPr lang="en-US" smtClean="0"/>
               <a:t>Seminar – Fall 2018</a:t>
             </a:r>
-            <a:endParaRPr lang="en-US" dirty="0"/>
-          </a:p>
-        </p:txBody>
-      </p:sp>
-      <p:sp>
-        <p:nvSpPr>
-          <p:cNvPr id="9" name="Slide Number Placeholder 8"/>
+            <a:endParaRPr lang="en-US"/>
+          </a:p>
+        </p:txBody>
+      </p:sp>
+      <p:sp>
+        <p:nvSpPr>
+          <p:cNvPr id="6" name="Slide Number Placeholder 5"/>
           <p:cNvSpPr>
             <a:spLocks noGrp="1"/>
           </p:cNvSpPr>
@@ -6643,252 +6711,13 @@
     </p:spTree>
     <p:extLst>
       <p:ext uri="{BB962C8B-B14F-4D97-AF65-F5344CB8AC3E}">
-        <p14:creationId xmlns:p14="http://schemas.microsoft.com/office/powerpoint/2010/main" val="2851950986"/>
+        <p14:creationId xmlns:p14="http://schemas.microsoft.com/office/powerpoint/2010/main" val="2781024857"/>
       </p:ext>
     </p:extLst>
   </p:cSld>
   <p:clrMapOvr>
     <a:masterClrMapping/>
   </p:clrMapOvr>
-  <p:timing>
-    <p:tnLst>
-      <p:par>
-        <p:cTn id="1" dur="indefinite" restart="never" nodeType="tmRoot">
-          <p:childTnLst>
-            <p:seq concurrent="1" nextAc="seek">
-              <p:cTn id="2" dur="indefinite" nodeType="mainSeq">
-                <p:childTnLst>
-                  <p:par>
-                    <p:cTn id="3" fill="hold">
-                      <p:stCondLst>
-                        <p:cond delay="indefinite"/>
-                      </p:stCondLst>
-                      <p:childTnLst>
-                        <p:par>
-                          <p:cTn id="4" fill="hold">
-                            <p:stCondLst>
-                              <p:cond delay="0"/>
-                            </p:stCondLst>
-                            <p:childTnLst>
-                              <p:par>
-                                <p:cTn id="5" presetID="2" presetClass="entr" presetSubtype="4" fill="hold" grpId="0" nodeType="clickEffect">
-                                  <p:stCondLst>
-                                    <p:cond delay="0"/>
-                                  </p:stCondLst>
-                                  <p:childTnLst>
-                                    <p:set>
-                                      <p:cBhvr>
-                                        <p:cTn id="6" dur="1" fill="hold">
-                                          <p:stCondLst>
-                                            <p:cond delay="0"/>
-                                          </p:stCondLst>
-                                        </p:cTn>
-                                        <p:tgtEl>
-                                          <p:spTgt spid="14">
-                                            <p:txEl>
-                                              <p:pRg st="1" end="1"/>
-                                            </p:txEl>
-                                          </p:spTgt>
-                                        </p:tgtEl>
-                                        <p:attrNameLst>
-                                          <p:attrName>style.visibility</p:attrName>
-                                        </p:attrNameLst>
-                                      </p:cBhvr>
-                                      <p:to>
-                                        <p:strVal val="visible"/>
-                                      </p:to>
-                                    </p:set>
-                                    <p:anim calcmode="lin" valueType="num">
-                                      <p:cBhvr additive="base">
-                                        <p:cTn id="7" dur="500" fill="hold"/>
-                                        <p:tgtEl>
-                                          <p:spTgt spid="14">
-                                            <p:txEl>
-                                              <p:pRg st="1" end="1"/>
-                                            </p:txEl>
-                                          </p:spTgt>
-                                        </p:tgtEl>
-                                        <p:attrNameLst>
-                                          <p:attrName>ppt_x</p:attrName>
-                                        </p:attrNameLst>
-                                      </p:cBhvr>
-                                      <p:tavLst>
-                                        <p:tav tm="0">
-                                          <p:val>
-                                            <p:strVal val="#ppt_x"/>
-                                          </p:val>
-                                        </p:tav>
-                                        <p:tav tm="100000">
-                                          <p:val>
-                                            <p:strVal val="#ppt_x"/>
-                                          </p:val>
-                                        </p:tav>
-                                      </p:tavLst>
-                                    </p:anim>
-                                    <p:anim calcmode="lin" valueType="num">
-                                      <p:cBhvr additive="base">
-                                        <p:cTn id="8" dur="500" fill="hold"/>
-                                        <p:tgtEl>
-                                          <p:spTgt spid="14">
-                                            <p:txEl>
-                                              <p:pRg st="1" end="1"/>
-                                            </p:txEl>
-                                          </p:spTgt>
-                                        </p:tgtEl>
-                                        <p:attrNameLst>
-                                          <p:attrName>ppt_y</p:attrName>
-                                        </p:attrNameLst>
-                                      </p:cBhvr>
-                                      <p:tavLst>
-                                        <p:tav tm="0">
-                                          <p:val>
-                                            <p:strVal val="1+#ppt_h/2"/>
-                                          </p:val>
-                                        </p:tav>
-                                        <p:tav tm="100000">
-                                          <p:val>
-                                            <p:strVal val="#ppt_y"/>
-                                          </p:val>
-                                        </p:tav>
-                                      </p:tavLst>
-                                    </p:anim>
-                                  </p:childTnLst>
-                                </p:cTn>
-                              </p:par>
-                            </p:childTnLst>
-                          </p:cTn>
-                        </p:par>
-                      </p:childTnLst>
-                    </p:cTn>
-                  </p:par>
-                  <p:par>
-                    <p:cTn id="9" fill="hold">
-                      <p:stCondLst>
-                        <p:cond delay="indefinite"/>
-                      </p:stCondLst>
-                      <p:childTnLst>
-                        <p:par>
-                          <p:cTn id="10" fill="hold">
-                            <p:stCondLst>
-                              <p:cond delay="0"/>
-                            </p:stCondLst>
-                            <p:childTnLst>
-                              <p:par>
-                                <p:cTn id="11" presetID="2" presetClass="entr" presetSubtype="4" fill="hold" grpId="0" nodeType="clickEffect">
-                                  <p:stCondLst>
-                                    <p:cond delay="0"/>
-                                  </p:stCondLst>
-                                  <p:childTnLst>
-                                    <p:set>
-                                      <p:cBhvr>
-                                        <p:cTn id="12" dur="1" fill="hold">
-                                          <p:stCondLst>
-                                            <p:cond delay="0"/>
-                                          </p:stCondLst>
-                                        </p:cTn>
-                                        <p:tgtEl>
-                                          <p:spTgt spid="14">
-                                            <p:txEl>
-                                              <p:pRg st="2" end="2"/>
-                                            </p:txEl>
-                                          </p:spTgt>
-                                        </p:tgtEl>
-                                        <p:attrNameLst>
-                                          <p:attrName>style.visibility</p:attrName>
-                                        </p:attrNameLst>
-                                      </p:cBhvr>
-                                      <p:to>
-                                        <p:strVal val="visible"/>
-                                      </p:to>
-                                    </p:set>
-                                    <p:anim calcmode="lin" valueType="num">
-                                      <p:cBhvr additive="base">
-                                        <p:cTn id="13" dur="500" fill="hold"/>
-                                        <p:tgtEl>
-                                          <p:spTgt spid="14">
-                                            <p:txEl>
-                                              <p:pRg st="2" end="2"/>
-                                            </p:txEl>
-                                          </p:spTgt>
-                                        </p:tgtEl>
-                                        <p:attrNameLst>
-                                          <p:attrName>ppt_x</p:attrName>
-                                        </p:attrNameLst>
-                                      </p:cBhvr>
-                                      <p:tavLst>
-                                        <p:tav tm="0">
-                                          <p:val>
-                                            <p:strVal val="#ppt_x"/>
-                                          </p:val>
-                                        </p:tav>
-                                        <p:tav tm="100000">
-                                          <p:val>
-                                            <p:strVal val="#ppt_x"/>
-                                          </p:val>
-                                        </p:tav>
-                                      </p:tavLst>
-                                    </p:anim>
-                                    <p:anim calcmode="lin" valueType="num">
-                                      <p:cBhvr additive="base">
-                                        <p:cTn id="14" dur="500" fill="hold"/>
-                                        <p:tgtEl>
-                                          <p:spTgt spid="14">
-                                            <p:txEl>
-                                              <p:pRg st="2" end="2"/>
-                                            </p:txEl>
-                                          </p:spTgt>
-                                        </p:tgtEl>
-                                        <p:attrNameLst>
-                                          <p:attrName>ppt_y</p:attrName>
-                                        </p:attrNameLst>
-                                      </p:cBhvr>
-                                      <p:tavLst>
-                                        <p:tav tm="0">
-                                          <p:val>
-                                            <p:strVal val="1+#ppt_h/2"/>
-                                          </p:val>
-                                        </p:tav>
-                                        <p:tav tm="100000">
-                                          <p:val>
-                                            <p:strVal val="#ppt_y"/>
-                                          </p:val>
-                                        </p:tav>
-                                      </p:tavLst>
-                                    </p:anim>
-                                  </p:childTnLst>
-                                </p:cTn>
-                              </p:par>
-                            </p:childTnLst>
-                          </p:cTn>
-                        </p:par>
-                      </p:childTnLst>
-                    </p:cTn>
-                  </p:par>
-                </p:childTnLst>
-              </p:cTn>
-              <p:prevCondLst>
-                <p:cond evt="onPrev" delay="0">
-                  <p:tgtEl>
-                    <p:sldTgt/>
-                  </p:tgtEl>
-                </p:cond>
-              </p:prevCondLst>
-              <p:nextCondLst>
-                <p:cond evt="onNext" delay="0">
-                  <p:tgtEl>
-                    <p:sldTgt/>
-                  </p:tgtEl>
-                </p:cond>
-              </p:nextCondLst>
-            </p:seq>
-          </p:childTnLst>
-        </p:cTn>
-      </p:par>
-    </p:tnLst>
-    <p:bldLst>
-      <p:bldP spid="14" grpId="0" build="p"/>
-    </p:bldLst>
-  </p:timing>
 </p:sld>
 </file>
 
@@ -6925,8 +6754,8 @@
           <a:lstStyle/>
           <a:p>
             <a:r>
-              <a:rPr lang="en-US" dirty="0" smtClean="0"/>
-              <a:t>References</a:t>
+              <a:rPr lang="en-US" u="sng" dirty="0"/>
+              <a:t>Value Theory</a:t>
             </a:r>
             <a:endParaRPr lang="en-US" dirty="0"/>
           </a:p>
@@ -6942,137 +6771,26 @@
             <p:ph idx="1"/>
           </p:nvPr>
         </p:nvSpPr>
-        <p:spPr/>
-        <p:txBody>
-          <a:bodyPr>
-            <a:normAutofit fontScale="70000" lnSpcReduction="20000"/>
-          </a:bodyPr>
-          <a:lstStyle/>
-          <a:p>
-            <a:r>
-              <a:rPr lang="en-US" dirty="0" smtClean="0"/>
-              <a:t>[1] </a:t>
-            </a:r>
-            <a:r>
-              <a:rPr lang="en-US" b="0" dirty="0"/>
-              <a:t>Gazelle, G. Scott, et al. "A framework for assessing the value of diagnostic imaging in the era of comparative effectiveness research." </a:t>
-            </a:r>
-            <a:r>
-              <a:rPr lang="en-US" b="0" i="1" dirty="0"/>
-              <a:t>Radiology</a:t>
-            </a:r>
-            <a:r>
-              <a:rPr lang="en-US" b="0" dirty="0"/>
-              <a:t> 261.3 (2011): 692-698.</a:t>
-            </a:r>
-            <a:endParaRPr lang="en-US" dirty="0" smtClean="0"/>
-          </a:p>
-          <a:p>
-            <a:r>
-              <a:rPr lang="en-US" dirty="0" smtClean="0"/>
-              <a:t>[2] </a:t>
-            </a:r>
-            <a:r>
-              <a:rPr lang="en-US" b="0" dirty="0"/>
-              <a:t>Lord, Sarah J., Les </a:t>
-            </a:r>
-            <a:r>
-              <a:rPr lang="en-US" b="0" dirty="0" err="1"/>
-              <a:t>Irwig</a:t>
-            </a:r>
-            <a:r>
-              <a:rPr lang="en-US" b="0" dirty="0"/>
-              <a:t>, and R. John </a:t>
-            </a:r>
-            <a:r>
-              <a:rPr lang="en-US" b="0" dirty="0" err="1"/>
-              <a:t>Simes</a:t>
-            </a:r>
-            <a:r>
-              <a:rPr lang="en-US" b="0" dirty="0"/>
-              <a:t>. "When is measuring sensitivity and specificity sufficient to evaluate a diagnostic test, and when do we need randomized trials?." </a:t>
-            </a:r>
-            <a:r>
-              <a:rPr lang="en-US" b="0" i="1" dirty="0"/>
-              <a:t>Annals of internal medicine</a:t>
-            </a:r>
-            <a:r>
-              <a:rPr lang="en-US" b="0" dirty="0"/>
-              <a:t> 144.11 (2006): 850-855.</a:t>
-            </a:r>
-            <a:endParaRPr lang="en-US" dirty="0" smtClean="0"/>
-          </a:p>
-          <a:p>
-            <a:r>
-              <a:rPr lang="en-US" dirty="0" smtClean="0"/>
-              <a:t>[3]</a:t>
-            </a:r>
-            <a:r>
-              <a:rPr lang="en-US" b="0" dirty="0"/>
-              <a:t> Verhaegen, </a:t>
-            </a:r>
-            <a:r>
-              <a:rPr lang="en-US" b="0" dirty="0" err="1"/>
-              <a:t>Jorine</a:t>
-            </a:r>
-            <a:r>
-              <a:rPr lang="en-US" b="0" dirty="0"/>
-              <a:t>, et al. "Accuracy of single progesterone test to predict early pregnancy outcome in women with pain or bleeding: meta-analysis of cohort studies." </a:t>
-            </a:r>
-            <a:r>
-              <a:rPr lang="en-US" b="0" i="1" dirty="0" err="1"/>
-              <a:t>Bmj</a:t>
-            </a:r>
-            <a:r>
-              <a:rPr lang="en-US" b="0" dirty="0"/>
-              <a:t> 345 (2012): e6077.</a:t>
-            </a:r>
-            <a:endParaRPr lang="en-US" dirty="0" smtClean="0"/>
-          </a:p>
-          <a:p>
-            <a:r>
-              <a:rPr lang="en-US" dirty="0" smtClean="0"/>
-              <a:t>[4]</a:t>
-            </a:r>
-            <a:r>
-              <a:rPr lang="en-US" b="0" dirty="0"/>
-              <a:t> </a:t>
-            </a:r>
-            <a:r>
-              <a:rPr lang="en-US" b="0" dirty="0" err="1"/>
-              <a:t>Aboyans</a:t>
-            </a:r>
-            <a:r>
-              <a:rPr lang="en-US" b="0" dirty="0"/>
-              <a:t>, Victor, et al. "2017 ESC Guidelines on the Diagnosis and Treatment of Peripheral Arterial Diseases, in collaboration with the European Society for Vascular Surgery (ESVS) Document covering atherosclerotic disease of extracranial carotid and vertebral, mesenteric, renal, upper and lower extremity arteries Endorsed by: the European Stroke Organization (ESO) The Task Force for the Diagnosis and Treatment of Peripheral Arterial Diseases of the European Society of Cardiology (ESC) and of the European Society for Vascular ...." </a:t>
-            </a:r>
-            <a:r>
-              <a:rPr lang="en-US" b="0" i="1" dirty="0"/>
-              <a:t>European heart journal</a:t>
-            </a:r>
-            <a:r>
-              <a:rPr lang="en-US" b="0" dirty="0"/>
-              <a:t> 39.9 (2017): 763-816.</a:t>
-            </a:r>
-            <a:endParaRPr lang="en-US" dirty="0" smtClean="0"/>
-          </a:p>
-          <a:p>
-            <a:r>
-              <a:rPr lang="en-US" dirty="0" smtClean="0"/>
-              <a:t>[5]</a:t>
-            </a:r>
-            <a:r>
-              <a:rPr lang="en-US" b="0" dirty="0"/>
-              <a:t> Met, Rosemarie, et al. "Diagnostic performance of computed tomography angiography in peripheral arterial disease: a systematic review and meta-analysis." </a:t>
-            </a:r>
-            <a:r>
-              <a:rPr lang="en-US" b="0" i="1" dirty="0"/>
-              <a:t>Jama</a:t>
-            </a:r>
-            <a:r>
-              <a:rPr lang="en-US" b="0" dirty="0"/>
-              <a:t> 301.4 (2009): 415-424.</a:t>
-            </a:r>
+        <p:spPr>
+          <a:xfrm>
+            <a:off x="404904" y="1579418"/>
+            <a:ext cx="8110446" cy="1828800"/>
+          </a:xfrm>
+        </p:spPr>
+        <p:txBody>
+          <a:bodyPr/>
+          <a:lstStyle/>
+          <a:p>
+            <a:r>
+              <a:rPr lang="en-US" dirty="0"/>
+              <a:t>to choose that treatment which will maximize the chance of curing the patient under the ethical, social, economic, and moral constraints.</a:t>
+            </a:r>
+            <a:br>
+              <a:rPr lang="en-US" dirty="0"/>
+            </a:br>
+            <a:endParaRPr lang="en-US" dirty="0"/>
+          </a:p>
+          <a:p>
             <a:endParaRPr lang="en-US" dirty="0"/>
           </a:p>
         </p:txBody>
@@ -7149,20 +6867,13 @@
     </p:spTree>
     <p:extLst>
       <p:ext uri="{BB962C8B-B14F-4D97-AF65-F5344CB8AC3E}">
-        <p14:creationId xmlns:p14="http://schemas.microsoft.com/office/powerpoint/2010/main" val="742205383"/>
+        <p14:creationId xmlns:p14="http://schemas.microsoft.com/office/powerpoint/2010/main" val="1158472018"/>
       </p:ext>
     </p:extLst>
   </p:cSld>
   <p:clrMapOvr>
     <a:masterClrMapping/>
   </p:clrMapOvr>
-  <p:timing>
-    <p:tnLst>
-      <p:par>
-        <p:cTn id="1" dur="indefinite" restart="never" nodeType="tmRoot"/>
-      </p:par>
-    </p:tnLst>
-  </p:timing>
 </p:sld>
 </file>
 
@@ -7193,200 +6904,505 @@
             <p:ph type="title"/>
           </p:nvPr>
         </p:nvSpPr>
+        <p:spPr/>
+        <p:txBody>
+          <a:bodyPr>
+            <a:normAutofit fontScale="90000"/>
+          </a:bodyPr>
+          <a:lstStyle/>
+          <a:p>
+            <a:pPr marL="457200" indent="-457200">
+              <a:buFont typeface="Wingdings" pitchFamily="2" charset="2"/>
+              <a:buChar char="Ø"/>
+            </a:pPr>
+            <a:r>
+              <a:rPr lang="en-US" u="sng" dirty="0" smtClean="0"/>
+              <a:t>Calculus of symbolic logic </a:t>
+            </a:r>
+            <a:br>
+              <a:rPr lang="en-US" u="sng" dirty="0" smtClean="0"/>
+            </a:br>
+            <a:endParaRPr lang="en-US" u="sng" dirty="0"/>
+          </a:p>
+        </p:txBody>
+      </p:sp>
+      <p:sp>
+        <p:nvSpPr>
+          <p:cNvPr id="4" name="Date Placeholder 3"/>
+          <p:cNvSpPr>
+            <a:spLocks noGrp="1"/>
+          </p:cNvSpPr>
+          <p:nvPr>
+            <p:ph type="dt" sz="half" idx="10"/>
+          </p:nvPr>
+        </p:nvSpPr>
+        <p:spPr/>
+        <p:txBody>
+          <a:bodyPr/>
+          <a:lstStyle/>
+          <a:p>
+            <a:r>
+              <a:rPr lang="en-US" smtClean="0"/>
+              <a:t>Sep 18 2018</a:t>
+            </a:r>
+            <a:endParaRPr lang="en-US"/>
+          </a:p>
+        </p:txBody>
+      </p:sp>
+      <p:sp>
+        <p:nvSpPr>
+          <p:cNvPr id="5" name="Footer Placeholder 4"/>
+          <p:cNvSpPr>
+            <a:spLocks noGrp="1"/>
+          </p:cNvSpPr>
+          <p:nvPr>
+            <p:ph type="ftr" sz="quarter" idx="11"/>
+          </p:nvPr>
+        </p:nvSpPr>
+        <p:spPr/>
+        <p:txBody>
+          <a:bodyPr/>
+          <a:lstStyle/>
+          <a:p>
+            <a:r>
+              <a:rPr lang="en-US" smtClean="0"/>
+              <a:t>Seminar – Fall 2018</a:t>
+            </a:r>
+            <a:endParaRPr lang="en-US"/>
+          </a:p>
+        </p:txBody>
+      </p:sp>
+      <p:sp>
+        <p:nvSpPr>
+          <p:cNvPr id="6" name="Slide Number Placeholder 5"/>
+          <p:cNvSpPr>
+            <a:spLocks noGrp="1"/>
+          </p:cNvSpPr>
+          <p:nvPr>
+            <p:ph type="sldNum" sz="quarter" idx="12"/>
+          </p:nvPr>
+        </p:nvSpPr>
+        <p:spPr/>
+        <p:txBody>
+          <a:bodyPr/>
+          <a:lstStyle/>
+          <a:p>
+            <a:fld id="{BDA5F717-12EE-A348-A3FB-CFE8FCC4E8AC}" type="slidenum">
+              <a:rPr lang="en-US" smtClean="0"/>
+              <a:t>18</a:t>
+            </a:fld>
+            <a:endParaRPr lang="en-US"/>
+          </a:p>
+        </p:txBody>
+      </p:sp>
+      <p:sp>
+        <p:nvSpPr>
+          <p:cNvPr id="8" name="Content Placeholder 7"/>
+          <p:cNvSpPr txBox="1">
+            <a:spLocks noGrp="1"/>
+          </p:cNvSpPr>
+          <p:nvPr>
+            <p:ph idx="1"/>
+          </p:nvPr>
+        </p:nvSpPr>
         <p:spPr>
           <a:xfrm>
-            <a:off x="2753242" y="897511"/>
-            <a:ext cx="3788960" cy="2848989"/>
+            <a:off x="404904" y="1369219"/>
+            <a:ext cx="8110446" cy="1067472"/>
           </a:xfrm>
+          <a:prstGeom prst="rect">
+            <a:avLst/>
+          </a:prstGeom>
+          <a:noFill/>
         </p:spPr>
         <p:txBody>
-          <a:bodyPr>
-            <a:normAutofit/>
+          <a:bodyPr wrap="square" rtlCol="0">
+            <a:spAutoFit/>
           </a:bodyPr>
           <a:lstStyle/>
           <a:p>
-            <a:pPr algn="ctr"/>
+            <a:pPr marL="285750" indent="-285750">
+              <a:buFont typeface="Wingdings" pitchFamily="2" charset="2"/>
+              <a:buChar char="q"/>
+            </a:pPr>
+            <a:r>
+              <a:rPr lang="en-US" b="1" dirty="0"/>
+              <a:t>The symbols x, </a:t>
+            </a:r>
+            <a:r>
+              <a:rPr lang="en-US" b="1" dirty="0" smtClean="0"/>
+              <a:t>y  are </a:t>
+            </a:r>
+            <a:r>
+              <a:rPr lang="en-US" b="1" dirty="0"/>
+              <a:t>used to represent "</a:t>
+            </a:r>
+            <a:r>
+              <a:rPr lang="en-US" b="1" dirty="0" smtClean="0"/>
+              <a:t>attributes"  a </a:t>
+            </a:r>
+            <a:r>
+              <a:rPr lang="en-US" b="1" dirty="0"/>
+              <a:t/>
+            </a:r>
+            <a:br>
+              <a:rPr lang="en-US" b="1" dirty="0"/>
+            </a:br>
+            <a:r>
+              <a:rPr lang="en-US" b="1" dirty="0"/>
+              <a:t>patient may have such as, </a:t>
+            </a:r>
+            <a:r>
+              <a:rPr lang="en-US" b="1" dirty="0" smtClean="0"/>
+              <a:t>a </a:t>
+            </a:r>
+            <a:r>
+              <a:rPr lang="en-US" b="1" dirty="0"/>
+              <a:t>sign "fever"</a:t>
+            </a:r>
             <a:r>
               <a:rPr lang="en-US" dirty="0" smtClean="0"/>
-              <a:t>Q&amp;A </a:t>
-            </a:r>
-            <a:br>
-              <a:rPr lang="en-US" dirty="0" smtClean="0"/>
-            </a:br>
-            <a:r>
-              <a:rPr lang="en-US" dirty="0" smtClean="0"/>
-              <a:t>THANK </a:t>
-            </a:r>
-            <a:r>
-              <a:rPr lang="en-US" dirty="0"/>
-              <a:t>YOU</a:t>
-            </a:r>
-          </a:p>
-        </p:txBody>
-      </p:sp>
-      <p:sp>
-        <p:nvSpPr>
-          <p:cNvPr id="4" name="Slide Number Placeholder 3"/>
-          <p:cNvSpPr>
-            <a:spLocks noGrp="1"/>
-          </p:cNvSpPr>
-          <p:nvPr>
-            <p:ph type="sldNum" idx="12"/>
-          </p:nvPr>
-        </p:nvSpPr>
-        <p:spPr>
+              <a:t> .</a:t>
+            </a:r>
+          </a:p>
+          <a:p>
+            <a:pPr marL="285750" indent="-285750">
+              <a:buFont typeface="Wingdings" pitchFamily="2" charset="2"/>
+              <a:buChar char="q"/>
+            </a:pPr>
+            <a:endParaRPr lang="en-US" dirty="0"/>
+          </a:p>
+        </p:txBody>
+      </p:sp>
+      <p:pic>
+        <p:nvPicPr>
+          <p:cNvPr id="9" name="Picture 2"/>
+          <p:cNvPicPr>
+            <a:picLocks noChangeAspect="1" noChangeArrowheads="1"/>
+          </p:cNvPicPr>
+          <p:nvPr/>
+        </p:nvPicPr>
+        <p:blipFill>
+          <a:blip r:embed="rId2">
+            <a:extLst>
+              <a:ext uri="{28A0092B-C50C-407E-A947-70E740481C1C}">
+                <a14:useLocalDpi xmlns:a14="http://schemas.microsoft.com/office/drawing/2010/main" val="0"/>
+              </a:ext>
+            </a:extLst>
+          </a:blip>
+          <a:srcRect/>
+          <a:stretch>
+            <a:fillRect/>
+          </a:stretch>
+        </p:blipFill>
+        <p:spPr bwMode="auto">
           <a:xfrm>
-            <a:off x="8043483" y="4790435"/>
-            <a:ext cx="459783" cy="275179"/>
+            <a:off x="2095309" y="2192483"/>
+            <a:ext cx="4568211" cy="2029562"/>
           </a:xfrm>
+          <a:prstGeom prst="rect">
+            <a:avLst/>
+          </a:prstGeom>
+          <a:ln w="38100" cap="sq">
+            <a:solidFill>
+              <a:srgbClr val="000000"/>
+            </a:solidFill>
+            <a:prstDash val="solid"/>
+            <a:miter lim="800000"/>
+          </a:ln>
+          <a:effectLst>
+            <a:outerShdw blurRad="50800" dist="38100" dir="2700000" algn="tl" rotWithShape="0">
+              <a:srgbClr val="000000">
+                <a:alpha val="43000"/>
+              </a:srgbClr>
+            </a:outerShdw>
+          </a:effectLst>
+          <a:extLst>
+            <a:ext uri="{909E8E84-426E-40DD-AFC4-6F175D3DCCD1}">
+              <a14:hiddenFill xmlns:a14="http://schemas.microsoft.com/office/drawing/2010/main">
+                <a:solidFill>
+                  <a:schemeClr val="accent1"/>
+                </a:solidFill>
+              </a14:hiddenFill>
+            </a:ext>
+            <a:ext uri="{91240B29-F687-4F45-9708-019B960494DF}">
+              <a14:hiddenLine xmlns:a14="http://schemas.microsoft.com/office/drawing/2010/main" w="9525">
+                <a:solidFill>
+                  <a:schemeClr val="tx1"/>
+                </a:solidFill>
+                <a:miter lim="800000"/>
+                <a:headEnd/>
+                <a:tailEnd/>
+              </a14:hiddenLine>
+            </a:ext>
+            <a:ext uri="{AF507438-7753-43E0-B8FC-AC1667EBCBE1}">
+              <a14:hiddenEffects xmlns:a14="http://schemas.microsoft.com/office/drawing/2010/main">
+                <a:effectLst>
+                  <a:outerShdw dist="35921" dir="2700000" algn="ctr" rotWithShape="0">
+                    <a:schemeClr val="bg2"/>
+                  </a:outerShdw>
+                </a:effectLst>
+              </a14:hiddenEffects>
+            </a:ext>
+          </a:extLst>
         </p:spPr>
-        <p:txBody>
-          <a:bodyPr/>
-          <a:lstStyle/>
-          <a:p>
-            <a:fld id="{00000000-1234-1234-1234-123412341234}" type="slidenum">
-              <a:rPr lang="en" smtClean="0"/>
-              <a:pPr/>
-              <a:t>18</a:t>
-            </a:fld>
-            <a:endParaRPr lang="en" dirty="0"/>
-          </a:p>
-        </p:txBody>
-      </p:sp>
+      </p:pic>
     </p:spTree>
     <p:extLst>
       <p:ext uri="{BB962C8B-B14F-4D97-AF65-F5344CB8AC3E}">
-        <p14:creationId xmlns:p14="http://schemas.microsoft.com/office/powerpoint/2010/main" val="1126441461"/>
+        <p14:creationId xmlns:p14="http://schemas.microsoft.com/office/powerpoint/2010/main" val="2144593878"/>
       </p:ext>
     </p:extLst>
   </p:cSld>
   <p:clrMapOvr>
     <a:masterClrMapping/>
   </p:clrMapOvr>
-  <p:timing>
-    <p:tnLst>
-      <p:par>
-        <p:cTn id="1" dur="indefinite" restart="never" nodeType="tmRoot">
-          <p:childTnLst>
-            <p:seq concurrent="1" nextAc="seek">
-              <p:cTn id="2" dur="indefinite" nodeType="mainSeq">
-                <p:childTnLst>
-                  <p:par>
-                    <p:cTn id="3" fill="hold">
-                      <p:stCondLst>
-                        <p:cond delay="indefinite"/>
-                      </p:stCondLst>
-                      <p:childTnLst>
-                        <p:par>
-                          <p:cTn id="4" fill="hold">
-                            <p:stCondLst>
-                              <p:cond delay="0"/>
-                            </p:stCondLst>
-                            <p:childTnLst>
-                              <p:par>
-                                <p:cTn id="5" presetID="2" presetClass="entr" presetSubtype="4" fill="hold" grpId="0" nodeType="clickEffect">
-                                  <p:stCondLst>
-                                    <p:cond delay="0"/>
-                                  </p:stCondLst>
-                                  <p:childTnLst>
-                                    <p:set>
-                                      <p:cBhvr>
-                                        <p:cTn id="6" dur="1" fill="hold">
-                                          <p:stCondLst>
-                                            <p:cond delay="0"/>
-                                          </p:stCondLst>
-                                        </p:cTn>
-                                        <p:tgtEl>
-                                          <p:spTgt spid="2"/>
-                                        </p:tgtEl>
-                                        <p:attrNameLst>
-                                          <p:attrName>style.visibility</p:attrName>
-                                        </p:attrNameLst>
-                                      </p:cBhvr>
-                                      <p:to>
-                                        <p:strVal val="visible"/>
-                                      </p:to>
-                                    </p:set>
-                                    <p:anim calcmode="lin" valueType="num">
-                                      <p:cBhvr additive="base">
-                                        <p:cTn id="7" dur="500" fill="hold"/>
-                                        <p:tgtEl>
-                                          <p:spTgt spid="2"/>
-                                        </p:tgtEl>
-                                        <p:attrNameLst>
-                                          <p:attrName>ppt_x</p:attrName>
-                                        </p:attrNameLst>
-                                      </p:cBhvr>
-                                      <p:tavLst>
-                                        <p:tav tm="0">
-                                          <p:val>
-                                            <p:strVal val="#ppt_x"/>
-                                          </p:val>
-                                        </p:tav>
-                                        <p:tav tm="100000">
-                                          <p:val>
-                                            <p:strVal val="#ppt_x"/>
-                                          </p:val>
-                                        </p:tav>
-                                      </p:tavLst>
-                                    </p:anim>
-                                    <p:anim calcmode="lin" valueType="num">
-                                      <p:cBhvr additive="base">
-                                        <p:cTn id="8" dur="500" fill="hold"/>
-                                        <p:tgtEl>
-                                          <p:spTgt spid="2"/>
-                                        </p:tgtEl>
-                                        <p:attrNameLst>
-                                          <p:attrName>ppt_y</p:attrName>
-                                        </p:attrNameLst>
-                                      </p:cBhvr>
-                                      <p:tavLst>
-                                        <p:tav tm="0">
-                                          <p:val>
-                                            <p:strVal val="1+#ppt_h/2"/>
-                                          </p:val>
-                                        </p:tav>
-                                        <p:tav tm="100000">
-                                          <p:val>
-                                            <p:strVal val="#ppt_y"/>
-                                          </p:val>
-                                        </p:tav>
-                                      </p:tavLst>
-                                    </p:anim>
-                                  </p:childTnLst>
-                                </p:cTn>
-                              </p:par>
-                            </p:childTnLst>
-                          </p:cTn>
-                        </p:par>
-                      </p:childTnLst>
-                    </p:cTn>
-                  </p:par>
-                </p:childTnLst>
-              </p:cTn>
-              <p:prevCondLst>
-                <p:cond evt="onPrev" delay="0">
-                  <p:tgtEl>
-                    <p:sldTgt/>
-                  </p:tgtEl>
-                </p:cond>
-              </p:prevCondLst>
-              <p:nextCondLst>
-                <p:cond evt="onNext" delay="0">
-                  <p:tgtEl>
-                    <p:sldTgt/>
-                  </p:tgtEl>
-                </p:cond>
-              </p:nextCondLst>
-            </p:seq>
-          </p:childTnLst>
-        </p:cTn>
-      </p:par>
-    </p:tnLst>
-    <p:bldLst>
-      <p:bldP spid="2" grpId="0"/>
-    </p:bldLst>
-  </p:timing>
+</p:sld>
+</file>
+
+<file path=ppt/slides/slide19.xml><?xml version="1.0" encoding="utf-8"?>
+<p:sld xmlns:a="http://schemas.openxmlformats.org/drawingml/2006/main" xmlns:r="http://schemas.openxmlformats.org/officeDocument/2006/relationships" xmlns:p="http://schemas.openxmlformats.org/presentationml/2006/main">
+  <p:cSld>
+    <p:spTree>
+      <p:nvGrpSpPr>
+        <p:cNvPr id="1" name=""/>
+        <p:cNvGrpSpPr/>
+        <p:nvPr/>
+      </p:nvGrpSpPr>
+      <p:grpSpPr>
+        <a:xfrm>
+          <a:off x="0" y="0"/>
+          <a:ext cx="0" cy="0"/>
+          <a:chOff x="0" y="0"/>
+          <a:chExt cx="0" cy="0"/>
+        </a:xfrm>
+      </p:grpSpPr>
+      <p:sp>
+        <p:nvSpPr>
+          <p:cNvPr id="2" name="Title 1"/>
+          <p:cNvSpPr>
+            <a:spLocks noGrp="1"/>
+          </p:cNvSpPr>
+          <p:nvPr>
+            <p:ph type="title"/>
+          </p:nvPr>
+        </p:nvSpPr>
+        <p:spPr/>
+        <p:txBody>
+          <a:bodyPr>
+            <a:normAutofit fontScale="90000"/>
+          </a:bodyPr>
+          <a:lstStyle/>
+          <a:p>
+            <a:pPr marL="457200" indent="-457200">
+              <a:buFont typeface="Wingdings" pitchFamily="2" charset="2"/>
+              <a:buChar char="Ø"/>
+            </a:pPr>
+            <a:r>
+              <a:rPr lang="en-US" u="sng" dirty="0"/>
+              <a:t>Calculus of symbolic logic </a:t>
+            </a:r>
+            <a:br>
+              <a:rPr lang="en-US" u="sng" dirty="0"/>
+            </a:br>
+            <a:endParaRPr lang="en-US" dirty="0"/>
+          </a:p>
+        </p:txBody>
+      </p:sp>
+      <p:sp>
+        <p:nvSpPr>
+          <p:cNvPr id="4" name="Date Placeholder 3"/>
+          <p:cNvSpPr>
+            <a:spLocks noGrp="1"/>
+          </p:cNvSpPr>
+          <p:nvPr>
+            <p:ph type="dt" sz="half" idx="10"/>
+          </p:nvPr>
+        </p:nvSpPr>
+        <p:spPr/>
+        <p:txBody>
+          <a:bodyPr/>
+          <a:lstStyle/>
+          <a:p>
+            <a:r>
+              <a:rPr lang="en-US" smtClean="0"/>
+              <a:t>Sep 18 2018</a:t>
+            </a:r>
+            <a:endParaRPr lang="en-US"/>
+          </a:p>
+        </p:txBody>
+      </p:sp>
+      <p:sp>
+        <p:nvSpPr>
+          <p:cNvPr id="5" name="Footer Placeholder 4"/>
+          <p:cNvSpPr>
+            <a:spLocks noGrp="1"/>
+          </p:cNvSpPr>
+          <p:nvPr>
+            <p:ph type="ftr" sz="quarter" idx="11"/>
+          </p:nvPr>
+        </p:nvSpPr>
+        <p:spPr/>
+        <p:txBody>
+          <a:bodyPr/>
+          <a:lstStyle/>
+          <a:p>
+            <a:r>
+              <a:rPr lang="en-US" smtClean="0"/>
+              <a:t>Seminar – Fall 2018</a:t>
+            </a:r>
+            <a:endParaRPr lang="en-US"/>
+          </a:p>
+        </p:txBody>
+      </p:sp>
+      <p:sp>
+        <p:nvSpPr>
+          <p:cNvPr id="6" name="Slide Number Placeholder 5"/>
+          <p:cNvSpPr>
+            <a:spLocks noGrp="1"/>
+          </p:cNvSpPr>
+          <p:nvPr>
+            <p:ph type="sldNum" sz="quarter" idx="12"/>
+          </p:nvPr>
+        </p:nvSpPr>
+        <p:spPr/>
+        <p:txBody>
+          <a:bodyPr/>
+          <a:lstStyle/>
+          <a:p>
+            <a:fld id="{BDA5F717-12EE-A348-A3FB-CFE8FCC4E8AC}" type="slidenum">
+              <a:rPr lang="en-US" smtClean="0"/>
+              <a:t>19</a:t>
+            </a:fld>
+            <a:endParaRPr lang="en-US"/>
+          </a:p>
+        </p:txBody>
+      </p:sp>
+      <p:pic>
+        <p:nvPicPr>
+          <p:cNvPr id="7" name="Picture 3"/>
+          <p:cNvPicPr>
+            <a:picLocks noGrp="1" noChangeAspect="1" noChangeArrowheads="1"/>
+          </p:cNvPicPr>
+          <p:nvPr>
+            <p:ph idx="1"/>
+          </p:nvPr>
+        </p:nvPicPr>
+        <p:blipFill>
+          <a:blip r:embed="rId2">
+            <a:extLst>
+              <a:ext uri="{28A0092B-C50C-407E-A947-70E740481C1C}">
+                <a14:useLocalDpi xmlns:a14="http://schemas.microsoft.com/office/drawing/2010/main" val="0"/>
+              </a:ext>
+            </a:extLst>
+          </a:blip>
+          <a:srcRect/>
+          <a:stretch>
+            <a:fillRect/>
+          </a:stretch>
+        </p:blipFill>
+        <p:spPr bwMode="auto">
+          <a:xfrm>
+            <a:off x="1869725" y="1130832"/>
+            <a:ext cx="4517427" cy="2075214"/>
+          </a:xfrm>
+          <a:prstGeom prst="rect">
+            <a:avLst/>
+          </a:prstGeom>
+          <a:ln w="38100" cap="sq">
+            <a:solidFill>
+              <a:srgbClr val="000000"/>
+            </a:solidFill>
+            <a:prstDash val="solid"/>
+            <a:miter lim="800000"/>
+          </a:ln>
+          <a:effectLst>
+            <a:outerShdw blurRad="50800" dist="38100" dir="2700000" algn="tl" rotWithShape="0">
+              <a:srgbClr val="000000">
+                <a:alpha val="43000"/>
+              </a:srgbClr>
+            </a:outerShdw>
+          </a:effectLst>
+          <a:extLst>
+            <a:ext uri="{909E8E84-426E-40DD-AFC4-6F175D3DCCD1}">
+              <a14:hiddenFill xmlns:a14="http://schemas.microsoft.com/office/drawing/2010/main">
+                <a:solidFill>
+                  <a:schemeClr val="accent1"/>
+                </a:solidFill>
+              </a14:hiddenFill>
+            </a:ext>
+            <a:ext uri="{91240B29-F687-4F45-9708-019B960494DF}">
+              <a14:hiddenLine xmlns:a14="http://schemas.microsoft.com/office/drawing/2010/main" w="9525">
+                <a:solidFill>
+                  <a:schemeClr val="tx1"/>
+                </a:solidFill>
+                <a:miter lim="800000"/>
+                <a:headEnd/>
+                <a:tailEnd/>
+              </a14:hiddenLine>
+            </a:ext>
+            <a:ext uri="{AF507438-7753-43E0-B8FC-AC1667EBCBE1}">
+              <a14:hiddenEffects xmlns:a14="http://schemas.microsoft.com/office/drawing/2010/main">
+                <a:effectLst>
+                  <a:outerShdw dist="35921" dir="2700000" algn="ctr" rotWithShape="0">
+                    <a:schemeClr val="bg2"/>
+                  </a:outerShdw>
+                </a:effectLst>
+              </a14:hiddenEffects>
+            </a:ext>
+          </a:extLst>
+        </p:spPr>
+      </p:pic>
+      <p:sp>
+        <p:nvSpPr>
+          <p:cNvPr id="8" name="Rectangle 7"/>
+          <p:cNvSpPr/>
+          <p:nvPr/>
+        </p:nvSpPr>
+        <p:spPr>
+          <a:xfrm>
+            <a:off x="553157" y="3430885"/>
+            <a:ext cx="7202310" cy="1200329"/>
+          </a:xfrm>
+          <a:prstGeom prst="rect">
+            <a:avLst/>
+          </a:prstGeom>
+        </p:spPr>
+        <p:txBody>
+          <a:bodyPr wrap="square">
+            <a:spAutoFit/>
+          </a:bodyPr>
+          <a:lstStyle/>
+          <a:p>
+            <a:pPr marL="285750" indent="-285750">
+              <a:buFont typeface="Wingdings" pitchFamily="2" charset="2"/>
+              <a:buChar char="q"/>
+            </a:pPr>
+            <a:r>
+              <a:rPr lang="en-US" sz="1800" b="1" dirty="0"/>
+              <a:t>a patient must fit into one of these complexes. The complexes are mutually exclusive-that is, a particular patient can fit into only one of the cases at a time.</a:t>
+            </a:r>
+            <a:r>
+              <a:rPr lang="en-US" sz="1800" dirty="0"/>
+              <a:t/>
+            </a:r>
+            <a:br>
+              <a:rPr lang="en-US" sz="1800" dirty="0"/>
+            </a:br>
+            <a:endParaRPr lang="en-US" sz="1800" dirty="0"/>
+          </a:p>
+        </p:txBody>
+      </p:sp>
+    </p:spTree>
+    <p:extLst>
+      <p:ext uri="{BB962C8B-B14F-4D97-AF65-F5344CB8AC3E}">
+        <p14:creationId xmlns:p14="http://schemas.microsoft.com/office/powerpoint/2010/main" val="1860539892"/>
+      </p:ext>
+    </p:extLst>
+  </p:cSld>
+  <p:clrMapOvr>
+    <a:masterClrMapping/>
+  </p:clrMapOvr>
 </p:sld>
 </file>
 
@@ -8214,6 +8230,1912 @@
     </p:tnLst>
     <p:bldLst>
       <p:bldP spid="14" grpId="0" build="p"/>
+    </p:bldLst>
+  </p:timing>
+</p:sld>
+</file>
+
+<file path=ppt/slides/slide20.xml><?xml version="1.0" encoding="utf-8"?>
+<p:sld xmlns:a="http://schemas.openxmlformats.org/drawingml/2006/main" xmlns:r="http://schemas.openxmlformats.org/officeDocument/2006/relationships" xmlns:p="http://schemas.openxmlformats.org/presentationml/2006/main">
+  <p:cSld>
+    <p:spTree>
+      <p:nvGrpSpPr>
+        <p:cNvPr id="1" name=""/>
+        <p:cNvGrpSpPr/>
+        <p:nvPr/>
+      </p:nvGrpSpPr>
+      <p:grpSpPr>
+        <a:xfrm>
+          <a:off x="0" y="0"/>
+          <a:ext cx="0" cy="0"/>
+          <a:chOff x="0" y="0"/>
+          <a:chExt cx="0" cy="0"/>
+        </a:xfrm>
+      </p:grpSpPr>
+      <p:sp>
+        <p:nvSpPr>
+          <p:cNvPr id="2" name="Title 1"/>
+          <p:cNvSpPr>
+            <a:spLocks noGrp="1"/>
+          </p:cNvSpPr>
+          <p:nvPr>
+            <p:ph type="title"/>
+          </p:nvPr>
+        </p:nvSpPr>
+        <p:spPr/>
+        <p:txBody>
+          <a:bodyPr>
+            <a:normAutofit fontScale="90000"/>
+          </a:bodyPr>
+          <a:lstStyle/>
+          <a:p>
+            <a:r>
+              <a:rPr lang="en-US" dirty="0" smtClean="0"/>
+              <a:t>The </a:t>
+            </a:r>
+            <a:r>
+              <a:rPr lang="en-US" dirty="0"/>
+              <a:t>fundamental formula of medical diagnosis </a:t>
+            </a:r>
+            <a:br>
+              <a:rPr lang="en-US" dirty="0"/>
+            </a:br>
+            <a:endParaRPr lang="en-US" dirty="0"/>
+          </a:p>
+        </p:txBody>
+      </p:sp>
+      <p:sp>
+        <p:nvSpPr>
+          <p:cNvPr id="3" name="Content Placeholder 2"/>
+          <p:cNvSpPr>
+            <a:spLocks noGrp="1"/>
+          </p:cNvSpPr>
+          <p:nvPr>
+            <p:ph idx="1"/>
+          </p:nvPr>
+        </p:nvSpPr>
+        <p:spPr>
+          <a:xfrm>
+            <a:off x="404904" y="2777067"/>
+            <a:ext cx="8110446" cy="1822439"/>
+          </a:xfrm>
+        </p:spPr>
+        <p:txBody>
+          <a:bodyPr/>
+          <a:lstStyle/>
+          <a:p>
+            <a:r>
+              <a:rPr lang="en-US" dirty="0" smtClean="0"/>
+              <a:t>If </a:t>
+            </a:r>
+            <a:r>
+              <a:rPr lang="en-US" dirty="0"/>
+              <a:t>medical knowledge </a:t>
+            </a:r>
+            <a:r>
+              <a:rPr lang="en-US" dirty="0">
+                <a:solidFill>
+                  <a:srgbClr val="C00000"/>
+                </a:solidFill>
+              </a:rPr>
+              <a:t>E</a:t>
+            </a:r>
+            <a:r>
+              <a:rPr lang="en-US" dirty="0"/>
+              <a:t> is known,</a:t>
+            </a:r>
+            <a:br>
+              <a:rPr lang="en-US" dirty="0"/>
+            </a:br>
+            <a:r>
+              <a:rPr lang="en-US" dirty="0">
+                <a:solidFill>
+                  <a:srgbClr val="C00000"/>
+                </a:solidFill>
+              </a:rPr>
+              <a:t>then</a:t>
+            </a:r>
+            <a:r>
+              <a:rPr lang="en-US" dirty="0"/>
+              <a:t>: if the patient presents </a:t>
+            </a:r>
+            <a:r>
+              <a:rPr lang="en-US" dirty="0" smtClean="0"/>
+              <a:t>symptoms  </a:t>
+            </a:r>
+            <a:r>
+              <a:rPr lang="en-US" dirty="0" smtClean="0">
+                <a:solidFill>
+                  <a:srgbClr val="C00000"/>
+                </a:solidFill>
+              </a:rPr>
+              <a:t>G</a:t>
+            </a:r>
+            <a:r>
+              <a:rPr lang="en-US" dirty="0"/>
+              <a:t>, he has </a:t>
+            </a:r>
+            <a:r>
+              <a:rPr lang="en-US" dirty="0" smtClean="0"/>
+              <a:t>disease  </a:t>
+            </a:r>
+            <a:r>
+              <a:rPr lang="en-US" dirty="0">
+                <a:solidFill>
+                  <a:srgbClr val="FF0000"/>
+                </a:solidFill>
+              </a:rPr>
+              <a:t>f</a:t>
+            </a:r>
+            <a:r>
+              <a:rPr lang="en-US" dirty="0"/>
+              <a:t> .</a:t>
+            </a:r>
+            <a:br>
+              <a:rPr lang="en-US" dirty="0"/>
+            </a:br>
+            <a:endParaRPr lang="en-US" dirty="0"/>
+          </a:p>
+          <a:p>
+            <a:endParaRPr lang="en-US" dirty="0"/>
+          </a:p>
+        </p:txBody>
+      </p:sp>
+      <p:sp>
+        <p:nvSpPr>
+          <p:cNvPr id="4" name="Date Placeholder 3"/>
+          <p:cNvSpPr>
+            <a:spLocks noGrp="1"/>
+          </p:cNvSpPr>
+          <p:nvPr>
+            <p:ph type="dt" sz="half" idx="10"/>
+          </p:nvPr>
+        </p:nvSpPr>
+        <p:spPr/>
+        <p:txBody>
+          <a:bodyPr/>
+          <a:lstStyle/>
+          <a:p>
+            <a:r>
+              <a:rPr lang="en-US" smtClean="0"/>
+              <a:t>Sep 18 2018</a:t>
+            </a:r>
+            <a:endParaRPr lang="en-US"/>
+          </a:p>
+        </p:txBody>
+      </p:sp>
+      <p:sp>
+        <p:nvSpPr>
+          <p:cNvPr id="5" name="Footer Placeholder 4"/>
+          <p:cNvSpPr>
+            <a:spLocks noGrp="1"/>
+          </p:cNvSpPr>
+          <p:nvPr>
+            <p:ph type="ftr" sz="quarter" idx="11"/>
+          </p:nvPr>
+        </p:nvSpPr>
+        <p:spPr/>
+        <p:txBody>
+          <a:bodyPr/>
+          <a:lstStyle/>
+          <a:p>
+            <a:r>
+              <a:rPr lang="en-US" smtClean="0"/>
+              <a:t>Seminar – Fall 2018</a:t>
+            </a:r>
+            <a:endParaRPr lang="en-US"/>
+          </a:p>
+        </p:txBody>
+      </p:sp>
+      <p:sp>
+        <p:nvSpPr>
+          <p:cNvPr id="6" name="Slide Number Placeholder 5"/>
+          <p:cNvSpPr>
+            <a:spLocks noGrp="1"/>
+          </p:cNvSpPr>
+          <p:nvPr>
+            <p:ph type="sldNum" sz="quarter" idx="12"/>
+          </p:nvPr>
+        </p:nvSpPr>
+        <p:spPr/>
+        <p:txBody>
+          <a:bodyPr/>
+          <a:lstStyle/>
+          <a:p>
+            <a:fld id="{BDA5F717-12EE-A348-A3FB-CFE8FCC4E8AC}" type="slidenum">
+              <a:rPr lang="en-US" smtClean="0"/>
+              <a:t>20</a:t>
+            </a:fld>
+            <a:endParaRPr lang="en-US"/>
+          </a:p>
+        </p:txBody>
+      </p:sp>
+      <p:sp>
+        <p:nvSpPr>
+          <p:cNvPr id="7" name="Rectangle 6"/>
+          <p:cNvSpPr/>
+          <p:nvPr/>
+        </p:nvSpPr>
+        <p:spPr>
+          <a:xfrm>
+            <a:off x="1219200" y="1268016"/>
+            <a:ext cx="1295400" cy="533400"/>
+          </a:xfrm>
+          <a:prstGeom prst="rect">
+            <a:avLst/>
+          </a:prstGeom>
+        </p:spPr>
+        <p:style>
+          <a:lnRef idx="1">
+            <a:schemeClr val="accent6"/>
+          </a:lnRef>
+          <a:fillRef idx="2">
+            <a:schemeClr val="accent6"/>
+          </a:fillRef>
+          <a:effectRef idx="1">
+            <a:schemeClr val="accent6"/>
+          </a:effectRef>
+          <a:fontRef idx="minor">
+            <a:schemeClr val="dk1"/>
+          </a:fontRef>
+        </p:style>
+        <p:txBody>
+          <a:bodyPr rtlCol="0" anchor="ctr"/>
+          <a:lstStyle/>
+          <a:p>
+            <a:pPr algn="ctr"/>
+            <a:r>
+              <a:rPr lang="en-US" sz="2200" b="1" dirty="0" smtClean="0"/>
+              <a:t>E</a:t>
+            </a:r>
+            <a:endParaRPr lang="en-US" sz="2200" b="1" dirty="0"/>
+          </a:p>
+        </p:txBody>
+      </p:sp>
+      <p:sp>
+        <p:nvSpPr>
+          <p:cNvPr id="8" name="Rectangle 7"/>
+          <p:cNvSpPr/>
+          <p:nvPr/>
+        </p:nvSpPr>
+        <p:spPr>
+          <a:xfrm>
+            <a:off x="3726873" y="1254161"/>
+            <a:ext cx="1295400" cy="533400"/>
+          </a:xfrm>
+          <a:prstGeom prst="rect">
+            <a:avLst/>
+          </a:prstGeom>
+        </p:spPr>
+        <p:style>
+          <a:lnRef idx="1">
+            <a:schemeClr val="accent6"/>
+          </a:lnRef>
+          <a:fillRef idx="2">
+            <a:schemeClr val="accent6"/>
+          </a:fillRef>
+          <a:effectRef idx="1">
+            <a:schemeClr val="accent6"/>
+          </a:effectRef>
+          <a:fontRef idx="minor">
+            <a:schemeClr val="dk1"/>
+          </a:fontRef>
+        </p:style>
+        <p:txBody>
+          <a:bodyPr rtlCol="0" anchor="ctr"/>
+          <a:lstStyle/>
+          <a:p>
+            <a:pPr algn="ctr"/>
+            <a:r>
+              <a:rPr lang="en-US" sz="2200" b="1" dirty="0" smtClean="0"/>
+              <a:t>G</a:t>
+            </a:r>
+            <a:endParaRPr lang="en-US" sz="2200" b="1" dirty="0"/>
+          </a:p>
+        </p:txBody>
+      </p:sp>
+      <p:sp>
+        <p:nvSpPr>
+          <p:cNvPr id="9" name="Rectangle 8"/>
+          <p:cNvSpPr/>
+          <p:nvPr/>
+        </p:nvSpPr>
+        <p:spPr>
+          <a:xfrm>
+            <a:off x="6324600" y="1254161"/>
+            <a:ext cx="1295400" cy="533400"/>
+          </a:xfrm>
+          <a:prstGeom prst="rect">
+            <a:avLst/>
+          </a:prstGeom>
+        </p:spPr>
+        <p:style>
+          <a:lnRef idx="1">
+            <a:schemeClr val="accent6"/>
+          </a:lnRef>
+          <a:fillRef idx="2">
+            <a:schemeClr val="accent6"/>
+          </a:fillRef>
+          <a:effectRef idx="1">
+            <a:schemeClr val="accent6"/>
+          </a:effectRef>
+          <a:fontRef idx="minor">
+            <a:schemeClr val="dk1"/>
+          </a:fontRef>
+        </p:style>
+        <p:txBody>
+          <a:bodyPr rtlCol="0" anchor="ctr"/>
+          <a:lstStyle/>
+          <a:p>
+            <a:pPr algn="ctr"/>
+            <a:r>
+              <a:rPr lang="en-US" sz="2200" b="1" dirty="0" smtClean="0"/>
+              <a:t>F</a:t>
+            </a:r>
+            <a:endParaRPr lang="en-US" sz="2200" b="1" dirty="0"/>
+          </a:p>
+        </p:txBody>
+      </p:sp>
+      <p:cxnSp>
+        <p:nvCxnSpPr>
+          <p:cNvPr id="10" name="Straight Arrow Connector 9"/>
+          <p:cNvCxnSpPr/>
+          <p:nvPr/>
+        </p:nvCxnSpPr>
+        <p:spPr>
+          <a:xfrm>
+            <a:off x="2514600" y="1534716"/>
+            <a:ext cx="1066800" cy="0"/>
+          </a:xfrm>
+          <a:prstGeom prst="straightConnector1">
+            <a:avLst/>
+          </a:prstGeom>
+          <a:ln>
+            <a:tailEnd type="arrow"/>
+          </a:ln>
+        </p:spPr>
+        <p:style>
+          <a:lnRef idx="1">
+            <a:schemeClr val="accent1"/>
+          </a:lnRef>
+          <a:fillRef idx="0">
+            <a:schemeClr val="accent1"/>
+          </a:fillRef>
+          <a:effectRef idx="0">
+            <a:schemeClr val="accent1"/>
+          </a:effectRef>
+          <a:fontRef idx="minor">
+            <a:schemeClr val="tx1"/>
+          </a:fontRef>
+        </p:style>
+      </p:cxnSp>
+      <p:cxnSp>
+        <p:nvCxnSpPr>
+          <p:cNvPr id="11" name="Straight Arrow Connector 10"/>
+          <p:cNvCxnSpPr/>
+          <p:nvPr/>
+        </p:nvCxnSpPr>
+        <p:spPr>
+          <a:xfrm>
+            <a:off x="5022273" y="1520861"/>
+            <a:ext cx="1302327" cy="13855"/>
+          </a:xfrm>
+          <a:prstGeom prst="straightConnector1">
+            <a:avLst/>
+          </a:prstGeom>
+          <a:ln>
+            <a:tailEnd type="arrow"/>
+          </a:ln>
+        </p:spPr>
+        <p:style>
+          <a:lnRef idx="1">
+            <a:schemeClr val="accent1"/>
+          </a:lnRef>
+          <a:fillRef idx="0">
+            <a:schemeClr val="accent1"/>
+          </a:fillRef>
+          <a:effectRef idx="0">
+            <a:schemeClr val="accent1"/>
+          </a:effectRef>
+          <a:fontRef idx="minor">
+            <a:schemeClr val="tx1"/>
+          </a:fontRef>
+        </p:style>
+      </p:cxnSp>
+      <p:sp>
+        <p:nvSpPr>
+          <p:cNvPr id="12" name="Left Bracket 11"/>
+          <p:cNvSpPr/>
+          <p:nvPr/>
+        </p:nvSpPr>
+        <p:spPr>
+          <a:xfrm>
+            <a:off x="3581400" y="1039416"/>
+            <a:ext cx="304800" cy="1066800"/>
+          </a:xfrm>
+          <a:prstGeom prst="leftBracket">
+            <a:avLst/>
+          </a:prstGeom>
+        </p:spPr>
+        <p:style>
+          <a:lnRef idx="1">
+            <a:schemeClr val="accent1"/>
+          </a:lnRef>
+          <a:fillRef idx="0">
+            <a:schemeClr val="accent1"/>
+          </a:fillRef>
+          <a:effectRef idx="0">
+            <a:schemeClr val="accent1"/>
+          </a:effectRef>
+          <a:fontRef idx="minor">
+            <a:schemeClr val="tx1"/>
+          </a:fontRef>
+        </p:style>
+        <p:txBody>
+          <a:bodyPr rtlCol="0" anchor="ctr"/>
+          <a:lstStyle/>
+          <a:p>
+            <a:pPr algn="ctr"/>
+            <a:endParaRPr lang="en-US"/>
+          </a:p>
+        </p:txBody>
+      </p:sp>
+      <p:sp>
+        <p:nvSpPr>
+          <p:cNvPr id="13" name="Right Bracket 12"/>
+          <p:cNvSpPr/>
+          <p:nvPr/>
+        </p:nvSpPr>
+        <p:spPr>
+          <a:xfrm>
+            <a:off x="7391400" y="1039416"/>
+            <a:ext cx="381000" cy="990600"/>
+          </a:xfrm>
+          <a:prstGeom prst="rightBracket">
+            <a:avLst/>
+          </a:prstGeom>
+        </p:spPr>
+        <p:style>
+          <a:lnRef idx="1">
+            <a:schemeClr val="accent1"/>
+          </a:lnRef>
+          <a:fillRef idx="0">
+            <a:schemeClr val="accent1"/>
+          </a:fillRef>
+          <a:effectRef idx="0">
+            <a:schemeClr val="accent1"/>
+          </a:effectRef>
+          <a:fontRef idx="minor">
+            <a:schemeClr val="tx1"/>
+          </a:fontRef>
+        </p:style>
+        <p:txBody>
+          <a:bodyPr rtlCol="0" anchor="ctr"/>
+          <a:lstStyle/>
+          <a:p>
+            <a:pPr algn="ctr"/>
+            <a:endParaRPr lang="en-US"/>
+          </a:p>
+        </p:txBody>
+      </p:sp>
+    </p:spTree>
+    <p:extLst>
+      <p:ext uri="{BB962C8B-B14F-4D97-AF65-F5344CB8AC3E}">
+        <p14:creationId xmlns:p14="http://schemas.microsoft.com/office/powerpoint/2010/main" val="2457896681"/>
+      </p:ext>
+    </p:extLst>
+  </p:cSld>
+  <p:clrMapOvr>
+    <a:masterClrMapping/>
+  </p:clrMapOvr>
+</p:sld>
+</file>
+
+<file path=ppt/slides/slide21.xml><?xml version="1.0" encoding="utf-8"?>
+<p:sld xmlns:a="http://schemas.openxmlformats.org/drawingml/2006/main" xmlns:r="http://schemas.openxmlformats.org/officeDocument/2006/relationships" xmlns:p="http://schemas.openxmlformats.org/presentationml/2006/main">
+  <p:cSld>
+    <p:spTree>
+      <p:nvGrpSpPr>
+        <p:cNvPr id="1" name=""/>
+        <p:cNvGrpSpPr/>
+        <p:nvPr/>
+      </p:nvGrpSpPr>
+      <p:grpSpPr>
+        <a:xfrm>
+          <a:off x="0" y="0"/>
+          <a:ext cx="0" cy="0"/>
+          <a:chOff x="0" y="0"/>
+          <a:chExt cx="0" cy="0"/>
+        </a:xfrm>
+      </p:grpSpPr>
+      <p:sp>
+        <p:nvSpPr>
+          <p:cNvPr id="2" name="Title 1"/>
+          <p:cNvSpPr>
+            <a:spLocks noGrp="1"/>
+          </p:cNvSpPr>
+          <p:nvPr>
+            <p:ph type="title"/>
+          </p:nvPr>
+        </p:nvSpPr>
+        <p:spPr/>
+        <p:txBody>
+          <a:bodyPr/>
+          <a:lstStyle/>
+          <a:p>
+            <a:r>
+              <a:rPr lang="en-US" dirty="0" smtClean="0"/>
+              <a:t>Level 5: Patient Outcome Efficacy</a:t>
+            </a:r>
+            <a:endParaRPr lang="en-US" dirty="0"/>
+          </a:p>
+        </p:txBody>
+      </p:sp>
+      <p:sp>
+        <p:nvSpPr>
+          <p:cNvPr id="3" name="Content Placeholder 2"/>
+          <p:cNvSpPr>
+            <a:spLocks noGrp="1"/>
+          </p:cNvSpPr>
+          <p:nvPr>
+            <p:ph idx="1"/>
+          </p:nvPr>
+        </p:nvSpPr>
+        <p:spPr/>
+        <p:txBody>
+          <a:bodyPr/>
+          <a:lstStyle/>
+          <a:p>
+            <a:r>
+              <a:rPr lang="en-US" dirty="0" smtClean="0"/>
+              <a:t>Cost comes into play </a:t>
+            </a:r>
+          </a:p>
+          <a:p>
+            <a:r>
+              <a:rPr lang="en-US" dirty="0" smtClean="0"/>
+              <a:t>Methods:</a:t>
+            </a:r>
+          </a:p>
+          <a:p>
+            <a:pPr lvl="1"/>
+            <a:r>
+              <a:rPr lang="en-US" dirty="0" smtClean="0"/>
+              <a:t>RCT (random controlled trial)</a:t>
+            </a:r>
+          </a:p>
+          <a:p>
+            <a:pPr lvl="1"/>
+            <a:r>
+              <a:rPr lang="en-US" dirty="0" smtClean="0"/>
+              <a:t>Statistical Methods</a:t>
+            </a:r>
+          </a:p>
+          <a:p>
+            <a:pPr lvl="1"/>
+            <a:endParaRPr lang="en-US" dirty="0" smtClean="0"/>
+          </a:p>
+          <a:p>
+            <a:endParaRPr lang="en-US" dirty="0"/>
+          </a:p>
+        </p:txBody>
+      </p:sp>
+      <p:sp>
+        <p:nvSpPr>
+          <p:cNvPr id="4" name="Date Placeholder 3"/>
+          <p:cNvSpPr>
+            <a:spLocks noGrp="1"/>
+          </p:cNvSpPr>
+          <p:nvPr>
+            <p:ph type="dt" sz="half" idx="10"/>
+          </p:nvPr>
+        </p:nvSpPr>
+        <p:spPr/>
+        <p:txBody>
+          <a:bodyPr/>
+          <a:lstStyle/>
+          <a:p>
+            <a:r>
+              <a:rPr lang="en-US" smtClean="0"/>
+              <a:t>Sep 18 2018</a:t>
+            </a:r>
+            <a:endParaRPr lang="en-US"/>
+          </a:p>
+        </p:txBody>
+      </p:sp>
+      <p:sp>
+        <p:nvSpPr>
+          <p:cNvPr id="5" name="Footer Placeholder 4"/>
+          <p:cNvSpPr>
+            <a:spLocks noGrp="1"/>
+          </p:cNvSpPr>
+          <p:nvPr>
+            <p:ph type="ftr" sz="quarter" idx="11"/>
+          </p:nvPr>
+        </p:nvSpPr>
+        <p:spPr/>
+        <p:txBody>
+          <a:bodyPr/>
+          <a:lstStyle/>
+          <a:p>
+            <a:r>
+              <a:rPr lang="en-US" smtClean="0"/>
+              <a:t>Seminar – Fall 2018</a:t>
+            </a:r>
+            <a:endParaRPr lang="en-US"/>
+          </a:p>
+        </p:txBody>
+      </p:sp>
+      <p:sp>
+        <p:nvSpPr>
+          <p:cNvPr id="6" name="Slide Number Placeholder 5"/>
+          <p:cNvSpPr>
+            <a:spLocks noGrp="1"/>
+          </p:cNvSpPr>
+          <p:nvPr>
+            <p:ph type="sldNum" sz="quarter" idx="12"/>
+          </p:nvPr>
+        </p:nvSpPr>
+        <p:spPr/>
+        <p:txBody>
+          <a:bodyPr/>
+          <a:lstStyle/>
+          <a:p>
+            <a:fld id="{BDA5F717-12EE-A348-A3FB-CFE8FCC4E8AC}" type="slidenum">
+              <a:rPr lang="en-US" smtClean="0"/>
+              <a:t>21</a:t>
+            </a:fld>
+            <a:endParaRPr lang="en-US"/>
+          </a:p>
+        </p:txBody>
+      </p:sp>
+    </p:spTree>
+    <p:extLst>
+      <p:ext uri="{BB962C8B-B14F-4D97-AF65-F5344CB8AC3E}">
+        <p14:creationId xmlns:p14="http://schemas.microsoft.com/office/powerpoint/2010/main" val="402076097"/>
+      </p:ext>
+    </p:extLst>
+  </p:cSld>
+  <p:clrMapOvr>
+    <a:masterClrMapping/>
+  </p:clrMapOvr>
+  <p:timing>
+    <p:tnLst>
+      <p:par>
+        <p:cTn id="1" dur="indefinite" restart="never" nodeType="tmRoot"/>
+      </p:par>
+    </p:tnLst>
+  </p:timing>
+</p:sld>
+</file>
+
+<file path=ppt/slides/slide22.xml><?xml version="1.0" encoding="utf-8"?>
+<p:sld xmlns:a="http://schemas.openxmlformats.org/drawingml/2006/main" xmlns:r="http://schemas.openxmlformats.org/officeDocument/2006/relationships" xmlns:p="http://schemas.openxmlformats.org/presentationml/2006/main">
+  <p:cSld>
+    <p:spTree>
+      <p:nvGrpSpPr>
+        <p:cNvPr id="1" name=""/>
+        <p:cNvGrpSpPr/>
+        <p:nvPr/>
+      </p:nvGrpSpPr>
+      <p:grpSpPr>
+        <a:xfrm>
+          <a:off x="0" y="0"/>
+          <a:ext cx="0" cy="0"/>
+          <a:chOff x="0" y="0"/>
+          <a:chExt cx="0" cy="0"/>
+        </a:xfrm>
+      </p:grpSpPr>
+      <p:sp>
+        <p:nvSpPr>
+          <p:cNvPr id="2" name="Title 1"/>
+          <p:cNvSpPr>
+            <a:spLocks noGrp="1"/>
+          </p:cNvSpPr>
+          <p:nvPr>
+            <p:ph type="title"/>
+          </p:nvPr>
+        </p:nvSpPr>
+        <p:spPr/>
+        <p:txBody>
+          <a:bodyPr/>
+          <a:lstStyle/>
+          <a:p>
+            <a:r>
+              <a:rPr lang="en-US" dirty="0" smtClean="0"/>
+              <a:t>Level 6: Societal Efficacy</a:t>
+            </a:r>
+            <a:endParaRPr lang="en-US" dirty="0"/>
+          </a:p>
+        </p:txBody>
+      </p:sp>
+      <p:sp>
+        <p:nvSpPr>
+          <p:cNvPr id="3" name="Content Placeholder 2"/>
+          <p:cNvSpPr>
+            <a:spLocks noGrp="1"/>
+          </p:cNvSpPr>
+          <p:nvPr>
+            <p:ph idx="1"/>
+          </p:nvPr>
+        </p:nvSpPr>
+        <p:spPr/>
+        <p:txBody>
+          <a:bodyPr/>
+          <a:lstStyle/>
+          <a:p>
+            <a:r>
+              <a:rPr lang="en-US" dirty="0" smtClean="0"/>
+              <a:t>Efficient use of societal resources</a:t>
+            </a:r>
+          </a:p>
+          <a:p>
+            <a:r>
+              <a:rPr lang="en-US" dirty="0" smtClean="0"/>
+              <a:t>Introduction to new technology</a:t>
+            </a:r>
+            <a:endParaRPr lang="en-US" dirty="0"/>
+          </a:p>
+          <a:p>
+            <a:endParaRPr lang="en-US" dirty="0"/>
+          </a:p>
+        </p:txBody>
+      </p:sp>
+      <p:sp>
+        <p:nvSpPr>
+          <p:cNvPr id="4" name="Date Placeholder 3"/>
+          <p:cNvSpPr>
+            <a:spLocks noGrp="1"/>
+          </p:cNvSpPr>
+          <p:nvPr>
+            <p:ph type="dt" sz="half" idx="10"/>
+          </p:nvPr>
+        </p:nvSpPr>
+        <p:spPr/>
+        <p:txBody>
+          <a:bodyPr/>
+          <a:lstStyle/>
+          <a:p>
+            <a:r>
+              <a:rPr lang="en-US" smtClean="0"/>
+              <a:t>Sep 18 2018</a:t>
+            </a:r>
+            <a:endParaRPr lang="en-US"/>
+          </a:p>
+        </p:txBody>
+      </p:sp>
+      <p:sp>
+        <p:nvSpPr>
+          <p:cNvPr id="5" name="Footer Placeholder 4"/>
+          <p:cNvSpPr>
+            <a:spLocks noGrp="1"/>
+          </p:cNvSpPr>
+          <p:nvPr>
+            <p:ph type="ftr" sz="quarter" idx="11"/>
+          </p:nvPr>
+        </p:nvSpPr>
+        <p:spPr/>
+        <p:txBody>
+          <a:bodyPr/>
+          <a:lstStyle/>
+          <a:p>
+            <a:r>
+              <a:rPr lang="en-US" smtClean="0"/>
+              <a:t>Seminar – Fall 2018</a:t>
+            </a:r>
+            <a:endParaRPr lang="en-US"/>
+          </a:p>
+        </p:txBody>
+      </p:sp>
+      <p:sp>
+        <p:nvSpPr>
+          <p:cNvPr id="6" name="Slide Number Placeholder 5"/>
+          <p:cNvSpPr>
+            <a:spLocks noGrp="1"/>
+          </p:cNvSpPr>
+          <p:nvPr>
+            <p:ph type="sldNum" sz="quarter" idx="12"/>
+          </p:nvPr>
+        </p:nvSpPr>
+        <p:spPr/>
+        <p:txBody>
+          <a:bodyPr/>
+          <a:lstStyle/>
+          <a:p>
+            <a:fld id="{BDA5F717-12EE-A348-A3FB-CFE8FCC4E8AC}" type="slidenum">
+              <a:rPr lang="en-US" smtClean="0"/>
+              <a:t>22</a:t>
+            </a:fld>
+            <a:endParaRPr lang="en-US"/>
+          </a:p>
+        </p:txBody>
+      </p:sp>
+    </p:spTree>
+    <p:extLst>
+      <p:ext uri="{BB962C8B-B14F-4D97-AF65-F5344CB8AC3E}">
+        <p14:creationId xmlns:p14="http://schemas.microsoft.com/office/powerpoint/2010/main" val="832783125"/>
+      </p:ext>
+    </p:extLst>
+  </p:cSld>
+  <p:clrMapOvr>
+    <a:masterClrMapping/>
+  </p:clrMapOvr>
+  <p:timing>
+    <p:tnLst>
+      <p:par>
+        <p:cTn id="1" dur="indefinite" restart="never" nodeType="tmRoot"/>
+      </p:par>
+    </p:tnLst>
+  </p:timing>
+</p:sld>
+</file>
+
+<file path=ppt/slides/slide23.xml><?xml version="1.0" encoding="utf-8"?>
+<p:sld xmlns:a="http://schemas.openxmlformats.org/drawingml/2006/main" xmlns:r="http://schemas.openxmlformats.org/officeDocument/2006/relationships" xmlns:p="http://schemas.openxmlformats.org/presentationml/2006/main">
+  <p:cSld>
+    <p:spTree>
+      <p:nvGrpSpPr>
+        <p:cNvPr id="1" name=""/>
+        <p:cNvGrpSpPr/>
+        <p:nvPr/>
+      </p:nvGrpSpPr>
+      <p:grpSpPr>
+        <a:xfrm>
+          <a:off x="0" y="0"/>
+          <a:ext cx="0" cy="0"/>
+          <a:chOff x="0" y="0"/>
+          <a:chExt cx="0" cy="0"/>
+        </a:xfrm>
+      </p:grpSpPr>
+      <p:sp>
+        <p:nvSpPr>
+          <p:cNvPr id="2" name="Title 1"/>
+          <p:cNvSpPr>
+            <a:spLocks noGrp="1"/>
+          </p:cNvSpPr>
+          <p:nvPr>
+            <p:ph type="title"/>
+          </p:nvPr>
+        </p:nvSpPr>
+        <p:spPr/>
+        <p:txBody>
+          <a:bodyPr/>
+          <a:lstStyle/>
+          <a:p>
+            <a:r>
+              <a:rPr lang="en-US" dirty="0" smtClean="0"/>
+              <a:t>Efficacy -&gt; Cost Effectiveness</a:t>
+            </a:r>
+            <a:endParaRPr lang="en-US" dirty="0"/>
+          </a:p>
+        </p:txBody>
+      </p:sp>
+      <p:sp>
+        <p:nvSpPr>
+          <p:cNvPr id="3" name="Content Placeholder 2"/>
+          <p:cNvSpPr>
+            <a:spLocks noGrp="1"/>
+          </p:cNvSpPr>
+          <p:nvPr>
+            <p:ph idx="1"/>
+          </p:nvPr>
+        </p:nvSpPr>
+        <p:spPr/>
+        <p:txBody>
+          <a:bodyPr/>
+          <a:lstStyle/>
+          <a:p>
+            <a:r>
+              <a:rPr lang="en-US" dirty="0"/>
+              <a:t>Phelps and </a:t>
+            </a:r>
+            <a:r>
+              <a:rPr lang="en-US" dirty="0" err="1"/>
+              <a:t>Mushlin</a:t>
+            </a:r>
+            <a:r>
+              <a:rPr lang="en-US" dirty="0"/>
+              <a:t> </a:t>
+            </a:r>
+            <a:r>
+              <a:rPr lang="en-US" dirty="0" smtClean="0"/>
+              <a:t>approach</a:t>
+            </a:r>
+            <a:r>
+              <a:rPr lang="en-US" dirty="0"/>
+              <a:t> </a:t>
+            </a:r>
+            <a:r>
+              <a:rPr lang="en-US" dirty="0" smtClean="0"/>
+              <a:t>model</a:t>
+            </a:r>
+          </a:p>
+          <a:p>
+            <a:pPr lvl="1"/>
+            <a:r>
+              <a:rPr lang="en-US" dirty="0" smtClean="0"/>
+              <a:t>Dollars per QALY</a:t>
+            </a:r>
+            <a:endParaRPr lang="en-US" dirty="0"/>
+          </a:p>
+        </p:txBody>
+      </p:sp>
+      <p:sp>
+        <p:nvSpPr>
+          <p:cNvPr id="4" name="Date Placeholder 3"/>
+          <p:cNvSpPr>
+            <a:spLocks noGrp="1"/>
+          </p:cNvSpPr>
+          <p:nvPr>
+            <p:ph type="dt" sz="half" idx="10"/>
+          </p:nvPr>
+        </p:nvSpPr>
+        <p:spPr/>
+        <p:txBody>
+          <a:bodyPr/>
+          <a:lstStyle/>
+          <a:p>
+            <a:r>
+              <a:rPr lang="en-US" smtClean="0"/>
+              <a:t>Sep 18 2018</a:t>
+            </a:r>
+            <a:endParaRPr lang="en-US"/>
+          </a:p>
+        </p:txBody>
+      </p:sp>
+      <p:sp>
+        <p:nvSpPr>
+          <p:cNvPr id="5" name="Footer Placeholder 4"/>
+          <p:cNvSpPr>
+            <a:spLocks noGrp="1"/>
+          </p:cNvSpPr>
+          <p:nvPr>
+            <p:ph type="ftr" sz="quarter" idx="11"/>
+          </p:nvPr>
+        </p:nvSpPr>
+        <p:spPr/>
+        <p:txBody>
+          <a:bodyPr/>
+          <a:lstStyle/>
+          <a:p>
+            <a:r>
+              <a:rPr lang="en-US" smtClean="0"/>
+              <a:t>Seminar – Fall 2018</a:t>
+            </a:r>
+            <a:endParaRPr lang="en-US"/>
+          </a:p>
+        </p:txBody>
+      </p:sp>
+      <p:sp>
+        <p:nvSpPr>
+          <p:cNvPr id="6" name="Slide Number Placeholder 5"/>
+          <p:cNvSpPr>
+            <a:spLocks noGrp="1"/>
+          </p:cNvSpPr>
+          <p:nvPr>
+            <p:ph type="sldNum" sz="quarter" idx="12"/>
+          </p:nvPr>
+        </p:nvSpPr>
+        <p:spPr/>
+        <p:txBody>
+          <a:bodyPr/>
+          <a:lstStyle/>
+          <a:p>
+            <a:fld id="{BDA5F717-12EE-A348-A3FB-CFE8FCC4E8AC}" type="slidenum">
+              <a:rPr lang="en-US" smtClean="0"/>
+              <a:t>23</a:t>
+            </a:fld>
+            <a:endParaRPr lang="en-US"/>
+          </a:p>
+        </p:txBody>
+      </p:sp>
+    </p:spTree>
+    <p:extLst>
+      <p:ext uri="{BB962C8B-B14F-4D97-AF65-F5344CB8AC3E}">
+        <p14:creationId xmlns:p14="http://schemas.microsoft.com/office/powerpoint/2010/main" val="964978674"/>
+      </p:ext>
+    </p:extLst>
+  </p:cSld>
+  <p:clrMapOvr>
+    <a:masterClrMapping/>
+  </p:clrMapOvr>
+  <p:timing>
+    <p:tnLst>
+      <p:par>
+        <p:cTn id="1" dur="indefinite" restart="never" nodeType="tmRoot"/>
+      </p:par>
+    </p:tnLst>
+  </p:timing>
+</p:sld>
+</file>
+
+<file path=ppt/slides/slide24.xml><?xml version="1.0" encoding="utf-8"?>
+<p:sld xmlns:a="http://schemas.openxmlformats.org/drawingml/2006/main" xmlns:r="http://schemas.openxmlformats.org/officeDocument/2006/relationships" xmlns:p="http://schemas.openxmlformats.org/presentationml/2006/main">
+  <p:cSld>
+    <p:spTree>
+      <p:nvGrpSpPr>
+        <p:cNvPr id="1" name=""/>
+        <p:cNvGrpSpPr/>
+        <p:nvPr/>
+      </p:nvGrpSpPr>
+      <p:grpSpPr>
+        <a:xfrm>
+          <a:off x="0" y="0"/>
+          <a:ext cx="0" cy="0"/>
+          <a:chOff x="0" y="0"/>
+          <a:chExt cx="0" cy="0"/>
+        </a:xfrm>
+      </p:grpSpPr>
+      <p:sp>
+        <p:nvSpPr>
+          <p:cNvPr id="13" name="Title 12"/>
+          <p:cNvSpPr>
+            <a:spLocks noGrp="1"/>
+          </p:cNvSpPr>
+          <p:nvPr>
+            <p:ph type="title"/>
+          </p:nvPr>
+        </p:nvSpPr>
+        <p:spPr/>
+        <p:txBody>
+          <a:bodyPr/>
+          <a:lstStyle/>
+          <a:p>
+            <a:r>
+              <a:rPr lang="en-US" dirty="0"/>
+              <a:t>Conclusion</a:t>
+            </a:r>
+          </a:p>
+        </p:txBody>
+      </p:sp>
+      <p:sp>
+        <p:nvSpPr>
+          <p:cNvPr id="14" name="Content Placeholder 13"/>
+          <p:cNvSpPr>
+            <a:spLocks noGrp="1"/>
+          </p:cNvSpPr>
+          <p:nvPr>
+            <p:ph idx="1"/>
+          </p:nvPr>
+        </p:nvSpPr>
+        <p:spPr/>
+        <p:txBody>
+          <a:bodyPr/>
+          <a:lstStyle/>
+          <a:p>
+            <a:endParaRPr lang="en-US" dirty="0" smtClean="0"/>
+          </a:p>
+          <a:p>
+            <a:r>
+              <a:rPr lang="en-US" dirty="0" smtClean="0"/>
+              <a:t>Efficacy model evaluates diagnosis imaging in the whole process of patient treatment.  </a:t>
+            </a:r>
+          </a:p>
+          <a:p>
+            <a:r>
+              <a:rPr lang="en-US" dirty="0" smtClean="0"/>
+              <a:t>More research has been conducted in Level 1 and 2.</a:t>
+            </a:r>
+          </a:p>
+          <a:p>
+            <a:endParaRPr lang="en-US" dirty="0"/>
+          </a:p>
+        </p:txBody>
+      </p:sp>
+      <p:sp>
+        <p:nvSpPr>
+          <p:cNvPr id="7" name="Date Placeholder 6"/>
+          <p:cNvSpPr>
+            <a:spLocks noGrp="1"/>
+          </p:cNvSpPr>
+          <p:nvPr>
+            <p:ph type="dt" sz="half" idx="10"/>
+          </p:nvPr>
+        </p:nvSpPr>
+        <p:spPr/>
+        <p:txBody>
+          <a:bodyPr/>
+          <a:lstStyle/>
+          <a:p>
+            <a:r>
+              <a:rPr lang="en-US" smtClean="0"/>
+              <a:t>Sep 18 2018</a:t>
+            </a:r>
+            <a:endParaRPr lang="en-US" dirty="0"/>
+          </a:p>
+        </p:txBody>
+      </p:sp>
+      <p:sp>
+        <p:nvSpPr>
+          <p:cNvPr id="8" name="Footer Placeholder 7"/>
+          <p:cNvSpPr>
+            <a:spLocks noGrp="1"/>
+          </p:cNvSpPr>
+          <p:nvPr>
+            <p:ph type="ftr" sz="quarter" idx="11"/>
+          </p:nvPr>
+        </p:nvSpPr>
+        <p:spPr/>
+        <p:txBody>
+          <a:bodyPr/>
+          <a:lstStyle/>
+          <a:p>
+            <a:r>
+              <a:rPr lang="en-US" smtClean="0"/>
+              <a:t>Seminar – Fall 2018</a:t>
+            </a:r>
+            <a:endParaRPr lang="en-US" dirty="0"/>
+          </a:p>
+        </p:txBody>
+      </p:sp>
+      <p:sp>
+        <p:nvSpPr>
+          <p:cNvPr id="9" name="Slide Number Placeholder 8"/>
+          <p:cNvSpPr>
+            <a:spLocks noGrp="1"/>
+          </p:cNvSpPr>
+          <p:nvPr>
+            <p:ph type="sldNum" sz="quarter" idx="12"/>
+          </p:nvPr>
+        </p:nvSpPr>
+        <p:spPr/>
+        <p:txBody>
+          <a:bodyPr/>
+          <a:lstStyle/>
+          <a:p>
+            <a:fld id="{BDA5F717-12EE-A348-A3FB-CFE8FCC4E8AC}" type="slidenum">
+              <a:rPr lang="en-US" smtClean="0"/>
+              <a:t>24</a:t>
+            </a:fld>
+            <a:endParaRPr lang="en-US"/>
+          </a:p>
+        </p:txBody>
+      </p:sp>
+    </p:spTree>
+    <p:extLst>
+      <p:ext uri="{BB962C8B-B14F-4D97-AF65-F5344CB8AC3E}">
+        <p14:creationId xmlns:p14="http://schemas.microsoft.com/office/powerpoint/2010/main" val="2851950986"/>
+      </p:ext>
+    </p:extLst>
+  </p:cSld>
+  <p:clrMapOvr>
+    <a:masterClrMapping/>
+  </p:clrMapOvr>
+  <p:timing>
+    <p:tnLst>
+      <p:par>
+        <p:cTn id="1" dur="indefinite" restart="never" nodeType="tmRoot">
+          <p:childTnLst>
+            <p:seq concurrent="1" nextAc="seek">
+              <p:cTn id="2" dur="indefinite" nodeType="mainSeq">
+                <p:childTnLst>
+                  <p:par>
+                    <p:cTn id="3" fill="hold">
+                      <p:stCondLst>
+                        <p:cond delay="indefinite"/>
+                      </p:stCondLst>
+                      <p:childTnLst>
+                        <p:par>
+                          <p:cTn id="4" fill="hold">
+                            <p:stCondLst>
+                              <p:cond delay="0"/>
+                            </p:stCondLst>
+                            <p:childTnLst>
+                              <p:par>
+                                <p:cTn id="5" presetID="2" presetClass="entr" presetSubtype="4" fill="hold" grpId="0" nodeType="clickEffect">
+                                  <p:stCondLst>
+                                    <p:cond delay="0"/>
+                                  </p:stCondLst>
+                                  <p:childTnLst>
+                                    <p:set>
+                                      <p:cBhvr>
+                                        <p:cTn id="6" dur="1" fill="hold">
+                                          <p:stCondLst>
+                                            <p:cond delay="0"/>
+                                          </p:stCondLst>
+                                        </p:cTn>
+                                        <p:tgtEl>
+                                          <p:spTgt spid="14">
+                                            <p:txEl>
+                                              <p:pRg st="1" end="1"/>
+                                            </p:txEl>
+                                          </p:spTgt>
+                                        </p:tgtEl>
+                                        <p:attrNameLst>
+                                          <p:attrName>style.visibility</p:attrName>
+                                        </p:attrNameLst>
+                                      </p:cBhvr>
+                                      <p:to>
+                                        <p:strVal val="visible"/>
+                                      </p:to>
+                                    </p:set>
+                                    <p:anim calcmode="lin" valueType="num">
+                                      <p:cBhvr additive="base">
+                                        <p:cTn id="7" dur="500" fill="hold"/>
+                                        <p:tgtEl>
+                                          <p:spTgt spid="14">
+                                            <p:txEl>
+                                              <p:pRg st="1" end="1"/>
+                                            </p:txEl>
+                                          </p:spTgt>
+                                        </p:tgtEl>
+                                        <p:attrNameLst>
+                                          <p:attrName>ppt_x</p:attrName>
+                                        </p:attrNameLst>
+                                      </p:cBhvr>
+                                      <p:tavLst>
+                                        <p:tav tm="0">
+                                          <p:val>
+                                            <p:strVal val="#ppt_x"/>
+                                          </p:val>
+                                        </p:tav>
+                                        <p:tav tm="100000">
+                                          <p:val>
+                                            <p:strVal val="#ppt_x"/>
+                                          </p:val>
+                                        </p:tav>
+                                      </p:tavLst>
+                                    </p:anim>
+                                    <p:anim calcmode="lin" valueType="num">
+                                      <p:cBhvr additive="base">
+                                        <p:cTn id="8" dur="500" fill="hold"/>
+                                        <p:tgtEl>
+                                          <p:spTgt spid="14">
+                                            <p:txEl>
+                                              <p:pRg st="1" end="1"/>
+                                            </p:txEl>
+                                          </p:spTgt>
+                                        </p:tgtEl>
+                                        <p:attrNameLst>
+                                          <p:attrName>ppt_y</p:attrName>
+                                        </p:attrNameLst>
+                                      </p:cBhvr>
+                                      <p:tavLst>
+                                        <p:tav tm="0">
+                                          <p:val>
+                                            <p:strVal val="1+#ppt_h/2"/>
+                                          </p:val>
+                                        </p:tav>
+                                        <p:tav tm="100000">
+                                          <p:val>
+                                            <p:strVal val="#ppt_y"/>
+                                          </p:val>
+                                        </p:tav>
+                                      </p:tavLst>
+                                    </p:anim>
+                                  </p:childTnLst>
+                                </p:cTn>
+                              </p:par>
+                            </p:childTnLst>
+                          </p:cTn>
+                        </p:par>
+                      </p:childTnLst>
+                    </p:cTn>
+                  </p:par>
+                  <p:par>
+                    <p:cTn id="9" fill="hold">
+                      <p:stCondLst>
+                        <p:cond delay="indefinite"/>
+                      </p:stCondLst>
+                      <p:childTnLst>
+                        <p:par>
+                          <p:cTn id="10" fill="hold">
+                            <p:stCondLst>
+                              <p:cond delay="0"/>
+                            </p:stCondLst>
+                            <p:childTnLst>
+                              <p:par>
+                                <p:cTn id="11" presetID="2" presetClass="entr" presetSubtype="4" fill="hold" grpId="0" nodeType="clickEffect">
+                                  <p:stCondLst>
+                                    <p:cond delay="0"/>
+                                  </p:stCondLst>
+                                  <p:childTnLst>
+                                    <p:set>
+                                      <p:cBhvr>
+                                        <p:cTn id="12" dur="1" fill="hold">
+                                          <p:stCondLst>
+                                            <p:cond delay="0"/>
+                                          </p:stCondLst>
+                                        </p:cTn>
+                                        <p:tgtEl>
+                                          <p:spTgt spid="14">
+                                            <p:txEl>
+                                              <p:pRg st="2" end="2"/>
+                                            </p:txEl>
+                                          </p:spTgt>
+                                        </p:tgtEl>
+                                        <p:attrNameLst>
+                                          <p:attrName>style.visibility</p:attrName>
+                                        </p:attrNameLst>
+                                      </p:cBhvr>
+                                      <p:to>
+                                        <p:strVal val="visible"/>
+                                      </p:to>
+                                    </p:set>
+                                    <p:anim calcmode="lin" valueType="num">
+                                      <p:cBhvr additive="base">
+                                        <p:cTn id="13" dur="500" fill="hold"/>
+                                        <p:tgtEl>
+                                          <p:spTgt spid="14">
+                                            <p:txEl>
+                                              <p:pRg st="2" end="2"/>
+                                            </p:txEl>
+                                          </p:spTgt>
+                                        </p:tgtEl>
+                                        <p:attrNameLst>
+                                          <p:attrName>ppt_x</p:attrName>
+                                        </p:attrNameLst>
+                                      </p:cBhvr>
+                                      <p:tavLst>
+                                        <p:tav tm="0">
+                                          <p:val>
+                                            <p:strVal val="#ppt_x"/>
+                                          </p:val>
+                                        </p:tav>
+                                        <p:tav tm="100000">
+                                          <p:val>
+                                            <p:strVal val="#ppt_x"/>
+                                          </p:val>
+                                        </p:tav>
+                                      </p:tavLst>
+                                    </p:anim>
+                                    <p:anim calcmode="lin" valueType="num">
+                                      <p:cBhvr additive="base">
+                                        <p:cTn id="14" dur="500" fill="hold"/>
+                                        <p:tgtEl>
+                                          <p:spTgt spid="14">
+                                            <p:txEl>
+                                              <p:pRg st="2" end="2"/>
+                                            </p:txEl>
+                                          </p:spTgt>
+                                        </p:tgtEl>
+                                        <p:attrNameLst>
+                                          <p:attrName>ppt_y</p:attrName>
+                                        </p:attrNameLst>
+                                      </p:cBhvr>
+                                      <p:tavLst>
+                                        <p:tav tm="0">
+                                          <p:val>
+                                            <p:strVal val="1+#ppt_h/2"/>
+                                          </p:val>
+                                        </p:tav>
+                                        <p:tav tm="100000">
+                                          <p:val>
+                                            <p:strVal val="#ppt_y"/>
+                                          </p:val>
+                                        </p:tav>
+                                      </p:tavLst>
+                                    </p:anim>
+                                  </p:childTnLst>
+                                </p:cTn>
+                              </p:par>
+                            </p:childTnLst>
+                          </p:cTn>
+                        </p:par>
+                      </p:childTnLst>
+                    </p:cTn>
+                  </p:par>
+                </p:childTnLst>
+              </p:cTn>
+              <p:prevCondLst>
+                <p:cond evt="onPrev" delay="0">
+                  <p:tgtEl>
+                    <p:sldTgt/>
+                  </p:tgtEl>
+                </p:cond>
+              </p:prevCondLst>
+              <p:nextCondLst>
+                <p:cond evt="onNext" delay="0">
+                  <p:tgtEl>
+                    <p:sldTgt/>
+                  </p:tgtEl>
+                </p:cond>
+              </p:nextCondLst>
+            </p:seq>
+          </p:childTnLst>
+        </p:cTn>
+      </p:par>
+    </p:tnLst>
+    <p:bldLst>
+      <p:bldP spid="14" grpId="0" build="p"/>
+    </p:bldLst>
+  </p:timing>
+</p:sld>
+</file>
+
+<file path=ppt/slides/slide25.xml><?xml version="1.0" encoding="utf-8"?>
+<p:sld xmlns:a="http://schemas.openxmlformats.org/drawingml/2006/main" xmlns:r="http://schemas.openxmlformats.org/officeDocument/2006/relationships" xmlns:p="http://schemas.openxmlformats.org/presentationml/2006/main">
+  <p:cSld>
+    <p:spTree>
+      <p:nvGrpSpPr>
+        <p:cNvPr id="1" name=""/>
+        <p:cNvGrpSpPr/>
+        <p:nvPr/>
+      </p:nvGrpSpPr>
+      <p:grpSpPr>
+        <a:xfrm>
+          <a:off x="0" y="0"/>
+          <a:ext cx="0" cy="0"/>
+          <a:chOff x="0" y="0"/>
+          <a:chExt cx="0" cy="0"/>
+        </a:xfrm>
+      </p:grpSpPr>
+      <p:sp>
+        <p:nvSpPr>
+          <p:cNvPr id="2" name="Title 1"/>
+          <p:cNvSpPr>
+            <a:spLocks noGrp="1"/>
+          </p:cNvSpPr>
+          <p:nvPr>
+            <p:ph type="title"/>
+          </p:nvPr>
+        </p:nvSpPr>
+        <p:spPr/>
+        <p:txBody>
+          <a:bodyPr/>
+          <a:lstStyle/>
+          <a:p>
+            <a:r>
+              <a:rPr lang="en-US" dirty="0" smtClean="0"/>
+              <a:t>References</a:t>
+            </a:r>
+            <a:endParaRPr lang="en-US" dirty="0"/>
+          </a:p>
+        </p:txBody>
+      </p:sp>
+      <p:sp>
+        <p:nvSpPr>
+          <p:cNvPr id="3" name="Content Placeholder 2"/>
+          <p:cNvSpPr>
+            <a:spLocks noGrp="1"/>
+          </p:cNvSpPr>
+          <p:nvPr>
+            <p:ph idx="1"/>
+          </p:nvPr>
+        </p:nvSpPr>
+        <p:spPr/>
+        <p:txBody>
+          <a:bodyPr>
+            <a:normAutofit fontScale="70000" lnSpcReduction="20000"/>
+          </a:bodyPr>
+          <a:lstStyle/>
+          <a:p>
+            <a:r>
+              <a:rPr lang="en-US" dirty="0" smtClean="0"/>
+              <a:t>[1] </a:t>
+            </a:r>
+            <a:r>
+              <a:rPr lang="en-US" b="0" dirty="0"/>
+              <a:t>Gazelle, G. Scott, et al. "A framework for assessing the value of diagnostic imaging in the era of comparative effectiveness research." </a:t>
+            </a:r>
+            <a:r>
+              <a:rPr lang="en-US" b="0" i="1" dirty="0"/>
+              <a:t>Radiology</a:t>
+            </a:r>
+            <a:r>
+              <a:rPr lang="en-US" b="0" dirty="0"/>
+              <a:t> 261.3 (2011): 692-698.</a:t>
+            </a:r>
+            <a:endParaRPr lang="en-US" dirty="0" smtClean="0"/>
+          </a:p>
+          <a:p>
+            <a:r>
+              <a:rPr lang="en-US" dirty="0" smtClean="0"/>
+              <a:t>[2] </a:t>
+            </a:r>
+            <a:r>
+              <a:rPr lang="en-US" b="0" dirty="0"/>
+              <a:t>Lord, Sarah J., Les </a:t>
+            </a:r>
+            <a:r>
+              <a:rPr lang="en-US" b="0" dirty="0" err="1"/>
+              <a:t>Irwig</a:t>
+            </a:r>
+            <a:r>
+              <a:rPr lang="en-US" b="0" dirty="0"/>
+              <a:t>, and R. John </a:t>
+            </a:r>
+            <a:r>
+              <a:rPr lang="en-US" b="0" dirty="0" err="1"/>
+              <a:t>Simes</a:t>
+            </a:r>
+            <a:r>
+              <a:rPr lang="en-US" b="0" dirty="0"/>
+              <a:t>. "When is measuring sensitivity and specificity sufficient to evaluate a diagnostic test, and when do we need randomized trials?." </a:t>
+            </a:r>
+            <a:r>
+              <a:rPr lang="en-US" b="0" i="1" dirty="0"/>
+              <a:t>Annals of internal medicine</a:t>
+            </a:r>
+            <a:r>
+              <a:rPr lang="en-US" b="0" dirty="0"/>
+              <a:t> 144.11 (2006): 850-855.</a:t>
+            </a:r>
+            <a:endParaRPr lang="en-US" dirty="0" smtClean="0"/>
+          </a:p>
+          <a:p>
+            <a:r>
+              <a:rPr lang="en-US" dirty="0" smtClean="0"/>
+              <a:t>[3]</a:t>
+            </a:r>
+            <a:r>
+              <a:rPr lang="en-US" b="0" dirty="0"/>
+              <a:t> Verhaegen, </a:t>
+            </a:r>
+            <a:r>
+              <a:rPr lang="en-US" b="0" dirty="0" err="1"/>
+              <a:t>Jorine</a:t>
+            </a:r>
+            <a:r>
+              <a:rPr lang="en-US" b="0" dirty="0"/>
+              <a:t>, et al. "Accuracy of single progesterone test to predict early pregnancy outcome in women with pain or bleeding: meta-analysis of cohort studies." </a:t>
+            </a:r>
+            <a:r>
+              <a:rPr lang="en-US" b="0" i="1" dirty="0" err="1"/>
+              <a:t>Bmj</a:t>
+            </a:r>
+            <a:r>
+              <a:rPr lang="en-US" b="0" dirty="0"/>
+              <a:t> 345 (2012): e6077.</a:t>
+            </a:r>
+            <a:endParaRPr lang="en-US" dirty="0" smtClean="0"/>
+          </a:p>
+          <a:p>
+            <a:r>
+              <a:rPr lang="en-US" dirty="0" smtClean="0"/>
+              <a:t>[4]</a:t>
+            </a:r>
+            <a:r>
+              <a:rPr lang="en-US" b="0" dirty="0"/>
+              <a:t> </a:t>
+            </a:r>
+            <a:r>
+              <a:rPr lang="en-US" b="0" dirty="0" err="1"/>
+              <a:t>Aboyans</a:t>
+            </a:r>
+            <a:r>
+              <a:rPr lang="en-US" b="0" dirty="0"/>
+              <a:t>, Victor, et al. "2017 ESC Guidelines on the Diagnosis and Treatment of Peripheral Arterial Diseases, in collaboration with the European Society for Vascular Surgery (ESVS) Document covering atherosclerotic disease of extracranial carotid and vertebral, mesenteric, renal, upper and lower extremity arteries Endorsed by: the European Stroke Organization (ESO) The Task Force for the Diagnosis and Treatment of Peripheral Arterial Diseases of the European Society of Cardiology (ESC) and of the European Society for Vascular ...." </a:t>
+            </a:r>
+            <a:r>
+              <a:rPr lang="en-US" b="0" i="1" dirty="0"/>
+              <a:t>European heart journal</a:t>
+            </a:r>
+            <a:r>
+              <a:rPr lang="en-US" b="0" dirty="0"/>
+              <a:t> 39.9 (2017): 763-816.</a:t>
+            </a:r>
+            <a:endParaRPr lang="en-US" dirty="0" smtClean="0"/>
+          </a:p>
+          <a:p>
+            <a:r>
+              <a:rPr lang="en-US" dirty="0" smtClean="0"/>
+              <a:t>[5]</a:t>
+            </a:r>
+            <a:r>
+              <a:rPr lang="en-US" b="0" dirty="0"/>
+              <a:t> Met, Rosemarie, et al. "Diagnostic performance of computed tomography angiography in peripheral arterial disease: a systematic review and meta-analysis." </a:t>
+            </a:r>
+            <a:r>
+              <a:rPr lang="en-US" b="0" i="1" dirty="0"/>
+              <a:t>Jama</a:t>
+            </a:r>
+            <a:r>
+              <a:rPr lang="en-US" b="0" dirty="0"/>
+              <a:t> 301.4 (2009): 415-424.</a:t>
+            </a:r>
+            <a:endParaRPr lang="en-US" dirty="0"/>
+          </a:p>
+        </p:txBody>
+      </p:sp>
+      <p:sp>
+        <p:nvSpPr>
+          <p:cNvPr id="4" name="Date Placeholder 3"/>
+          <p:cNvSpPr>
+            <a:spLocks noGrp="1"/>
+          </p:cNvSpPr>
+          <p:nvPr>
+            <p:ph type="dt" sz="half" idx="10"/>
+          </p:nvPr>
+        </p:nvSpPr>
+        <p:spPr/>
+        <p:txBody>
+          <a:bodyPr/>
+          <a:lstStyle/>
+          <a:p>
+            <a:r>
+              <a:rPr lang="en-US" smtClean="0"/>
+              <a:t>Sep 18 2018</a:t>
+            </a:r>
+            <a:endParaRPr lang="en-US"/>
+          </a:p>
+        </p:txBody>
+      </p:sp>
+      <p:sp>
+        <p:nvSpPr>
+          <p:cNvPr id="5" name="Footer Placeholder 4"/>
+          <p:cNvSpPr>
+            <a:spLocks noGrp="1"/>
+          </p:cNvSpPr>
+          <p:nvPr>
+            <p:ph type="ftr" sz="quarter" idx="11"/>
+          </p:nvPr>
+        </p:nvSpPr>
+        <p:spPr/>
+        <p:txBody>
+          <a:bodyPr/>
+          <a:lstStyle/>
+          <a:p>
+            <a:r>
+              <a:rPr lang="en-US" smtClean="0"/>
+              <a:t>Seminar – Fall 2018</a:t>
+            </a:r>
+            <a:endParaRPr lang="en-US"/>
+          </a:p>
+        </p:txBody>
+      </p:sp>
+      <p:sp>
+        <p:nvSpPr>
+          <p:cNvPr id="6" name="Slide Number Placeholder 5"/>
+          <p:cNvSpPr>
+            <a:spLocks noGrp="1"/>
+          </p:cNvSpPr>
+          <p:nvPr>
+            <p:ph type="sldNum" sz="quarter" idx="12"/>
+          </p:nvPr>
+        </p:nvSpPr>
+        <p:spPr/>
+        <p:txBody>
+          <a:bodyPr/>
+          <a:lstStyle/>
+          <a:p>
+            <a:fld id="{BDA5F717-12EE-A348-A3FB-CFE8FCC4E8AC}" type="slidenum">
+              <a:rPr lang="en-US" smtClean="0"/>
+              <a:t>25</a:t>
+            </a:fld>
+            <a:endParaRPr lang="en-US"/>
+          </a:p>
+        </p:txBody>
+      </p:sp>
+    </p:spTree>
+    <p:extLst>
+      <p:ext uri="{BB962C8B-B14F-4D97-AF65-F5344CB8AC3E}">
+        <p14:creationId xmlns:p14="http://schemas.microsoft.com/office/powerpoint/2010/main" val="742205383"/>
+      </p:ext>
+    </p:extLst>
+  </p:cSld>
+  <p:clrMapOvr>
+    <a:masterClrMapping/>
+  </p:clrMapOvr>
+  <p:timing>
+    <p:tnLst>
+      <p:par>
+        <p:cTn id="1" dur="indefinite" restart="never" nodeType="tmRoot"/>
+      </p:par>
+    </p:tnLst>
+  </p:timing>
+</p:sld>
+</file>
+
+<file path=ppt/slides/slide26.xml><?xml version="1.0" encoding="utf-8"?>
+<p:sld xmlns:a="http://schemas.openxmlformats.org/drawingml/2006/main" xmlns:r="http://schemas.openxmlformats.org/officeDocument/2006/relationships" xmlns:p="http://schemas.openxmlformats.org/presentationml/2006/main">
+  <p:cSld>
+    <p:spTree>
+      <p:nvGrpSpPr>
+        <p:cNvPr id="1" name=""/>
+        <p:cNvGrpSpPr/>
+        <p:nvPr/>
+      </p:nvGrpSpPr>
+      <p:grpSpPr>
+        <a:xfrm>
+          <a:off x="0" y="0"/>
+          <a:ext cx="0" cy="0"/>
+          <a:chOff x="0" y="0"/>
+          <a:chExt cx="0" cy="0"/>
+        </a:xfrm>
+      </p:grpSpPr>
+      <p:sp>
+        <p:nvSpPr>
+          <p:cNvPr id="2" name="Title 1"/>
+          <p:cNvSpPr>
+            <a:spLocks noGrp="1"/>
+          </p:cNvSpPr>
+          <p:nvPr>
+            <p:ph type="title"/>
+          </p:nvPr>
+        </p:nvSpPr>
+        <p:spPr>
+          <a:xfrm>
+            <a:off x="2753242" y="897511"/>
+            <a:ext cx="3788960" cy="2848989"/>
+          </a:xfrm>
+        </p:spPr>
+        <p:txBody>
+          <a:bodyPr>
+            <a:normAutofit/>
+          </a:bodyPr>
+          <a:lstStyle/>
+          <a:p>
+            <a:pPr algn="ctr"/>
+            <a:r>
+              <a:rPr lang="en-US" dirty="0" smtClean="0"/>
+              <a:t>Q&amp;A </a:t>
+            </a:r>
+            <a:br>
+              <a:rPr lang="en-US" dirty="0" smtClean="0"/>
+            </a:br>
+            <a:r>
+              <a:rPr lang="en-US" dirty="0" smtClean="0"/>
+              <a:t>THANK </a:t>
+            </a:r>
+            <a:r>
+              <a:rPr lang="en-US" dirty="0"/>
+              <a:t>YOU</a:t>
+            </a:r>
+          </a:p>
+        </p:txBody>
+      </p:sp>
+      <p:sp>
+        <p:nvSpPr>
+          <p:cNvPr id="4" name="Slide Number Placeholder 3"/>
+          <p:cNvSpPr>
+            <a:spLocks noGrp="1"/>
+          </p:cNvSpPr>
+          <p:nvPr>
+            <p:ph type="sldNum" idx="12"/>
+          </p:nvPr>
+        </p:nvSpPr>
+        <p:spPr>
+          <a:xfrm>
+            <a:off x="8043483" y="4790435"/>
+            <a:ext cx="459783" cy="275179"/>
+          </a:xfrm>
+        </p:spPr>
+        <p:txBody>
+          <a:bodyPr/>
+          <a:lstStyle/>
+          <a:p>
+            <a:fld id="{00000000-1234-1234-1234-123412341234}" type="slidenum">
+              <a:rPr lang="en" smtClean="0"/>
+              <a:pPr/>
+              <a:t>26</a:t>
+            </a:fld>
+            <a:endParaRPr lang="en" dirty="0"/>
+          </a:p>
+        </p:txBody>
+      </p:sp>
+    </p:spTree>
+    <p:extLst>
+      <p:ext uri="{BB962C8B-B14F-4D97-AF65-F5344CB8AC3E}">
+        <p14:creationId xmlns:p14="http://schemas.microsoft.com/office/powerpoint/2010/main" val="1126441461"/>
+      </p:ext>
+    </p:extLst>
+  </p:cSld>
+  <p:clrMapOvr>
+    <a:masterClrMapping/>
+  </p:clrMapOvr>
+  <p:timing>
+    <p:tnLst>
+      <p:par>
+        <p:cTn id="1" dur="indefinite" restart="never" nodeType="tmRoot">
+          <p:childTnLst>
+            <p:seq concurrent="1" nextAc="seek">
+              <p:cTn id="2" dur="indefinite" nodeType="mainSeq">
+                <p:childTnLst>
+                  <p:par>
+                    <p:cTn id="3" fill="hold">
+                      <p:stCondLst>
+                        <p:cond delay="indefinite"/>
+                      </p:stCondLst>
+                      <p:childTnLst>
+                        <p:par>
+                          <p:cTn id="4" fill="hold">
+                            <p:stCondLst>
+                              <p:cond delay="0"/>
+                            </p:stCondLst>
+                            <p:childTnLst>
+                              <p:par>
+                                <p:cTn id="5" presetID="2" presetClass="entr" presetSubtype="4" fill="hold" grpId="0" nodeType="clickEffect">
+                                  <p:stCondLst>
+                                    <p:cond delay="0"/>
+                                  </p:stCondLst>
+                                  <p:childTnLst>
+                                    <p:set>
+                                      <p:cBhvr>
+                                        <p:cTn id="6" dur="1" fill="hold">
+                                          <p:stCondLst>
+                                            <p:cond delay="0"/>
+                                          </p:stCondLst>
+                                        </p:cTn>
+                                        <p:tgtEl>
+                                          <p:spTgt spid="2"/>
+                                        </p:tgtEl>
+                                        <p:attrNameLst>
+                                          <p:attrName>style.visibility</p:attrName>
+                                        </p:attrNameLst>
+                                      </p:cBhvr>
+                                      <p:to>
+                                        <p:strVal val="visible"/>
+                                      </p:to>
+                                    </p:set>
+                                    <p:anim calcmode="lin" valueType="num">
+                                      <p:cBhvr additive="base">
+                                        <p:cTn id="7" dur="500" fill="hold"/>
+                                        <p:tgtEl>
+                                          <p:spTgt spid="2"/>
+                                        </p:tgtEl>
+                                        <p:attrNameLst>
+                                          <p:attrName>ppt_x</p:attrName>
+                                        </p:attrNameLst>
+                                      </p:cBhvr>
+                                      <p:tavLst>
+                                        <p:tav tm="0">
+                                          <p:val>
+                                            <p:strVal val="#ppt_x"/>
+                                          </p:val>
+                                        </p:tav>
+                                        <p:tav tm="100000">
+                                          <p:val>
+                                            <p:strVal val="#ppt_x"/>
+                                          </p:val>
+                                        </p:tav>
+                                      </p:tavLst>
+                                    </p:anim>
+                                    <p:anim calcmode="lin" valueType="num">
+                                      <p:cBhvr additive="base">
+                                        <p:cTn id="8" dur="500" fill="hold"/>
+                                        <p:tgtEl>
+                                          <p:spTgt spid="2"/>
+                                        </p:tgtEl>
+                                        <p:attrNameLst>
+                                          <p:attrName>ppt_y</p:attrName>
+                                        </p:attrNameLst>
+                                      </p:cBhvr>
+                                      <p:tavLst>
+                                        <p:tav tm="0">
+                                          <p:val>
+                                            <p:strVal val="1+#ppt_h/2"/>
+                                          </p:val>
+                                        </p:tav>
+                                        <p:tav tm="100000">
+                                          <p:val>
+                                            <p:strVal val="#ppt_y"/>
+                                          </p:val>
+                                        </p:tav>
+                                      </p:tavLst>
+                                    </p:anim>
+                                  </p:childTnLst>
+                                </p:cTn>
+                              </p:par>
+                            </p:childTnLst>
+                          </p:cTn>
+                        </p:par>
+                      </p:childTnLst>
+                    </p:cTn>
+                  </p:par>
+                </p:childTnLst>
+              </p:cTn>
+              <p:prevCondLst>
+                <p:cond evt="onPrev" delay="0">
+                  <p:tgtEl>
+                    <p:sldTgt/>
+                  </p:tgtEl>
+                </p:cond>
+              </p:prevCondLst>
+              <p:nextCondLst>
+                <p:cond evt="onNext" delay="0">
+                  <p:tgtEl>
+                    <p:sldTgt/>
+                  </p:tgtEl>
+                </p:cond>
+              </p:nextCondLst>
+            </p:seq>
+          </p:childTnLst>
+        </p:cTn>
+      </p:par>
+    </p:tnLst>
+    <p:bldLst>
+      <p:bldP spid="2" grpId="0"/>
     </p:bldLst>
   </p:timing>
 </p:sld>
@@ -11045,7 +12967,7 @@
   <a:extraClrSchemeLst/>
   <a:extLst>
     <a:ext uri="{05A4C25C-085E-4340-85A3-A5531E510DB2}">
-      <thm15:themeFamily xmlns:thm15="http://schemas.microsoft.com/office/thememl/2012/main" xmlns="" name="Presentation1" id="{6E97D440-AC0D-2948-B999-F528D41BAAC3}" vid="{FDCB8264-CDDA-C142-BE05-1C172407A782}"/>
+      <thm15:themeFamily xmlns="" xmlns:thm15="http://schemas.microsoft.com/office/thememl/2012/main" name="Presentation1" id="{6E97D440-AC0D-2948-B999-F528D41BAAC3}" vid="{FDCB8264-CDDA-C142-BE05-1C172407A782}"/>
     </a:ext>
   </a:extLst>
 </a:theme>
@@ -11306,7 +13228,7 @@
   <a:extraClrSchemeLst/>
   <a:extLst>
     <a:ext uri="{05A4C25C-085E-4340-85A3-A5531E510DB2}">
-      <thm15:themeFamily xmlns:thm15="http://schemas.microsoft.com/office/thememl/2012/main" xmlns="" name="Office Theme" id="{62F939B6-93AF-4DB8-9C6B-D6C7DFDC589F}" vid="{4A3C46E8-61CC-4603-A589-7422A47A8E4A}"/>
+      <thm15:themeFamily xmlns="" xmlns:thm15="http://schemas.microsoft.com/office/thememl/2012/main" name="Office Theme" id="{62F939B6-93AF-4DB8-9C6B-D6C7DFDC589F}" vid="{4A3C46E8-61CC-4603-A589-7422A47A8E4A}"/>
     </a:ext>
   </a:extLst>
 </a:theme>
@@ -11567,7 +13489,7 @@
   <a:extraClrSchemeLst/>
   <a:extLst>
     <a:ext uri="{05A4C25C-085E-4340-85A3-A5531E510DB2}">
-      <thm15:themeFamily xmlns:thm15="http://schemas.microsoft.com/office/thememl/2012/main" xmlns="" name="Office Theme" id="{62F939B6-93AF-4DB8-9C6B-D6C7DFDC589F}" vid="{4A3C46E8-61CC-4603-A589-7422A47A8E4A}"/>
+      <thm15:themeFamily xmlns="" xmlns:thm15="http://schemas.microsoft.com/office/thememl/2012/main" name="Office Theme" id="{62F939B6-93AF-4DB8-9C6B-D6C7DFDC589F}" vid="{4A3C46E8-61CC-4603-A589-7422A47A8E4A}"/>
     </a:ext>
   </a:extLst>
 </a:theme>

--- a/Presentation_1.pptx
+++ b/Presentation_1.pptx
@@ -5,10 +5,10 @@
     <p:sldMasterId id="2147483660" r:id="rId1"/>
   </p:sldMasterIdLst>
   <p:notesMasterIdLst>
-    <p:notesMasterId r:id="rId28"/>
+    <p:notesMasterId r:id="rId33"/>
   </p:notesMasterIdLst>
   <p:handoutMasterIdLst>
-    <p:handoutMasterId r:id="rId29"/>
+    <p:handoutMasterId r:id="rId34"/>
   </p:handoutMasterIdLst>
   <p:sldIdLst>
     <p:sldId id="258" r:id="rId2"/>
@@ -32,11 +32,16 @@
     <p:sldId id="336" r:id="rId20"/>
     <p:sldId id="337" r:id="rId21"/>
     <p:sldId id="324" r:id="rId22"/>
-    <p:sldId id="325" r:id="rId23"/>
-    <p:sldId id="326" r:id="rId24"/>
-    <p:sldId id="308" r:id="rId25"/>
-    <p:sldId id="323" r:id="rId26"/>
-    <p:sldId id="288" r:id="rId27"/>
+    <p:sldId id="339" r:id="rId23"/>
+    <p:sldId id="340" r:id="rId24"/>
+    <p:sldId id="341" r:id="rId25"/>
+    <p:sldId id="342" r:id="rId26"/>
+    <p:sldId id="343" r:id="rId27"/>
+    <p:sldId id="344" r:id="rId28"/>
+    <p:sldId id="325" r:id="rId29"/>
+    <p:sldId id="308" r:id="rId30"/>
+    <p:sldId id="323" r:id="rId31"/>
+    <p:sldId id="288" r:id="rId32"/>
   </p:sldIdLst>
   <p:sldSz cx="9144000" cy="5143500" type="screen16x9"/>
   <p:notesSz cx="6858000" cy="9144000"/>
@@ -137,10 +142,21 @@
   </p:defaultTextStyle>
   <p:extLst>
     <p:ext uri="{EFAFB233-063F-42B5-8137-9DF3F51BA10A}">
-      <p15:sldGuideLst xmlns="" xmlns:p15="http://schemas.microsoft.com/office/powerpoint/2012/main"/>
+      <p15:sldGuideLst xmlns:p15="http://schemas.microsoft.com/office/powerpoint/2012/main">
+        <p15:guide id="1" orient="horz" pos="1620">
+          <p15:clr>
+            <a:srgbClr val="A4A3A4"/>
+          </p15:clr>
+        </p15:guide>
+        <p15:guide id="2" pos="2880">
+          <p15:clr>
+            <a:srgbClr val="A4A3A4"/>
+          </p15:clr>
+        </p15:guide>
+      </p15:sldGuideLst>
     </p:ext>
     <p:ext uri="{2D200454-40CA-4A62-9FC3-DE9A4176ACB9}">
-      <p15:notesGuideLst xmlns="" xmlns:p15="http://schemas.microsoft.com/office/powerpoint/2012/main"/>
+      <p15:notesGuideLst xmlns:p15="http://schemas.microsoft.com/office/powerpoint/2012/main"/>
     </p:ext>
   </p:extLst>
 </p:presentation>
@@ -228,7 +244,7 @@
           <a:p>
             <a:fld id="{A2B2A835-D6C1-404A-A359-5C2910E15811}" type="datetimeFigureOut">
               <a:rPr lang="en-US" smtClean="0"/>
-              <a:t>16-Sep-18</a:t>
+              <a:t>9/16/18</a:t>
             </a:fld>
             <a:endParaRPr lang="en-US"/>
           </a:p>
@@ -393,7 +409,7 @@
           <a:p>
             <a:fld id="{01490E92-8FD4-234D-89C0-7595B07D4E75}" type="datetimeFigureOut">
               <a:rPr lang="en-US" smtClean="0"/>
-              <a:t>16-Sep-18</a:t>
+              <a:t>9/16/18</a:t>
             </a:fld>
             <a:endParaRPr lang="en-US"/>
           </a:p>
@@ -5531,7 +5547,7 @@
         <p:spPr/>
         <p:txBody>
           <a:bodyPr>
-            <a:normAutofit fontScale="90000"/>
+            <a:normAutofit/>
           </a:bodyPr>
           <a:lstStyle/>
           <a:p>
@@ -6300,7 +6316,6 @@
               <a:rPr lang="en-US" sz="1800" dirty="0" smtClean="0"/>
               <a:t>Symbolic Logic</a:t>
             </a:r>
-            <a:endParaRPr lang="en-US" sz="1800" dirty="0" smtClean="0"/>
           </a:p>
         </p:txBody>
       </p:sp>
@@ -6341,7 +6356,6 @@
               <a:rPr lang="en-US" sz="1800" dirty="0" smtClean="0"/>
               <a:t>Probability</a:t>
             </a:r>
-            <a:endParaRPr lang="en-US" sz="1800" dirty="0" smtClean="0"/>
           </a:p>
         </p:txBody>
       </p:sp>
@@ -7125,25 +7139,6 @@
                 </a:solidFill>
               </a14:hiddenFill>
             </a:ext>
-            <a:ext uri="{91240B29-F687-4F45-9708-019B960494DF}">
-              <a14:hiddenLine xmlns:a14="http://schemas.microsoft.com/office/drawing/2010/main" w="9525">
-                <a:solidFill>
-                  <a:schemeClr val="tx1"/>
-                </a:solidFill>
-                <a:miter lim="800000"/>
-                <a:headEnd/>
-                <a:tailEnd/>
-              </a14:hiddenLine>
-            </a:ext>
-            <a:ext uri="{AF507438-7753-43E0-B8FC-AC1667EBCBE1}">
-              <a14:hiddenEffects xmlns:a14="http://schemas.microsoft.com/office/drawing/2010/main">
-                <a:effectLst>
-                  <a:outerShdw dist="35921" dir="2700000" algn="ctr" rotWithShape="0">
-                    <a:schemeClr val="bg2"/>
-                  </a:outerShdw>
-                </a:effectLst>
-              </a14:hiddenEffects>
-            </a:ext>
           </a:extLst>
         </p:spPr>
       </p:pic>
@@ -7330,25 +7325,6 @@
                   <a:schemeClr val="accent1"/>
                 </a:solidFill>
               </a14:hiddenFill>
-            </a:ext>
-            <a:ext uri="{91240B29-F687-4F45-9708-019B960494DF}">
-              <a14:hiddenLine xmlns:a14="http://schemas.microsoft.com/office/drawing/2010/main" w="9525">
-                <a:solidFill>
-                  <a:schemeClr val="tx1"/>
-                </a:solidFill>
-                <a:miter lim="800000"/>
-                <a:headEnd/>
-                <a:tailEnd/>
-              </a14:hiddenLine>
-            </a:ext>
-            <a:ext uri="{AF507438-7753-43E0-B8FC-AC1667EBCBE1}">
-              <a14:hiddenEffects xmlns:a14="http://schemas.microsoft.com/office/drawing/2010/main">
-                <a:effectLst>
-                  <a:outerShdw dist="35921" dir="2700000" algn="ctr" rotWithShape="0">
-                    <a:schemeClr val="bg2"/>
-                  </a:outerShdw>
-                </a:effectLst>
-              </a14:hiddenEffects>
             </a:ext>
           </a:extLst>
         </p:spPr>
@@ -8938,43 +8914,49 @@
         </p:nvSpPr>
         <p:spPr/>
         <p:txBody>
+          <a:bodyPr>
+            <a:normAutofit fontScale="90000"/>
+          </a:bodyPr>
+          <a:lstStyle/>
+          <a:p>
+            <a:r>
+              <a:rPr lang="en-US" dirty="0"/>
+              <a:t>Phelps and </a:t>
+            </a:r>
+            <a:r>
+              <a:rPr lang="en-US" dirty="0" err="1"/>
+              <a:t>Mushlin</a:t>
+            </a:r>
+            <a:r>
+              <a:rPr lang="en-US" dirty="0"/>
+              <a:t> approach model</a:t>
+            </a:r>
+            <a:br>
+              <a:rPr lang="en-US" dirty="0"/>
+            </a:br>
+            <a:endParaRPr lang="en-US" dirty="0"/>
+          </a:p>
+        </p:txBody>
+      </p:sp>
+      <p:sp>
+        <p:nvSpPr>
+          <p:cNvPr id="3" name="Content Placeholder 2"/>
+          <p:cNvSpPr>
+            <a:spLocks noGrp="1"/>
+          </p:cNvSpPr>
+          <p:nvPr>
+            <p:ph idx="1"/>
+          </p:nvPr>
+        </p:nvSpPr>
+        <p:spPr/>
+        <p:txBody>
           <a:bodyPr/>
           <a:lstStyle/>
           <a:p>
             <a:r>
               <a:rPr lang="en-US" dirty="0" smtClean="0"/>
-              <a:t>Level 6: Societal Efficacy</a:t>
-            </a:r>
-            <a:endParaRPr lang="en-US" dirty="0"/>
-          </a:p>
-        </p:txBody>
-      </p:sp>
-      <p:sp>
-        <p:nvSpPr>
-          <p:cNvPr id="3" name="Content Placeholder 2"/>
-          <p:cNvSpPr>
-            <a:spLocks noGrp="1"/>
-          </p:cNvSpPr>
-          <p:nvPr>
-            <p:ph idx="1"/>
-          </p:nvPr>
-        </p:nvSpPr>
-        <p:spPr/>
-        <p:txBody>
-          <a:bodyPr/>
-          <a:lstStyle/>
-          <a:p>
-            <a:r>
-              <a:rPr lang="en-US" dirty="0" smtClean="0"/>
-              <a:t>Efficient use of societal resources</a:t>
-            </a:r>
-          </a:p>
-          <a:p>
-            <a:r>
-              <a:rPr lang="en-US" dirty="0" smtClean="0"/>
-              <a:t>Introduction to new technology</a:t>
-            </a:r>
-            <a:endParaRPr lang="en-US" dirty="0"/>
+              <a:t>No diagnosis information provided. </a:t>
+            </a:r>
           </a:p>
           <a:p>
             <a:endParaRPr lang="en-US" dirty="0"/>
@@ -9045,6 +9027,975 @@
             <a:fld id="{BDA5F717-12EE-A348-A3FB-CFE8FCC4E8AC}" type="slidenum">
               <a:rPr lang="en-US" smtClean="0"/>
               <a:t>22</a:t>
+            </a:fld>
+            <a:endParaRPr lang="en-US"/>
+          </a:p>
+        </p:txBody>
+      </p:sp>
+      <p:pic>
+        <p:nvPicPr>
+          <p:cNvPr id="7" name="Picture 6"/>
+          <p:cNvPicPr>
+            <a:picLocks noChangeAspect="1"/>
+          </p:cNvPicPr>
+          <p:nvPr/>
+        </p:nvPicPr>
+        <p:blipFill>
+          <a:blip r:embed="rId2"/>
+          <a:stretch>
+            <a:fillRect/>
+          </a:stretch>
+        </p:blipFill>
+        <p:spPr>
+          <a:xfrm>
+            <a:off x="889000" y="1670143"/>
+            <a:ext cx="4614954" cy="2868755"/>
+          </a:xfrm>
+          <a:prstGeom prst="rect">
+            <a:avLst/>
+          </a:prstGeom>
+        </p:spPr>
+      </p:pic>
+      <p:pic>
+        <p:nvPicPr>
+          <p:cNvPr id="8" name="Picture 7"/>
+          <p:cNvPicPr>
+            <a:picLocks noChangeAspect="1"/>
+          </p:cNvPicPr>
+          <p:nvPr/>
+        </p:nvPicPr>
+        <p:blipFill>
+          <a:blip r:embed="rId3"/>
+          <a:stretch>
+            <a:fillRect/>
+          </a:stretch>
+        </p:blipFill>
+        <p:spPr>
+          <a:xfrm>
+            <a:off x="4940300" y="1201462"/>
+            <a:ext cx="4059146" cy="1841500"/>
+          </a:xfrm>
+          <a:prstGeom prst="rect">
+            <a:avLst/>
+          </a:prstGeom>
+        </p:spPr>
+      </p:pic>
+      <p:pic>
+        <p:nvPicPr>
+          <p:cNvPr id="9" name="Picture 8"/>
+          <p:cNvPicPr>
+            <a:picLocks noChangeAspect="1"/>
+          </p:cNvPicPr>
+          <p:nvPr/>
+        </p:nvPicPr>
+        <p:blipFill>
+          <a:blip r:embed="rId4"/>
+          <a:stretch>
+            <a:fillRect/>
+          </a:stretch>
+        </p:blipFill>
+        <p:spPr>
+          <a:xfrm>
+            <a:off x="5034602" y="3014663"/>
+            <a:ext cx="4109398" cy="1524235"/>
+          </a:xfrm>
+          <a:prstGeom prst="rect">
+            <a:avLst/>
+          </a:prstGeom>
+        </p:spPr>
+      </p:pic>
+    </p:spTree>
+    <p:extLst>
+      <p:ext uri="{BB962C8B-B14F-4D97-AF65-F5344CB8AC3E}">
+        <p14:creationId xmlns:p14="http://schemas.microsoft.com/office/powerpoint/2010/main" val="1735417676"/>
+      </p:ext>
+    </p:extLst>
+  </p:cSld>
+  <p:clrMapOvr>
+    <a:masterClrMapping/>
+  </p:clrMapOvr>
+</p:sld>
+</file>
+
+<file path=ppt/slides/slide23.xml><?xml version="1.0" encoding="utf-8"?>
+<p:sld xmlns:a="http://schemas.openxmlformats.org/drawingml/2006/main" xmlns:r="http://schemas.openxmlformats.org/officeDocument/2006/relationships" xmlns:p="http://schemas.openxmlformats.org/presentationml/2006/main">
+  <p:cSld>
+    <p:spTree>
+      <p:nvGrpSpPr>
+        <p:cNvPr id="1" name=""/>
+        <p:cNvGrpSpPr/>
+        <p:nvPr/>
+      </p:nvGrpSpPr>
+      <p:grpSpPr>
+        <a:xfrm>
+          <a:off x="0" y="0"/>
+          <a:ext cx="0" cy="0"/>
+          <a:chOff x="0" y="0"/>
+          <a:chExt cx="0" cy="0"/>
+        </a:xfrm>
+      </p:grpSpPr>
+      <p:sp>
+        <p:nvSpPr>
+          <p:cNvPr id="2" name="Title 1"/>
+          <p:cNvSpPr>
+            <a:spLocks noGrp="1"/>
+          </p:cNvSpPr>
+          <p:nvPr>
+            <p:ph type="title"/>
+          </p:nvPr>
+        </p:nvSpPr>
+        <p:spPr/>
+        <p:txBody>
+          <a:bodyPr>
+            <a:normAutofit fontScale="90000"/>
+          </a:bodyPr>
+          <a:lstStyle/>
+          <a:p>
+            <a:r>
+              <a:rPr lang="en-US" dirty="0"/>
+              <a:t>Diagnosis information provided</a:t>
+            </a:r>
+            <a:br>
+              <a:rPr lang="en-US" dirty="0"/>
+            </a:br>
+            <a:endParaRPr lang="en-US" dirty="0"/>
+          </a:p>
+        </p:txBody>
+      </p:sp>
+      <p:sp>
+        <p:nvSpPr>
+          <p:cNvPr id="4" name="Date Placeholder 3"/>
+          <p:cNvSpPr>
+            <a:spLocks noGrp="1"/>
+          </p:cNvSpPr>
+          <p:nvPr>
+            <p:ph type="dt" sz="half" idx="10"/>
+          </p:nvPr>
+        </p:nvSpPr>
+        <p:spPr/>
+        <p:txBody>
+          <a:bodyPr/>
+          <a:lstStyle/>
+          <a:p>
+            <a:r>
+              <a:rPr lang="en-US" smtClean="0"/>
+              <a:t>Sep 18 2018</a:t>
+            </a:r>
+            <a:endParaRPr lang="en-US"/>
+          </a:p>
+        </p:txBody>
+      </p:sp>
+      <p:sp>
+        <p:nvSpPr>
+          <p:cNvPr id="5" name="Footer Placeholder 4"/>
+          <p:cNvSpPr>
+            <a:spLocks noGrp="1"/>
+          </p:cNvSpPr>
+          <p:nvPr>
+            <p:ph type="ftr" sz="quarter" idx="11"/>
+          </p:nvPr>
+        </p:nvSpPr>
+        <p:spPr/>
+        <p:txBody>
+          <a:bodyPr/>
+          <a:lstStyle/>
+          <a:p>
+            <a:r>
+              <a:rPr lang="en-US" smtClean="0"/>
+              <a:t>Seminar – Fall 2018</a:t>
+            </a:r>
+            <a:endParaRPr lang="en-US"/>
+          </a:p>
+        </p:txBody>
+      </p:sp>
+      <p:sp>
+        <p:nvSpPr>
+          <p:cNvPr id="6" name="Slide Number Placeholder 5"/>
+          <p:cNvSpPr>
+            <a:spLocks noGrp="1"/>
+          </p:cNvSpPr>
+          <p:nvPr>
+            <p:ph type="sldNum" sz="quarter" idx="12"/>
+          </p:nvPr>
+        </p:nvSpPr>
+        <p:spPr/>
+        <p:txBody>
+          <a:bodyPr/>
+          <a:lstStyle/>
+          <a:p>
+            <a:fld id="{BDA5F717-12EE-A348-A3FB-CFE8FCC4E8AC}" type="slidenum">
+              <a:rPr lang="en-US" smtClean="0"/>
+              <a:t>23</a:t>
+            </a:fld>
+            <a:endParaRPr lang="en-US"/>
+          </a:p>
+        </p:txBody>
+      </p:sp>
+      <p:pic>
+        <p:nvPicPr>
+          <p:cNvPr id="7" name="Picture 6"/>
+          <p:cNvPicPr>
+            <a:picLocks noChangeAspect="1"/>
+          </p:cNvPicPr>
+          <p:nvPr/>
+        </p:nvPicPr>
+        <p:blipFill>
+          <a:blip r:embed="rId2"/>
+          <a:stretch>
+            <a:fillRect/>
+          </a:stretch>
+        </p:blipFill>
+        <p:spPr>
+          <a:xfrm>
+            <a:off x="635000" y="679485"/>
+            <a:ext cx="7708899" cy="3930615"/>
+          </a:xfrm>
+          <a:prstGeom prst="rect">
+            <a:avLst/>
+          </a:prstGeom>
+        </p:spPr>
+      </p:pic>
+    </p:spTree>
+    <p:extLst>
+      <p:ext uri="{BB962C8B-B14F-4D97-AF65-F5344CB8AC3E}">
+        <p14:creationId xmlns:p14="http://schemas.microsoft.com/office/powerpoint/2010/main" val="1205040040"/>
+      </p:ext>
+    </p:extLst>
+  </p:cSld>
+  <p:clrMapOvr>
+    <a:masterClrMapping/>
+  </p:clrMapOvr>
+</p:sld>
+</file>
+
+<file path=ppt/slides/slide24.xml><?xml version="1.0" encoding="utf-8"?>
+<p:sld xmlns:a="http://schemas.openxmlformats.org/drawingml/2006/main" xmlns:r="http://schemas.openxmlformats.org/officeDocument/2006/relationships" xmlns:p="http://schemas.openxmlformats.org/presentationml/2006/main">
+  <p:cSld>
+    <p:spTree>
+      <p:nvGrpSpPr>
+        <p:cNvPr id="1" name=""/>
+        <p:cNvGrpSpPr/>
+        <p:nvPr/>
+      </p:nvGrpSpPr>
+      <p:grpSpPr>
+        <a:xfrm>
+          <a:off x="0" y="0"/>
+          <a:ext cx="0" cy="0"/>
+          <a:chOff x="0" y="0"/>
+          <a:chExt cx="0" cy="0"/>
+        </a:xfrm>
+      </p:grpSpPr>
+      <p:sp>
+        <p:nvSpPr>
+          <p:cNvPr id="2" name="Title 1"/>
+          <p:cNvSpPr>
+            <a:spLocks noGrp="1"/>
+          </p:cNvSpPr>
+          <p:nvPr>
+            <p:ph type="title"/>
+          </p:nvPr>
+        </p:nvSpPr>
+        <p:spPr/>
+        <p:txBody>
+          <a:bodyPr/>
+          <a:lstStyle/>
+          <a:p>
+            <a:r>
+              <a:rPr lang="en-US" dirty="0" smtClean="0"/>
+              <a:t>Expected value of clinical information</a:t>
+            </a:r>
+            <a:endParaRPr lang="en-US" dirty="0"/>
+          </a:p>
+        </p:txBody>
+      </p:sp>
+      <p:pic>
+        <p:nvPicPr>
+          <p:cNvPr id="7" name="Content Placeholder 6"/>
+          <p:cNvPicPr>
+            <a:picLocks noGrp="1" noChangeAspect="1"/>
+          </p:cNvPicPr>
+          <p:nvPr>
+            <p:ph idx="1"/>
+          </p:nvPr>
+        </p:nvPicPr>
+        <p:blipFill>
+          <a:blip r:embed="rId2"/>
+          <a:stretch>
+            <a:fillRect/>
+          </a:stretch>
+        </p:blipFill>
+        <p:spPr>
+          <a:xfrm>
+            <a:off x="1846336" y="1370013"/>
+            <a:ext cx="5227491" cy="3228975"/>
+          </a:xfrm>
+          <a:prstGeom prst="rect">
+            <a:avLst/>
+          </a:prstGeom>
+        </p:spPr>
+      </p:pic>
+      <p:sp>
+        <p:nvSpPr>
+          <p:cNvPr id="4" name="Date Placeholder 3"/>
+          <p:cNvSpPr>
+            <a:spLocks noGrp="1"/>
+          </p:cNvSpPr>
+          <p:nvPr>
+            <p:ph type="dt" sz="half" idx="10"/>
+          </p:nvPr>
+        </p:nvSpPr>
+        <p:spPr/>
+        <p:txBody>
+          <a:bodyPr/>
+          <a:lstStyle/>
+          <a:p>
+            <a:r>
+              <a:rPr lang="en-US" smtClean="0"/>
+              <a:t>Sep 18 2018</a:t>
+            </a:r>
+            <a:endParaRPr lang="en-US"/>
+          </a:p>
+        </p:txBody>
+      </p:sp>
+      <p:sp>
+        <p:nvSpPr>
+          <p:cNvPr id="5" name="Footer Placeholder 4"/>
+          <p:cNvSpPr>
+            <a:spLocks noGrp="1"/>
+          </p:cNvSpPr>
+          <p:nvPr>
+            <p:ph type="ftr" sz="quarter" idx="11"/>
+          </p:nvPr>
+        </p:nvSpPr>
+        <p:spPr/>
+        <p:txBody>
+          <a:bodyPr/>
+          <a:lstStyle/>
+          <a:p>
+            <a:r>
+              <a:rPr lang="en-US" smtClean="0"/>
+              <a:t>Seminar – Fall 2018</a:t>
+            </a:r>
+            <a:endParaRPr lang="en-US"/>
+          </a:p>
+        </p:txBody>
+      </p:sp>
+      <p:sp>
+        <p:nvSpPr>
+          <p:cNvPr id="6" name="Slide Number Placeholder 5"/>
+          <p:cNvSpPr>
+            <a:spLocks noGrp="1"/>
+          </p:cNvSpPr>
+          <p:nvPr>
+            <p:ph type="sldNum" sz="quarter" idx="12"/>
+          </p:nvPr>
+        </p:nvSpPr>
+        <p:spPr/>
+        <p:txBody>
+          <a:bodyPr/>
+          <a:lstStyle/>
+          <a:p>
+            <a:fld id="{BDA5F717-12EE-A348-A3FB-CFE8FCC4E8AC}" type="slidenum">
+              <a:rPr lang="en-US" smtClean="0"/>
+              <a:t>24</a:t>
+            </a:fld>
+            <a:endParaRPr lang="en-US"/>
+          </a:p>
+        </p:txBody>
+      </p:sp>
+    </p:spTree>
+    <p:extLst>
+      <p:ext uri="{BB962C8B-B14F-4D97-AF65-F5344CB8AC3E}">
+        <p14:creationId xmlns:p14="http://schemas.microsoft.com/office/powerpoint/2010/main" val="551919174"/>
+      </p:ext>
+    </p:extLst>
+  </p:cSld>
+  <p:clrMapOvr>
+    <a:masterClrMapping/>
+  </p:clrMapOvr>
+</p:sld>
+</file>
+
+<file path=ppt/slides/slide25.xml><?xml version="1.0" encoding="utf-8"?>
+<p:sld xmlns:a="http://schemas.openxmlformats.org/drawingml/2006/main" xmlns:r="http://schemas.openxmlformats.org/officeDocument/2006/relationships" xmlns:p="http://schemas.openxmlformats.org/presentationml/2006/main">
+  <p:cSld>
+    <p:spTree>
+      <p:nvGrpSpPr>
+        <p:cNvPr id="1" name=""/>
+        <p:cNvGrpSpPr/>
+        <p:nvPr/>
+      </p:nvGrpSpPr>
+      <p:grpSpPr>
+        <a:xfrm>
+          <a:off x="0" y="0"/>
+          <a:ext cx="0" cy="0"/>
+          <a:chOff x="0" y="0"/>
+          <a:chExt cx="0" cy="0"/>
+        </a:xfrm>
+      </p:grpSpPr>
+      <p:sp>
+        <p:nvSpPr>
+          <p:cNvPr id="2" name="Title 1"/>
+          <p:cNvSpPr>
+            <a:spLocks noGrp="1"/>
+          </p:cNvSpPr>
+          <p:nvPr>
+            <p:ph type="title"/>
+          </p:nvPr>
+        </p:nvSpPr>
+        <p:spPr/>
+        <p:txBody>
+          <a:bodyPr/>
+          <a:lstStyle/>
+          <a:p>
+            <a:r>
+              <a:rPr lang="en-US" dirty="0" smtClean="0"/>
+              <a:t>Hurdle I and Hurdle II comparison</a:t>
+            </a:r>
+            <a:endParaRPr lang="en-US" dirty="0"/>
+          </a:p>
+        </p:txBody>
+      </p:sp>
+      <p:pic>
+        <p:nvPicPr>
+          <p:cNvPr id="7" name="Content Placeholder 6"/>
+          <p:cNvPicPr>
+            <a:picLocks noGrp="1" noChangeAspect="1"/>
+          </p:cNvPicPr>
+          <p:nvPr>
+            <p:ph idx="1"/>
+          </p:nvPr>
+        </p:nvPicPr>
+        <p:blipFill>
+          <a:blip r:embed="rId2"/>
+          <a:stretch>
+            <a:fillRect/>
+          </a:stretch>
+        </p:blipFill>
+        <p:spPr>
+          <a:xfrm>
+            <a:off x="1774481" y="1370013"/>
+            <a:ext cx="5371200" cy="3228975"/>
+          </a:xfrm>
+          <a:prstGeom prst="rect">
+            <a:avLst/>
+          </a:prstGeom>
+        </p:spPr>
+      </p:pic>
+      <p:sp>
+        <p:nvSpPr>
+          <p:cNvPr id="4" name="Date Placeholder 3"/>
+          <p:cNvSpPr>
+            <a:spLocks noGrp="1"/>
+          </p:cNvSpPr>
+          <p:nvPr>
+            <p:ph type="dt" sz="half" idx="10"/>
+          </p:nvPr>
+        </p:nvSpPr>
+        <p:spPr/>
+        <p:txBody>
+          <a:bodyPr/>
+          <a:lstStyle/>
+          <a:p>
+            <a:r>
+              <a:rPr lang="en-US" smtClean="0"/>
+              <a:t>Sep 18 2018</a:t>
+            </a:r>
+            <a:endParaRPr lang="en-US"/>
+          </a:p>
+        </p:txBody>
+      </p:sp>
+      <p:sp>
+        <p:nvSpPr>
+          <p:cNvPr id="5" name="Footer Placeholder 4"/>
+          <p:cNvSpPr>
+            <a:spLocks noGrp="1"/>
+          </p:cNvSpPr>
+          <p:nvPr>
+            <p:ph type="ftr" sz="quarter" idx="11"/>
+          </p:nvPr>
+        </p:nvSpPr>
+        <p:spPr/>
+        <p:txBody>
+          <a:bodyPr/>
+          <a:lstStyle/>
+          <a:p>
+            <a:r>
+              <a:rPr lang="en-US" smtClean="0"/>
+              <a:t>Seminar – Fall 2018</a:t>
+            </a:r>
+            <a:endParaRPr lang="en-US"/>
+          </a:p>
+        </p:txBody>
+      </p:sp>
+      <p:sp>
+        <p:nvSpPr>
+          <p:cNvPr id="6" name="Slide Number Placeholder 5"/>
+          <p:cNvSpPr>
+            <a:spLocks noGrp="1"/>
+          </p:cNvSpPr>
+          <p:nvPr>
+            <p:ph type="sldNum" sz="quarter" idx="12"/>
+          </p:nvPr>
+        </p:nvSpPr>
+        <p:spPr/>
+        <p:txBody>
+          <a:bodyPr/>
+          <a:lstStyle/>
+          <a:p>
+            <a:fld id="{BDA5F717-12EE-A348-A3FB-CFE8FCC4E8AC}" type="slidenum">
+              <a:rPr lang="en-US" smtClean="0"/>
+              <a:t>25</a:t>
+            </a:fld>
+            <a:endParaRPr lang="en-US"/>
+          </a:p>
+        </p:txBody>
+      </p:sp>
+    </p:spTree>
+    <p:extLst>
+      <p:ext uri="{BB962C8B-B14F-4D97-AF65-F5344CB8AC3E}">
+        <p14:creationId xmlns:p14="http://schemas.microsoft.com/office/powerpoint/2010/main" val="1123686025"/>
+      </p:ext>
+    </p:extLst>
+  </p:cSld>
+  <p:clrMapOvr>
+    <a:masterClrMapping/>
+  </p:clrMapOvr>
+</p:sld>
+</file>
+
+<file path=ppt/slides/slide26.xml><?xml version="1.0" encoding="utf-8"?>
+<p:sld xmlns:a="http://schemas.openxmlformats.org/drawingml/2006/main" xmlns:r="http://schemas.openxmlformats.org/officeDocument/2006/relationships" xmlns:p="http://schemas.openxmlformats.org/presentationml/2006/main">
+  <p:cSld>
+    <p:spTree>
+      <p:nvGrpSpPr>
+        <p:cNvPr id="1" name=""/>
+        <p:cNvGrpSpPr/>
+        <p:nvPr/>
+      </p:nvGrpSpPr>
+      <p:grpSpPr>
+        <a:xfrm>
+          <a:off x="0" y="0"/>
+          <a:ext cx="0" cy="0"/>
+          <a:chOff x="0" y="0"/>
+          <a:chExt cx="0" cy="0"/>
+        </a:xfrm>
+      </p:grpSpPr>
+      <p:sp>
+        <p:nvSpPr>
+          <p:cNvPr id="2" name="Title 1"/>
+          <p:cNvSpPr>
+            <a:spLocks noGrp="1"/>
+          </p:cNvSpPr>
+          <p:nvPr>
+            <p:ph type="title"/>
+          </p:nvPr>
+        </p:nvSpPr>
+        <p:spPr/>
+        <p:txBody>
+          <a:bodyPr/>
+          <a:lstStyle/>
+          <a:p>
+            <a:r>
+              <a:rPr lang="en-US" dirty="0" smtClean="0"/>
+              <a:t>ROC curve</a:t>
+            </a:r>
+            <a:endParaRPr lang="en-US" dirty="0"/>
+          </a:p>
+        </p:txBody>
+      </p:sp>
+      <p:pic>
+        <p:nvPicPr>
+          <p:cNvPr id="7" name="Content Placeholder 6"/>
+          <p:cNvPicPr>
+            <a:picLocks noGrp="1" noChangeAspect="1"/>
+          </p:cNvPicPr>
+          <p:nvPr>
+            <p:ph idx="1"/>
+          </p:nvPr>
+        </p:nvPicPr>
+        <p:blipFill>
+          <a:blip r:embed="rId2"/>
+          <a:stretch>
+            <a:fillRect/>
+          </a:stretch>
+        </p:blipFill>
+        <p:spPr>
+          <a:xfrm>
+            <a:off x="2555631" y="1370013"/>
+            <a:ext cx="3808901" cy="3228975"/>
+          </a:xfrm>
+          <a:prstGeom prst="rect">
+            <a:avLst/>
+          </a:prstGeom>
+        </p:spPr>
+      </p:pic>
+      <p:sp>
+        <p:nvSpPr>
+          <p:cNvPr id="4" name="Date Placeholder 3"/>
+          <p:cNvSpPr>
+            <a:spLocks noGrp="1"/>
+          </p:cNvSpPr>
+          <p:nvPr>
+            <p:ph type="dt" sz="half" idx="10"/>
+          </p:nvPr>
+        </p:nvSpPr>
+        <p:spPr/>
+        <p:txBody>
+          <a:bodyPr/>
+          <a:lstStyle/>
+          <a:p>
+            <a:r>
+              <a:rPr lang="en-US" smtClean="0"/>
+              <a:t>Sep 18 2018</a:t>
+            </a:r>
+            <a:endParaRPr lang="en-US"/>
+          </a:p>
+        </p:txBody>
+      </p:sp>
+      <p:sp>
+        <p:nvSpPr>
+          <p:cNvPr id="5" name="Footer Placeholder 4"/>
+          <p:cNvSpPr>
+            <a:spLocks noGrp="1"/>
+          </p:cNvSpPr>
+          <p:nvPr>
+            <p:ph type="ftr" sz="quarter" idx="11"/>
+          </p:nvPr>
+        </p:nvSpPr>
+        <p:spPr/>
+        <p:txBody>
+          <a:bodyPr/>
+          <a:lstStyle/>
+          <a:p>
+            <a:r>
+              <a:rPr lang="en-US" smtClean="0"/>
+              <a:t>Seminar – Fall 2018</a:t>
+            </a:r>
+            <a:endParaRPr lang="en-US"/>
+          </a:p>
+        </p:txBody>
+      </p:sp>
+      <p:sp>
+        <p:nvSpPr>
+          <p:cNvPr id="6" name="Slide Number Placeholder 5"/>
+          <p:cNvSpPr>
+            <a:spLocks noGrp="1"/>
+          </p:cNvSpPr>
+          <p:nvPr>
+            <p:ph type="sldNum" sz="quarter" idx="12"/>
+          </p:nvPr>
+        </p:nvSpPr>
+        <p:spPr/>
+        <p:txBody>
+          <a:bodyPr/>
+          <a:lstStyle/>
+          <a:p>
+            <a:fld id="{BDA5F717-12EE-A348-A3FB-CFE8FCC4E8AC}" type="slidenum">
+              <a:rPr lang="en-US" smtClean="0"/>
+              <a:t>26</a:t>
+            </a:fld>
+            <a:endParaRPr lang="en-US"/>
+          </a:p>
+        </p:txBody>
+      </p:sp>
+    </p:spTree>
+    <p:extLst>
+      <p:ext uri="{BB962C8B-B14F-4D97-AF65-F5344CB8AC3E}">
+        <p14:creationId xmlns:p14="http://schemas.microsoft.com/office/powerpoint/2010/main" val="819830457"/>
+      </p:ext>
+    </p:extLst>
+  </p:cSld>
+  <p:clrMapOvr>
+    <a:masterClrMapping/>
+  </p:clrMapOvr>
+</p:sld>
+</file>
+
+<file path=ppt/slides/slide27.xml><?xml version="1.0" encoding="utf-8"?>
+<p:sld xmlns:a="http://schemas.openxmlformats.org/drawingml/2006/main" xmlns:r="http://schemas.openxmlformats.org/officeDocument/2006/relationships" xmlns:p="http://schemas.openxmlformats.org/presentationml/2006/main">
+  <p:cSld>
+    <p:spTree>
+      <p:nvGrpSpPr>
+        <p:cNvPr id="1" name=""/>
+        <p:cNvGrpSpPr/>
+        <p:nvPr/>
+      </p:nvGrpSpPr>
+      <p:grpSpPr>
+        <a:xfrm>
+          <a:off x="0" y="0"/>
+          <a:ext cx="0" cy="0"/>
+          <a:chOff x="0" y="0"/>
+          <a:chExt cx="0" cy="0"/>
+        </a:xfrm>
+      </p:grpSpPr>
+      <p:sp>
+        <p:nvSpPr>
+          <p:cNvPr id="2" name="Title 1"/>
+          <p:cNvSpPr>
+            <a:spLocks noGrp="1"/>
+          </p:cNvSpPr>
+          <p:nvPr>
+            <p:ph type="title"/>
+          </p:nvPr>
+        </p:nvSpPr>
+        <p:spPr/>
+        <p:txBody>
+          <a:bodyPr/>
+          <a:lstStyle/>
+          <a:p>
+            <a:r>
+              <a:rPr lang="en-US" dirty="0" smtClean="0"/>
+              <a:t>Challenge Region</a:t>
+            </a:r>
+            <a:endParaRPr lang="en-US" dirty="0"/>
+          </a:p>
+        </p:txBody>
+      </p:sp>
+      <p:pic>
+        <p:nvPicPr>
+          <p:cNvPr id="7" name="Content Placeholder 6"/>
+          <p:cNvPicPr>
+            <a:picLocks noGrp="1" noChangeAspect="1"/>
+          </p:cNvPicPr>
+          <p:nvPr>
+            <p:ph idx="1"/>
+          </p:nvPr>
+        </p:nvPicPr>
+        <p:blipFill>
+          <a:blip r:embed="rId2"/>
+          <a:stretch>
+            <a:fillRect/>
+          </a:stretch>
+        </p:blipFill>
+        <p:spPr>
+          <a:xfrm>
+            <a:off x="2517415" y="1370013"/>
+            <a:ext cx="3885332" cy="3228975"/>
+          </a:xfrm>
+          <a:prstGeom prst="rect">
+            <a:avLst/>
+          </a:prstGeom>
+        </p:spPr>
+      </p:pic>
+      <p:sp>
+        <p:nvSpPr>
+          <p:cNvPr id="4" name="Date Placeholder 3"/>
+          <p:cNvSpPr>
+            <a:spLocks noGrp="1"/>
+          </p:cNvSpPr>
+          <p:nvPr>
+            <p:ph type="dt" sz="half" idx="10"/>
+          </p:nvPr>
+        </p:nvSpPr>
+        <p:spPr/>
+        <p:txBody>
+          <a:bodyPr/>
+          <a:lstStyle/>
+          <a:p>
+            <a:r>
+              <a:rPr lang="en-US" smtClean="0"/>
+              <a:t>Sep 18 2018</a:t>
+            </a:r>
+            <a:endParaRPr lang="en-US"/>
+          </a:p>
+        </p:txBody>
+      </p:sp>
+      <p:sp>
+        <p:nvSpPr>
+          <p:cNvPr id="5" name="Footer Placeholder 4"/>
+          <p:cNvSpPr>
+            <a:spLocks noGrp="1"/>
+          </p:cNvSpPr>
+          <p:nvPr>
+            <p:ph type="ftr" sz="quarter" idx="11"/>
+          </p:nvPr>
+        </p:nvSpPr>
+        <p:spPr/>
+        <p:txBody>
+          <a:bodyPr/>
+          <a:lstStyle/>
+          <a:p>
+            <a:r>
+              <a:rPr lang="en-US" smtClean="0"/>
+              <a:t>Seminar – Fall 2018</a:t>
+            </a:r>
+            <a:endParaRPr lang="en-US"/>
+          </a:p>
+        </p:txBody>
+      </p:sp>
+      <p:sp>
+        <p:nvSpPr>
+          <p:cNvPr id="6" name="Slide Number Placeholder 5"/>
+          <p:cNvSpPr>
+            <a:spLocks noGrp="1"/>
+          </p:cNvSpPr>
+          <p:nvPr>
+            <p:ph type="sldNum" sz="quarter" idx="12"/>
+          </p:nvPr>
+        </p:nvSpPr>
+        <p:spPr/>
+        <p:txBody>
+          <a:bodyPr/>
+          <a:lstStyle/>
+          <a:p>
+            <a:fld id="{BDA5F717-12EE-A348-A3FB-CFE8FCC4E8AC}" type="slidenum">
+              <a:rPr lang="en-US" smtClean="0"/>
+              <a:t>27</a:t>
+            </a:fld>
+            <a:endParaRPr lang="en-US"/>
+          </a:p>
+        </p:txBody>
+      </p:sp>
+    </p:spTree>
+    <p:extLst>
+      <p:ext uri="{BB962C8B-B14F-4D97-AF65-F5344CB8AC3E}">
+        <p14:creationId xmlns:p14="http://schemas.microsoft.com/office/powerpoint/2010/main" val="635411647"/>
+      </p:ext>
+    </p:extLst>
+  </p:cSld>
+  <p:clrMapOvr>
+    <a:masterClrMapping/>
+  </p:clrMapOvr>
+</p:sld>
+</file>
+
+<file path=ppt/slides/slide28.xml><?xml version="1.0" encoding="utf-8"?>
+<p:sld xmlns:a="http://schemas.openxmlformats.org/drawingml/2006/main" xmlns:r="http://schemas.openxmlformats.org/officeDocument/2006/relationships" xmlns:p="http://schemas.openxmlformats.org/presentationml/2006/main">
+  <p:cSld>
+    <p:spTree>
+      <p:nvGrpSpPr>
+        <p:cNvPr id="1" name=""/>
+        <p:cNvGrpSpPr/>
+        <p:nvPr/>
+      </p:nvGrpSpPr>
+      <p:grpSpPr>
+        <a:xfrm>
+          <a:off x="0" y="0"/>
+          <a:ext cx="0" cy="0"/>
+          <a:chOff x="0" y="0"/>
+          <a:chExt cx="0" cy="0"/>
+        </a:xfrm>
+      </p:grpSpPr>
+      <p:sp>
+        <p:nvSpPr>
+          <p:cNvPr id="2" name="Title 1"/>
+          <p:cNvSpPr>
+            <a:spLocks noGrp="1"/>
+          </p:cNvSpPr>
+          <p:nvPr>
+            <p:ph type="title"/>
+          </p:nvPr>
+        </p:nvSpPr>
+        <p:spPr/>
+        <p:txBody>
+          <a:bodyPr/>
+          <a:lstStyle/>
+          <a:p>
+            <a:r>
+              <a:rPr lang="en-US" dirty="0" smtClean="0"/>
+              <a:t>Level 6: Societal Efficacy</a:t>
+            </a:r>
+            <a:endParaRPr lang="en-US" dirty="0"/>
+          </a:p>
+        </p:txBody>
+      </p:sp>
+      <p:sp>
+        <p:nvSpPr>
+          <p:cNvPr id="3" name="Content Placeholder 2"/>
+          <p:cNvSpPr>
+            <a:spLocks noGrp="1"/>
+          </p:cNvSpPr>
+          <p:nvPr>
+            <p:ph idx="1"/>
+          </p:nvPr>
+        </p:nvSpPr>
+        <p:spPr/>
+        <p:txBody>
+          <a:bodyPr/>
+          <a:lstStyle/>
+          <a:p>
+            <a:r>
+              <a:rPr lang="en-US" dirty="0" smtClean="0"/>
+              <a:t>Efficient use of societal resources</a:t>
+            </a:r>
+          </a:p>
+          <a:p>
+            <a:r>
+              <a:rPr lang="en-US" dirty="0" smtClean="0"/>
+              <a:t>Introduction to new technology</a:t>
+            </a:r>
+            <a:endParaRPr lang="en-US" dirty="0"/>
+          </a:p>
+          <a:p>
+            <a:endParaRPr lang="en-US" dirty="0"/>
+          </a:p>
+        </p:txBody>
+      </p:sp>
+      <p:sp>
+        <p:nvSpPr>
+          <p:cNvPr id="4" name="Date Placeholder 3"/>
+          <p:cNvSpPr>
+            <a:spLocks noGrp="1"/>
+          </p:cNvSpPr>
+          <p:nvPr>
+            <p:ph type="dt" sz="half" idx="10"/>
+          </p:nvPr>
+        </p:nvSpPr>
+        <p:spPr/>
+        <p:txBody>
+          <a:bodyPr/>
+          <a:lstStyle/>
+          <a:p>
+            <a:r>
+              <a:rPr lang="en-US" smtClean="0"/>
+              <a:t>Sep 18 2018</a:t>
+            </a:r>
+            <a:endParaRPr lang="en-US"/>
+          </a:p>
+        </p:txBody>
+      </p:sp>
+      <p:sp>
+        <p:nvSpPr>
+          <p:cNvPr id="5" name="Footer Placeholder 4"/>
+          <p:cNvSpPr>
+            <a:spLocks noGrp="1"/>
+          </p:cNvSpPr>
+          <p:nvPr>
+            <p:ph type="ftr" sz="quarter" idx="11"/>
+          </p:nvPr>
+        </p:nvSpPr>
+        <p:spPr/>
+        <p:txBody>
+          <a:bodyPr/>
+          <a:lstStyle/>
+          <a:p>
+            <a:r>
+              <a:rPr lang="en-US" smtClean="0"/>
+              <a:t>Seminar – Fall 2018</a:t>
+            </a:r>
+            <a:endParaRPr lang="en-US"/>
+          </a:p>
+        </p:txBody>
+      </p:sp>
+      <p:sp>
+        <p:nvSpPr>
+          <p:cNvPr id="6" name="Slide Number Placeholder 5"/>
+          <p:cNvSpPr>
+            <a:spLocks noGrp="1"/>
+          </p:cNvSpPr>
+          <p:nvPr>
+            <p:ph type="sldNum" sz="quarter" idx="12"/>
+          </p:nvPr>
+        </p:nvSpPr>
+        <p:spPr/>
+        <p:txBody>
+          <a:bodyPr/>
+          <a:lstStyle/>
+          <a:p>
+            <a:fld id="{BDA5F717-12EE-A348-A3FB-CFE8FCC4E8AC}" type="slidenum">
+              <a:rPr lang="en-US" smtClean="0"/>
+              <a:t>28</a:t>
             </a:fld>
             <a:endParaRPr lang="en-US"/>
           </a:p>
@@ -9070,7 +10021,7 @@
 </p:sld>
 </file>
 
-<file path=ppt/slides/slide23.xml><?xml version="1.0" encoding="utf-8"?>
+<file path=ppt/slides/slide29.xml><?xml version="1.0" encoding="utf-8"?>
 <p:sld xmlns:a="http://schemas.openxmlformats.org/drawingml/2006/main" xmlns:r="http://schemas.openxmlformats.org/officeDocument/2006/relationships" xmlns:p="http://schemas.openxmlformats.org/presentationml/2006/main">
   <p:cSld>
     <p:spTree>
@@ -9089,7 +10040,7 @@
       </p:grpSpPr>
       <p:sp>
         <p:nvSpPr>
-          <p:cNvPr id="2" name="Title 1"/>
+          <p:cNvPr id="13" name="Title 12"/>
           <p:cNvSpPr>
             <a:spLocks noGrp="1"/>
           </p:cNvSpPr>
@@ -9103,66 +10054,49 @@
           <a:lstStyle/>
           <a:p>
             <a:r>
+              <a:rPr lang="en-US" dirty="0"/>
+              <a:t>Conclusion</a:t>
+            </a:r>
+          </a:p>
+        </p:txBody>
+      </p:sp>
+      <p:sp>
+        <p:nvSpPr>
+          <p:cNvPr id="14" name="Content Placeholder 13"/>
+          <p:cNvSpPr>
+            <a:spLocks noGrp="1"/>
+          </p:cNvSpPr>
+          <p:nvPr>
+            <p:ph idx="1"/>
+          </p:nvPr>
+        </p:nvSpPr>
+        <p:spPr/>
+        <p:txBody>
+          <a:bodyPr/>
+          <a:lstStyle/>
+          <a:p>
+            <a:endParaRPr lang="en-US" dirty="0" smtClean="0"/>
+          </a:p>
+          <a:p>
+            <a:r>
               <a:rPr lang="en-US" dirty="0" smtClean="0"/>
-              <a:t>Efficacy -&gt; Cost Effectiveness</a:t>
-            </a:r>
+              <a:t>Efficacy model evaluates diagnosis imaging in the whole process of patient treatment.  </a:t>
+            </a:r>
+          </a:p>
+          <a:p>
+            <a:r>
+              <a:rPr lang="en-US" dirty="0" smtClean="0"/>
+              <a:t>More research has been conducted in Level 1 and 2.</a:t>
+            </a:r>
+          </a:p>
+          <a:p>
             <a:endParaRPr lang="en-US" dirty="0"/>
           </a:p>
         </p:txBody>
       </p:sp>
       <p:sp>
         <p:nvSpPr>
-          <p:cNvPr id="3" name="Content Placeholder 2"/>
-          <p:cNvSpPr>
-            <a:spLocks noGrp="1"/>
-          </p:cNvSpPr>
-          <p:nvPr>
-            <p:ph idx="1"/>
-          </p:nvPr>
-        </p:nvSpPr>
-        <p:spPr/>
-        <p:txBody>
-          <a:bodyPr/>
-          <a:lstStyle/>
-          <a:p>
-            <a:r>
-              <a:rPr lang="en-US" dirty="0"/>
-              <a:t>Phelps and </a:t>
-            </a:r>
-            <a:r>
-              <a:rPr lang="en-US" dirty="0" err="1"/>
-              <a:t>Mushlin</a:t>
-            </a:r>
-            <a:r>
-              <a:rPr lang="en-US" dirty="0"/>
-              <a:t> </a:t>
-            </a:r>
-            <a:r>
-              <a:rPr lang="en-US" dirty="0" smtClean="0"/>
-              <a:t>approach</a:t>
-            </a:r>
-            <a:r>
-              <a:rPr lang="en-US" dirty="0"/>
-              <a:t> </a:t>
-            </a:r>
-            <a:r>
-              <a:rPr lang="en-US" dirty="0" smtClean="0"/>
-              <a:t>model</a:t>
-            </a:r>
-          </a:p>
-          <a:p>
-            <a:pPr lvl="1"/>
-            <a:r>
-              <a:rPr lang="en-US" dirty="0" smtClean="0"/>
-              <a:t>Dollars per QALY</a:t>
-            </a:r>
-            <a:endParaRPr lang="en-US" dirty="0"/>
-          </a:p>
-        </p:txBody>
-      </p:sp>
-      <p:sp>
-        <p:nvSpPr>
-          <p:cNvPr id="4" name="Date Placeholder 3"/>
+          <p:cNvPr id="7" name="Date Placeholder 6"/>
           <p:cNvSpPr>
             <a:spLocks noGrp="1"/>
           </p:cNvSpPr>
@@ -9179,13 +10113,13 @@
               <a:rPr lang="en-US" smtClean="0"/>
               <a:t>Sep 18 2018</a:t>
             </a:r>
-            <a:endParaRPr lang="en-US"/>
-          </a:p>
-        </p:txBody>
-      </p:sp>
-      <p:sp>
-        <p:nvSpPr>
-          <p:cNvPr id="5" name="Footer Placeholder 4"/>
+            <a:endParaRPr lang="en-US" dirty="0"/>
+          </a:p>
+        </p:txBody>
+      </p:sp>
+      <p:sp>
+        <p:nvSpPr>
+          <p:cNvPr id="8" name="Footer Placeholder 7"/>
           <p:cNvSpPr>
             <a:spLocks noGrp="1"/>
           </p:cNvSpPr>
@@ -9202,13 +10136,13 @@
               <a:rPr lang="en-US" smtClean="0"/>
               <a:t>Seminar – Fall 2018</a:t>
             </a:r>
-            <a:endParaRPr lang="en-US"/>
-          </a:p>
-        </p:txBody>
-      </p:sp>
-      <p:sp>
-        <p:nvSpPr>
-          <p:cNvPr id="6" name="Slide Number Placeholder 5"/>
+            <a:endParaRPr lang="en-US" dirty="0"/>
+          </a:p>
+        </p:txBody>
+      </p:sp>
+      <p:sp>
+        <p:nvSpPr>
+          <p:cNvPr id="9" name="Slide Number Placeholder 8"/>
           <p:cNvSpPr>
             <a:spLocks noGrp="1"/>
           </p:cNvSpPr>
@@ -9223,169 +10157,7 @@
           <a:p>
             <a:fld id="{BDA5F717-12EE-A348-A3FB-CFE8FCC4E8AC}" type="slidenum">
               <a:rPr lang="en-US" smtClean="0"/>
-              <a:t>23</a:t>
-            </a:fld>
-            <a:endParaRPr lang="en-US"/>
-          </a:p>
-        </p:txBody>
-      </p:sp>
-    </p:spTree>
-    <p:extLst>
-      <p:ext uri="{BB962C8B-B14F-4D97-AF65-F5344CB8AC3E}">
-        <p14:creationId xmlns:p14="http://schemas.microsoft.com/office/powerpoint/2010/main" val="964978674"/>
-      </p:ext>
-    </p:extLst>
-  </p:cSld>
-  <p:clrMapOvr>
-    <a:masterClrMapping/>
-  </p:clrMapOvr>
-  <p:timing>
-    <p:tnLst>
-      <p:par>
-        <p:cTn id="1" dur="indefinite" restart="never" nodeType="tmRoot"/>
-      </p:par>
-    </p:tnLst>
-  </p:timing>
-</p:sld>
-</file>
-
-<file path=ppt/slides/slide24.xml><?xml version="1.0" encoding="utf-8"?>
-<p:sld xmlns:a="http://schemas.openxmlformats.org/drawingml/2006/main" xmlns:r="http://schemas.openxmlformats.org/officeDocument/2006/relationships" xmlns:p="http://schemas.openxmlformats.org/presentationml/2006/main">
-  <p:cSld>
-    <p:spTree>
-      <p:nvGrpSpPr>
-        <p:cNvPr id="1" name=""/>
-        <p:cNvGrpSpPr/>
-        <p:nvPr/>
-      </p:nvGrpSpPr>
-      <p:grpSpPr>
-        <a:xfrm>
-          <a:off x="0" y="0"/>
-          <a:ext cx="0" cy="0"/>
-          <a:chOff x="0" y="0"/>
-          <a:chExt cx="0" cy="0"/>
-        </a:xfrm>
-      </p:grpSpPr>
-      <p:sp>
-        <p:nvSpPr>
-          <p:cNvPr id="13" name="Title 12"/>
-          <p:cNvSpPr>
-            <a:spLocks noGrp="1"/>
-          </p:cNvSpPr>
-          <p:nvPr>
-            <p:ph type="title"/>
-          </p:nvPr>
-        </p:nvSpPr>
-        <p:spPr/>
-        <p:txBody>
-          <a:bodyPr/>
-          <a:lstStyle/>
-          <a:p>
-            <a:r>
-              <a:rPr lang="en-US" dirty="0"/>
-              <a:t>Conclusion</a:t>
-            </a:r>
-          </a:p>
-        </p:txBody>
-      </p:sp>
-      <p:sp>
-        <p:nvSpPr>
-          <p:cNvPr id="14" name="Content Placeholder 13"/>
-          <p:cNvSpPr>
-            <a:spLocks noGrp="1"/>
-          </p:cNvSpPr>
-          <p:nvPr>
-            <p:ph idx="1"/>
-          </p:nvPr>
-        </p:nvSpPr>
-        <p:spPr/>
-        <p:txBody>
-          <a:bodyPr/>
-          <a:lstStyle/>
-          <a:p>
-            <a:endParaRPr lang="en-US" dirty="0" smtClean="0"/>
-          </a:p>
-          <a:p>
-            <a:r>
-              <a:rPr lang="en-US" dirty="0" smtClean="0"/>
-              <a:t>Efficacy model evaluates diagnosis imaging in the whole process of patient treatment.  </a:t>
-            </a:r>
-          </a:p>
-          <a:p>
-            <a:r>
-              <a:rPr lang="en-US" dirty="0" smtClean="0"/>
-              <a:t>More research has been conducted in Level 1 and 2.</a:t>
-            </a:r>
-          </a:p>
-          <a:p>
-            <a:endParaRPr lang="en-US" dirty="0"/>
-          </a:p>
-        </p:txBody>
-      </p:sp>
-      <p:sp>
-        <p:nvSpPr>
-          <p:cNvPr id="7" name="Date Placeholder 6"/>
-          <p:cNvSpPr>
-            <a:spLocks noGrp="1"/>
-          </p:cNvSpPr>
-          <p:nvPr>
-            <p:ph type="dt" sz="half" idx="10"/>
-          </p:nvPr>
-        </p:nvSpPr>
-        <p:spPr/>
-        <p:txBody>
-          <a:bodyPr/>
-          <a:lstStyle/>
-          <a:p>
-            <a:r>
-              <a:rPr lang="en-US" smtClean="0"/>
-              <a:t>Sep 18 2018</a:t>
-            </a:r>
-            <a:endParaRPr lang="en-US" dirty="0"/>
-          </a:p>
-        </p:txBody>
-      </p:sp>
-      <p:sp>
-        <p:nvSpPr>
-          <p:cNvPr id="8" name="Footer Placeholder 7"/>
-          <p:cNvSpPr>
-            <a:spLocks noGrp="1"/>
-          </p:cNvSpPr>
-          <p:nvPr>
-            <p:ph type="ftr" sz="quarter" idx="11"/>
-          </p:nvPr>
-        </p:nvSpPr>
-        <p:spPr/>
-        <p:txBody>
-          <a:bodyPr/>
-          <a:lstStyle/>
-          <a:p>
-            <a:r>
-              <a:rPr lang="en-US" smtClean="0"/>
-              <a:t>Seminar – Fall 2018</a:t>
-            </a:r>
-            <a:endParaRPr lang="en-US" dirty="0"/>
-          </a:p>
-        </p:txBody>
-      </p:sp>
-      <p:sp>
-        <p:nvSpPr>
-          <p:cNvPr id="9" name="Slide Number Placeholder 8"/>
-          <p:cNvSpPr>
-            <a:spLocks noGrp="1"/>
-          </p:cNvSpPr>
-          <p:nvPr>
-            <p:ph type="sldNum" sz="quarter" idx="12"/>
-          </p:nvPr>
-        </p:nvSpPr>
-        <p:spPr/>
-        <p:txBody>
-          <a:bodyPr/>
-          <a:lstStyle/>
-          <a:p>
-            <a:fld id="{BDA5F717-12EE-A348-A3FB-CFE8FCC4E8AC}" type="slidenum">
-              <a:rPr lang="en-US" smtClean="0"/>
-              <a:t>24</a:t>
+              <a:t>29</a:t>
             </a:fld>
             <a:endParaRPr lang="en-US"/>
           </a:p>
@@ -9638,504 +10410,6 @@
     </p:tnLst>
     <p:bldLst>
       <p:bldP spid="14" grpId="0" build="p"/>
-    </p:bldLst>
-  </p:timing>
-</p:sld>
-</file>
-
-<file path=ppt/slides/slide25.xml><?xml version="1.0" encoding="utf-8"?>
-<p:sld xmlns:a="http://schemas.openxmlformats.org/drawingml/2006/main" xmlns:r="http://schemas.openxmlformats.org/officeDocument/2006/relationships" xmlns:p="http://schemas.openxmlformats.org/presentationml/2006/main">
-  <p:cSld>
-    <p:spTree>
-      <p:nvGrpSpPr>
-        <p:cNvPr id="1" name=""/>
-        <p:cNvGrpSpPr/>
-        <p:nvPr/>
-      </p:nvGrpSpPr>
-      <p:grpSpPr>
-        <a:xfrm>
-          <a:off x="0" y="0"/>
-          <a:ext cx="0" cy="0"/>
-          <a:chOff x="0" y="0"/>
-          <a:chExt cx="0" cy="0"/>
-        </a:xfrm>
-      </p:grpSpPr>
-      <p:sp>
-        <p:nvSpPr>
-          <p:cNvPr id="2" name="Title 1"/>
-          <p:cNvSpPr>
-            <a:spLocks noGrp="1"/>
-          </p:cNvSpPr>
-          <p:nvPr>
-            <p:ph type="title"/>
-          </p:nvPr>
-        </p:nvSpPr>
-        <p:spPr/>
-        <p:txBody>
-          <a:bodyPr/>
-          <a:lstStyle/>
-          <a:p>
-            <a:r>
-              <a:rPr lang="en-US" dirty="0" smtClean="0"/>
-              <a:t>References</a:t>
-            </a:r>
-            <a:endParaRPr lang="en-US" dirty="0"/>
-          </a:p>
-        </p:txBody>
-      </p:sp>
-      <p:sp>
-        <p:nvSpPr>
-          <p:cNvPr id="3" name="Content Placeholder 2"/>
-          <p:cNvSpPr>
-            <a:spLocks noGrp="1"/>
-          </p:cNvSpPr>
-          <p:nvPr>
-            <p:ph idx="1"/>
-          </p:nvPr>
-        </p:nvSpPr>
-        <p:spPr/>
-        <p:txBody>
-          <a:bodyPr>
-            <a:normAutofit fontScale="70000" lnSpcReduction="20000"/>
-          </a:bodyPr>
-          <a:lstStyle/>
-          <a:p>
-            <a:r>
-              <a:rPr lang="en-US" dirty="0" smtClean="0"/>
-              <a:t>[1] </a:t>
-            </a:r>
-            <a:r>
-              <a:rPr lang="en-US" b="0" dirty="0"/>
-              <a:t>Gazelle, G. Scott, et al. "A framework for assessing the value of diagnostic imaging in the era of comparative effectiveness research." </a:t>
-            </a:r>
-            <a:r>
-              <a:rPr lang="en-US" b="0" i="1" dirty="0"/>
-              <a:t>Radiology</a:t>
-            </a:r>
-            <a:r>
-              <a:rPr lang="en-US" b="0" dirty="0"/>
-              <a:t> 261.3 (2011): 692-698.</a:t>
-            </a:r>
-            <a:endParaRPr lang="en-US" dirty="0" smtClean="0"/>
-          </a:p>
-          <a:p>
-            <a:r>
-              <a:rPr lang="en-US" dirty="0" smtClean="0"/>
-              <a:t>[2] </a:t>
-            </a:r>
-            <a:r>
-              <a:rPr lang="en-US" b="0" dirty="0"/>
-              <a:t>Lord, Sarah J., Les </a:t>
-            </a:r>
-            <a:r>
-              <a:rPr lang="en-US" b="0" dirty="0" err="1"/>
-              <a:t>Irwig</a:t>
-            </a:r>
-            <a:r>
-              <a:rPr lang="en-US" b="0" dirty="0"/>
-              <a:t>, and R. John </a:t>
-            </a:r>
-            <a:r>
-              <a:rPr lang="en-US" b="0" dirty="0" err="1"/>
-              <a:t>Simes</a:t>
-            </a:r>
-            <a:r>
-              <a:rPr lang="en-US" b="0" dirty="0"/>
-              <a:t>. "When is measuring sensitivity and specificity sufficient to evaluate a diagnostic test, and when do we need randomized trials?." </a:t>
-            </a:r>
-            <a:r>
-              <a:rPr lang="en-US" b="0" i="1" dirty="0"/>
-              <a:t>Annals of internal medicine</a:t>
-            </a:r>
-            <a:r>
-              <a:rPr lang="en-US" b="0" dirty="0"/>
-              <a:t> 144.11 (2006): 850-855.</a:t>
-            </a:r>
-            <a:endParaRPr lang="en-US" dirty="0" smtClean="0"/>
-          </a:p>
-          <a:p>
-            <a:r>
-              <a:rPr lang="en-US" dirty="0" smtClean="0"/>
-              <a:t>[3]</a:t>
-            </a:r>
-            <a:r>
-              <a:rPr lang="en-US" b="0" dirty="0"/>
-              <a:t> Verhaegen, </a:t>
-            </a:r>
-            <a:r>
-              <a:rPr lang="en-US" b="0" dirty="0" err="1"/>
-              <a:t>Jorine</a:t>
-            </a:r>
-            <a:r>
-              <a:rPr lang="en-US" b="0" dirty="0"/>
-              <a:t>, et al. "Accuracy of single progesterone test to predict early pregnancy outcome in women with pain or bleeding: meta-analysis of cohort studies." </a:t>
-            </a:r>
-            <a:r>
-              <a:rPr lang="en-US" b="0" i="1" dirty="0" err="1"/>
-              <a:t>Bmj</a:t>
-            </a:r>
-            <a:r>
-              <a:rPr lang="en-US" b="0" dirty="0"/>
-              <a:t> 345 (2012): e6077.</a:t>
-            </a:r>
-            <a:endParaRPr lang="en-US" dirty="0" smtClean="0"/>
-          </a:p>
-          <a:p>
-            <a:r>
-              <a:rPr lang="en-US" dirty="0" smtClean="0"/>
-              <a:t>[4]</a:t>
-            </a:r>
-            <a:r>
-              <a:rPr lang="en-US" b="0" dirty="0"/>
-              <a:t> </a:t>
-            </a:r>
-            <a:r>
-              <a:rPr lang="en-US" b="0" dirty="0" err="1"/>
-              <a:t>Aboyans</a:t>
-            </a:r>
-            <a:r>
-              <a:rPr lang="en-US" b="0" dirty="0"/>
-              <a:t>, Victor, et al. "2017 ESC Guidelines on the Diagnosis and Treatment of Peripheral Arterial Diseases, in collaboration with the European Society for Vascular Surgery (ESVS) Document covering atherosclerotic disease of extracranial carotid and vertebral, mesenteric, renal, upper and lower extremity arteries Endorsed by: the European Stroke Organization (ESO) The Task Force for the Diagnosis and Treatment of Peripheral Arterial Diseases of the European Society of Cardiology (ESC) and of the European Society for Vascular ...." </a:t>
-            </a:r>
-            <a:r>
-              <a:rPr lang="en-US" b="0" i="1" dirty="0"/>
-              <a:t>European heart journal</a:t>
-            </a:r>
-            <a:r>
-              <a:rPr lang="en-US" b="0" dirty="0"/>
-              <a:t> 39.9 (2017): 763-816.</a:t>
-            </a:r>
-            <a:endParaRPr lang="en-US" dirty="0" smtClean="0"/>
-          </a:p>
-          <a:p>
-            <a:r>
-              <a:rPr lang="en-US" dirty="0" smtClean="0"/>
-              <a:t>[5]</a:t>
-            </a:r>
-            <a:r>
-              <a:rPr lang="en-US" b="0" dirty="0"/>
-              <a:t> Met, Rosemarie, et al. "Diagnostic performance of computed tomography angiography in peripheral arterial disease: a systematic review and meta-analysis." </a:t>
-            </a:r>
-            <a:r>
-              <a:rPr lang="en-US" b="0" i="1" dirty="0"/>
-              <a:t>Jama</a:t>
-            </a:r>
-            <a:r>
-              <a:rPr lang="en-US" b="0" dirty="0"/>
-              <a:t> 301.4 (2009): 415-424.</a:t>
-            </a:r>
-            <a:endParaRPr lang="en-US" dirty="0"/>
-          </a:p>
-        </p:txBody>
-      </p:sp>
-      <p:sp>
-        <p:nvSpPr>
-          <p:cNvPr id="4" name="Date Placeholder 3"/>
-          <p:cNvSpPr>
-            <a:spLocks noGrp="1"/>
-          </p:cNvSpPr>
-          <p:nvPr>
-            <p:ph type="dt" sz="half" idx="10"/>
-          </p:nvPr>
-        </p:nvSpPr>
-        <p:spPr/>
-        <p:txBody>
-          <a:bodyPr/>
-          <a:lstStyle/>
-          <a:p>
-            <a:r>
-              <a:rPr lang="en-US" smtClean="0"/>
-              <a:t>Sep 18 2018</a:t>
-            </a:r>
-            <a:endParaRPr lang="en-US"/>
-          </a:p>
-        </p:txBody>
-      </p:sp>
-      <p:sp>
-        <p:nvSpPr>
-          <p:cNvPr id="5" name="Footer Placeholder 4"/>
-          <p:cNvSpPr>
-            <a:spLocks noGrp="1"/>
-          </p:cNvSpPr>
-          <p:nvPr>
-            <p:ph type="ftr" sz="quarter" idx="11"/>
-          </p:nvPr>
-        </p:nvSpPr>
-        <p:spPr/>
-        <p:txBody>
-          <a:bodyPr/>
-          <a:lstStyle/>
-          <a:p>
-            <a:r>
-              <a:rPr lang="en-US" smtClean="0"/>
-              <a:t>Seminar – Fall 2018</a:t>
-            </a:r>
-            <a:endParaRPr lang="en-US"/>
-          </a:p>
-        </p:txBody>
-      </p:sp>
-      <p:sp>
-        <p:nvSpPr>
-          <p:cNvPr id="6" name="Slide Number Placeholder 5"/>
-          <p:cNvSpPr>
-            <a:spLocks noGrp="1"/>
-          </p:cNvSpPr>
-          <p:nvPr>
-            <p:ph type="sldNum" sz="quarter" idx="12"/>
-          </p:nvPr>
-        </p:nvSpPr>
-        <p:spPr/>
-        <p:txBody>
-          <a:bodyPr/>
-          <a:lstStyle/>
-          <a:p>
-            <a:fld id="{BDA5F717-12EE-A348-A3FB-CFE8FCC4E8AC}" type="slidenum">
-              <a:rPr lang="en-US" smtClean="0"/>
-              <a:t>25</a:t>
-            </a:fld>
-            <a:endParaRPr lang="en-US"/>
-          </a:p>
-        </p:txBody>
-      </p:sp>
-    </p:spTree>
-    <p:extLst>
-      <p:ext uri="{BB962C8B-B14F-4D97-AF65-F5344CB8AC3E}">
-        <p14:creationId xmlns:p14="http://schemas.microsoft.com/office/powerpoint/2010/main" val="742205383"/>
-      </p:ext>
-    </p:extLst>
-  </p:cSld>
-  <p:clrMapOvr>
-    <a:masterClrMapping/>
-  </p:clrMapOvr>
-  <p:timing>
-    <p:tnLst>
-      <p:par>
-        <p:cTn id="1" dur="indefinite" restart="never" nodeType="tmRoot"/>
-      </p:par>
-    </p:tnLst>
-  </p:timing>
-</p:sld>
-</file>
-
-<file path=ppt/slides/slide26.xml><?xml version="1.0" encoding="utf-8"?>
-<p:sld xmlns:a="http://schemas.openxmlformats.org/drawingml/2006/main" xmlns:r="http://schemas.openxmlformats.org/officeDocument/2006/relationships" xmlns:p="http://schemas.openxmlformats.org/presentationml/2006/main">
-  <p:cSld>
-    <p:spTree>
-      <p:nvGrpSpPr>
-        <p:cNvPr id="1" name=""/>
-        <p:cNvGrpSpPr/>
-        <p:nvPr/>
-      </p:nvGrpSpPr>
-      <p:grpSpPr>
-        <a:xfrm>
-          <a:off x="0" y="0"/>
-          <a:ext cx="0" cy="0"/>
-          <a:chOff x="0" y="0"/>
-          <a:chExt cx="0" cy="0"/>
-        </a:xfrm>
-      </p:grpSpPr>
-      <p:sp>
-        <p:nvSpPr>
-          <p:cNvPr id="2" name="Title 1"/>
-          <p:cNvSpPr>
-            <a:spLocks noGrp="1"/>
-          </p:cNvSpPr>
-          <p:nvPr>
-            <p:ph type="title"/>
-          </p:nvPr>
-        </p:nvSpPr>
-        <p:spPr>
-          <a:xfrm>
-            <a:off x="2753242" y="897511"/>
-            <a:ext cx="3788960" cy="2848989"/>
-          </a:xfrm>
-        </p:spPr>
-        <p:txBody>
-          <a:bodyPr>
-            <a:normAutofit/>
-          </a:bodyPr>
-          <a:lstStyle/>
-          <a:p>
-            <a:pPr algn="ctr"/>
-            <a:r>
-              <a:rPr lang="en-US" dirty="0" smtClean="0"/>
-              <a:t>Q&amp;A </a:t>
-            </a:r>
-            <a:br>
-              <a:rPr lang="en-US" dirty="0" smtClean="0"/>
-            </a:br>
-            <a:r>
-              <a:rPr lang="en-US" dirty="0" smtClean="0"/>
-              <a:t>THANK </a:t>
-            </a:r>
-            <a:r>
-              <a:rPr lang="en-US" dirty="0"/>
-              <a:t>YOU</a:t>
-            </a:r>
-          </a:p>
-        </p:txBody>
-      </p:sp>
-      <p:sp>
-        <p:nvSpPr>
-          <p:cNvPr id="4" name="Slide Number Placeholder 3"/>
-          <p:cNvSpPr>
-            <a:spLocks noGrp="1"/>
-          </p:cNvSpPr>
-          <p:nvPr>
-            <p:ph type="sldNum" idx="12"/>
-          </p:nvPr>
-        </p:nvSpPr>
-        <p:spPr>
-          <a:xfrm>
-            <a:off x="8043483" y="4790435"/>
-            <a:ext cx="459783" cy="275179"/>
-          </a:xfrm>
-        </p:spPr>
-        <p:txBody>
-          <a:bodyPr/>
-          <a:lstStyle/>
-          <a:p>
-            <a:fld id="{00000000-1234-1234-1234-123412341234}" type="slidenum">
-              <a:rPr lang="en" smtClean="0"/>
-              <a:pPr/>
-              <a:t>26</a:t>
-            </a:fld>
-            <a:endParaRPr lang="en" dirty="0"/>
-          </a:p>
-        </p:txBody>
-      </p:sp>
-    </p:spTree>
-    <p:extLst>
-      <p:ext uri="{BB962C8B-B14F-4D97-AF65-F5344CB8AC3E}">
-        <p14:creationId xmlns:p14="http://schemas.microsoft.com/office/powerpoint/2010/main" val="1126441461"/>
-      </p:ext>
-    </p:extLst>
-  </p:cSld>
-  <p:clrMapOvr>
-    <a:masterClrMapping/>
-  </p:clrMapOvr>
-  <p:timing>
-    <p:tnLst>
-      <p:par>
-        <p:cTn id="1" dur="indefinite" restart="never" nodeType="tmRoot">
-          <p:childTnLst>
-            <p:seq concurrent="1" nextAc="seek">
-              <p:cTn id="2" dur="indefinite" nodeType="mainSeq">
-                <p:childTnLst>
-                  <p:par>
-                    <p:cTn id="3" fill="hold">
-                      <p:stCondLst>
-                        <p:cond delay="indefinite"/>
-                      </p:stCondLst>
-                      <p:childTnLst>
-                        <p:par>
-                          <p:cTn id="4" fill="hold">
-                            <p:stCondLst>
-                              <p:cond delay="0"/>
-                            </p:stCondLst>
-                            <p:childTnLst>
-                              <p:par>
-                                <p:cTn id="5" presetID="2" presetClass="entr" presetSubtype="4" fill="hold" grpId="0" nodeType="clickEffect">
-                                  <p:stCondLst>
-                                    <p:cond delay="0"/>
-                                  </p:stCondLst>
-                                  <p:childTnLst>
-                                    <p:set>
-                                      <p:cBhvr>
-                                        <p:cTn id="6" dur="1" fill="hold">
-                                          <p:stCondLst>
-                                            <p:cond delay="0"/>
-                                          </p:stCondLst>
-                                        </p:cTn>
-                                        <p:tgtEl>
-                                          <p:spTgt spid="2"/>
-                                        </p:tgtEl>
-                                        <p:attrNameLst>
-                                          <p:attrName>style.visibility</p:attrName>
-                                        </p:attrNameLst>
-                                      </p:cBhvr>
-                                      <p:to>
-                                        <p:strVal val="visible"/>
-                                      </p:to>
-                                    </p:set>
-                                    <p:anim calcmode="lin" valueType="num">
-                                      <p:cBhvr additive="base">
-                                        <p:cTn id="7" dur="500" fill="hold"/>
-                                        <p:tgtEl>
-                                          <p:spTgt spid="2"/>
-                                        </p:tgtEl>
-                                        <p:attrNameLst>
-                                          <p:attrName>ppt_x</p:attrName>
-                                        </p:attrNameLst>
-                                      </p:cBhvr>
-                                      <p:tavLst>
-                                        <p:tav tm="0">
-                                          <p:val>
-                                            <p:strVal val="#ppt_x"/>
-                                          </p:val>
-                                        </p:tav>
-                                        <p:tav tm="100000">
-                                          <p:val>
-                                            <p:strVal val="#ppt_x"/>
-                                          </p:val>
-                                        </p:tav>
-                                      </p:tavLst>
-                                    </p:anim>
-                                    <p:anim calcmode="lin" valueType="num">
-                                      <p:cBhvr additive="base">
-                                        <p:cTn id="8" dur="500" fill="hold"/>
-                                        <p:tgtEl>
-                                          <p:spTgt spid="2"/>
-                                        </p:tgtEl>
-                                        <p:attrNameLst>
-                                          <p:attrName>ppt_y</p:attrName>
-                                        </p:attrNameLst>
-                                      </p:cBhvr>
-                                      <p:tavLst>
-                                        <p:tav tm="0">
-                                          <p:val>
-                                            <p:strVal val="1+#ppt_h/2"/>
-                                          </p:val>
-                                        </p:tav>
-                                        <p:tav tm="100000">
-                                          <p:val>
-                                            <p:strVal val="#ppt_y"/>
-                                          </p:val>
-                                        </p:tav>
-                                      </p:tavLst>
-                                    </p:anim>
-                                  </p:childTnLst>
-                                </p:cTn>
-                              </p:par>
-                            </p:childTnLst>
-                          </p:cTn>
-                        </p:par>
-                      </p:childTnLst>
-                    </p:cTn>
-                  </p:par>
-                </p:childTnLst>
-              </p:cTn>
-              <p:prevCondLst>
-                <p:cond evt="onPrev" delay="0">
-                  <p:tgtEl>
-                    <p:sldTgt/>
-                  </p:tgtEl>
-                </p:cond>
-              </p:prevCondLst>
-              <p:nextCondLst>
-                <p:cond evt="onNext" delay="0">
-                  <p:tgtEl>
-                    <p:sldTgt/>
-                  </p:tgtEl>
-                </p:cond>
-              </p:nextCondLst>
-            </p:seq>
-          </p:childTnLst>
-        </p:cTn>
-      </p:par>
-    </p:tnLst>
-    <p:bldLst>
-      <p:bldP spid="2" grpId="0"/>
     </p:bldLst>
   </p:timing>
 </p:sld>
@@ -11271,6 +11545,504 @@
 </p:sld>
 </file>
 
+<file path=ppt/slides/slide30.xml><?xml version="1.0" encoding="utf-8"?>
+<p:sld xmlns:a="http://schemas.openxmlformats.org/drawingml/2006/main" xmlns:r="http://schemas.openxmlformats.org/officeDocument/2006/relationships" xmlns:p="http://schemas.openxmlformats.org/presentationml/2006/main">
+  <p:cSld>
+    <p:spTree>
+      <p:nvGrpSpPr>
+        <p:cNvPr id="1" name=""/>
+        <p:cNvGrpSpPr/>
+        <p:nvPr/>
+      </p:nvGrpSpPr>
+      <p:grpSpPr>
+        <a:xfrm>
+          <a:off x="0" y="0"/>
+          <a:ext cx="0" cy="0"/>
+          <a:chOff x="0" y="0"/>
+          <a:chExt cx="0" cy="0"/>
+        </a:xfrm>
+      </p:grpSpPr>
+      <p:sp>
+        <p:nvSpPr>
+          <p:cNvPr id="2" name="Title 1"/>
+          <p:cNvSpPr>
+            <a:spLocks noGrp="1"/>
+          </p:cNvSpPr>
+          <p:nvPr>
+            <p:ph type="title"/>
+          </p:nvPr>
+        </p:nvSpPr>
+        <p:spPr/>
+        <p:txBody>
+          <a:bodyPr/>
+          <a:lstStyle/>
+          <a:p>
+            <a:r>
+              <a:rPr lang="en-US" dirty="0" smtClean="0"/>
+              <a:t>Papers for next presentation</a:t>
+            </a:r>
+            <a:endParaRPr lang="en-US" dirty="0"/>
+          </a:p>
+        </p:txBody>
+      </p:sp>
+      <p:sp>
+        <p:nvSpPr>
+          <p:cNvPr id="3" name="Content Placeholder 2"/>
+          <p:cNvSpPr>
+            <a:spLocks noGrp="1"/>
+          </p:cNvSpPr>
+          <p:nvPr>
+            <p:ph idx="1"/>
+          </p:nvPr>
+        </p:nvSpPr>
+        <p:spPr/>
+        <p:txBody>
+          <a:bodyPr>
+            <a:normAutofit fontScale="70000" lnSpcReduction="20000"/>
+          </a:bodyPr>
+          <a:lstStyle/>
+          <a:p>
+            <a:r>
+              <a:rPr lang="en-US" dirty="0" smtClean="0"/>
+              <a:t>[1] </a:t>
+            </a:r>
+            <a:r>
+              <a:rPr lang="en-US" b="0" dirty="0"/>
+              <a:t>Gazelle, G. Scott, et al. "A framework for assessing the value of diagnostic imaging in the era of comparative effectiveness research." </a:t>
+            </a:r>
+            <a:r>
+              <a:rPr lang="en-US" b="0" i="1" dirty="0"/>
+              <a:t>Radiology</a:t>
+            </a:r>
+            <a:r>
+              <a:rPr lang="en-US" b="0" dirty="0"/>
+              <a:t> 261.3 (2011): 692-698.</a:t>
+            </a:r>
+            <a:endParaRPr lang="en-US" dirty="0" smtClean="0"/>
+          </a:p>
+          <a:p>
+            <a:r>
+              <a:rPr lang="en-US" dirty="0" smtClean="0"/>
+              <a:t>[2] </a:t>
+            </a:r>
+            <a:r>
+              <a:rPr lang="en-US" b="0" dirty="0"/>
+              <a:t>Lord, Sarah J., Les </a:t>
+            </a:r>
+            <a:r>
+              <a:rPr lang="en-US" b="0" dirty="0" err="1"/>
+              <a:t>Irwig</a:t>
+            </a:r>
+            <a:r>
+              <a:rPr lang="en-US" b="0" dirty="0"/>
+              <a:t>, and R. John </a:t>
+            </a:r>
+            <a:r>
+              <a:rPr lang="en-US" b="0" dirty="0" err="1"/>
+              <a:t>Simes</a:t>
+            </a:r>
+            <a:r>
+              <a:rPr lang="en-US" b="0" dirty="0"/>
+              <a:t>. "When is measuring sensitivity and specificity sufficient to evaluate a diagnostic test, and when do we need randomized trials?." </a:t>
+            </a:r>
+            <a:r>
+              <a:rPr lang="en-US" b="0" i="1" dirty="0"/>
+              <a:t>Annals of internal medicine</a:t>
+            </a:r>
+            <a:r>
+              <a:rPr lang="en-US" b="0" dirty="0"/>
+              <a:t> 144.11 (2006): 850-855.</a:t>
+            </a:r>
+            <a:endParaRPr lang="en-US" dirty="0" smtClean="0"/>
+          </a:p>
+          <a:p>
+            <a:r>
+              <a:rPr lang="en-US" dirty="0" smtClean="0"/>
+              <a:t>[3]</a:t>
+            </a:r>
+            <a:r>
+              <a:rPr lang="en-US" b="0" dirty="0"/>
+              <a:t> Verhaegen, </a:t>
+            </a:r>
+            <a:r>
+              <a:rPr lang="en-US" b="0" dirty="0" err="1"/>
+              <a:t>Jorine</a:t>
+            </a:r>
+            <a:r>
+              <a:rPr lang="en-US" b="0" dirty="0"/>
+              <a:t>, et al. "Accuracy of single progesterone test to predict early pregnancy outcome in women with pain or bleeding: meta-analysis of cohort studies." </a:t>
+            </a:r>
+            <a:r>
+              <a:rPr lang="en-US" b="0" i="1" dirty="0" err="1"/>
+              <a:t>Bmj</a:t>
+            </a:r>
+            <a:r>
+              <a:rPr lang="en-US" b="0" dirty="0"/>
+              <a:t> 345 (2012): e6077.</a:t>
+            </a:r>
+            <a:endParaRPr lang="en-US" dirty="0" smtClean="0"/>
+          </a:p>
+          <a:p>
+            <a:r>
+              <a:rPr lang="en-US" dirty="0" smtClean="0"/>
+              <a:t>[4]</a:t>
+            </a:r>
+            <a:r>
+              <a:rPr lang="en-US" b="0" dirty="0"/>
+              <a:t> </a:t>
+            </a:r>
+            <a:r>
+              <a:rPr lang="en-US" b="0" dirty="0" err="1"/>
+              <a:t>Aboyans</a:t>
+            </a:r>
+            <a:r>
+              <a:rPr lang="en-US" b="0" dirty="0"/>
+              <a:t>, Victor, et al. "2017 ESC Guidelines on the Diagnosis and Treatment of Peripheral Arterial Diseases, in collaboration with the European Society for Vascular Surgery (ESVS) Document covering atherosclerotic disease of extracranial carotid and vertebral, mesenteric, renal, upper and lower extremity arteries Endorsed by: the European Stroke Organization (ESO) The Task Force for the Diagnosis and Treatment of Peripheral Arterial Diseases of the European Society of Cardiology (ESC) and of the European Society for Vascular ...." </a:t>
+            </a:r>
+            <a:r>
+              <a:rPr lang="en-US" b="0" i="1" dirty="0"/>
+              <a:t>European heart journal</a:t>
+            </a:r>
+            <a:r>
+              <a:rPr lang="en-US" b="0" dirty="0"/>
+              <a:t> 39.9 (2017): 763-816.</a:t>
+            </a:r>
+            <a:endParaRPr lang="en-US" dirty="0" smtClean="0"/>
+          </a:p>
+          <a:p>
+            <a:r>
+              <a:rPr lang="en-US" dirty="0" smtClean="0"/>
+              <a:t>[5]</a:t>
+            </a:r>
+            <a:r>
+              <a:rPr lang="en-US" b="0" dirty="0"/>
+              <a:t> Met, Rosemarie, et al. "Diagnostic performance of computed tomography angiography in peripheral arterial disease: a systematic review and meta-analysis." </a:t>
+            </a:r>
+            <a:r>
+              <a:rPr lang="en-US" b="0" i="1" dirty="0"/>
+              <a:t>Jama</a:t>
+            </a:r>
+            <a:r>
+              <a:rPr lang="en-US" b="0" dirty="0"/>
+              <a:t> 301.4 (2009): 415-424.</a:t>
+            </a:r>
+            <a:endParaRPr lang="en-US" dirty="0"/>
+          </a:p>
+        </p:txBody>
+      </p:sp>
+      <p:sp>
+        <p:nvSpPr>
+          <p:cNvPr id="4" name="Date Placeholder 3"/>
+          <p:cNvSpPr>
+            <a:spLocks noGrp="1"/>
+          </p:cNvSpPr>
+          <p:nvPr>
+            <p:ph type="dt" sz="half" idx="10"/>
+          </p:nvPr>
+        </p:nvSpPr>
+        <p:spPr/>
+        <p:txBody>
+          <a:bodyPr/>
+          <a:lstStyle/>
+          <a:p>
+            <a:r>
+              <a:rPr lang="en-US" smtClean="0"/>
+              <a:t>Sep 18 2018</a:t>
+            </a:r>
+            <a:endParaRPr lang="en-US"/>
+          </a:p>
+        </p:txBody>
+      </p:sp>
+      <p:sp>
+        <p:nvSpPr>
+          <p:cNvPr id="5" name="Footer Placeholder 4"/>
+          <p:cNvSpPr>
+            <a:spLocks noGrp="1"/>
+          </p:cNvSpPr>
+          <p:nvPr>
+            <p:ph type="ftr" sz="quarter" idx="11"/>
+          </p:nvPr>
+        </p:nvSpPr>
+        <p:spPr/>
+        <p:txBody>
+          <a:bodyPr/>
+          <a:lstStyle/>
+          <a:p>
+            <a:r>
+              <a:rPr lang="en-US" smtClean="0"/>
+              <a:t>Seminar – Fall 2018</a:t>
+            </a:r>
+            <a:endParaRPr lang="en-US"/>
+          </a:p>
+        </p:txBody>
+      </p:sp>
+      <p:sp>
+        <p:nvSpPr>
+          <p:cNvPr id="6" name="Slide Number Placeholder 5"/>
+          <p:cNvSpPr>
+            <a:spLocks noGrp="1"/>
+          </p:cNvSpPr>
+          <p:nvPr>
+            <p:ph type="sldNum" sz="quarter" idx="12"/>
+          </p:nvPr>
+        </p:nvSpPr>
+        <p:spPr/>
+        <p:txBody>
+          <a:bodyPr/>
+          <a:lstStyle/>
+          <a:p>
+            <a:fld id="{BDA5F717-12EE-A348-A3FB-CFE8FCC4E8AC}" type="slidenum">
+              <a:rPr lang="en-US" smtClean="0"/>
+              <a:t>30</a:t>
+            </a:fld>
+            <a:endParaRPr lang="en-US"/>
+          </a:p>
+        </p:txBody>
+      </p:sp>
+    </p:spTree>
+    <p:extLst>
+      <p:ext uri="{BB962C8B-B14F-4D97-AF65-F5344CB8AC3E}">
+        <p14:creationId xmlns:p14="http://schemas.microsoft.com/office/powerpoint/2010/main" val="742205383"/>
+      </p:ext>
+    </p:extLst>
+  </p:cSld>
+  <p:clrMapOvr>
+    <a:masterClrMapping/>
+  </p:clrMapOvr>
+  <p:timing>
+    <p:tnLst>
+      <p:par>
+        <p:cTn id="1" dur="indefinite" restart="never" nodeType="tmRoot"/>
+      </p:par>
+    </p:tnLst>
+  </p:timing>
+</p:sld>
+</file>
+
+<file path=ppt/slides/slide31.xml><?xml version="1.0" encoding="utf-8"?>
+<p:sld xmlns:a="http://schemas.openxmlformats.org/drawingml/2006/main" xmlns:r="http://schemas.openxmlformats.org/officeDocument/2006/relationships" xmlns:p="http://schemas.openxmlformats.org/presentationml/2006/main">
+  <p:cSld>
+    <p:spTree>
+      <p:nvGrpSpPr>
+        <p:cNvPr id="1" name=""/>
+        <p:cNvGrpSpPr/>
+        <p:nvPr/>
+      </p:nvGrpSpPr>
+      <p:grpSpPr>
+        <a:xfrm>
+          <a:off x="0" y="0"/>
+          <a:ext cx="0" cy="0"/>
+          <a:chOff x="0" y="0"/>
+          <a:chExt cx="0" cy="0"/>
+        </a:xfrm>
+      </p:grpSpPr>
+      <p:sp>
+        <p:nvSpPr>
+          <p:cNvPr id="2" name="Title 1"/>
+          <p:cNvSpPr>
+            <a:spLocks noGrp="1"/>
+          </p:cNvSpPr>
+          <p:nvPr>
+            <p:ph type="title"/>
+          </p:nvPr>
+        </p:nvSpPr>
+        <p:spPr>
+          <a:xfrm>
+            <a:off x="2753242" y="897511"/>
+            <a:ext cx="3788960" cy="2848989"/>
+          </a:xfrm>
+        </p:spPr>
+        <p:txBody>
+          <a:bodyPr>
+            <a:normAutofit/>
+          </a:bodyPr>
+          <a:lstStyle/>
+          <a:p>
+            <a:pPr algn="ctr"/>
+            <a:r>
+              <a:rPr lang="en-US" dirty="0" smtClean="0"/>
+              <a:t>Q&amp;A </a:t>
+            </a:r>
+            <a:br>
+              <a:rPr lang="en-US" dirty="0" smtClean="0"/>
+            </a:br>
+            <a:r>
+              <a:rPr lang="en-US" dirty="0" smtClean="0"/>
+              <a:t>THANK </a:t>
+            </a:r>
+            <a:r>
+              <a:rPr lang="en-US" dirty="0"/>
+              <a:t>YOU</a:t>
+            </a:r>
+          </a:p>
+        </p:txBody>
+      </p:sp>
+      <p:sp>
+        <p:nvSpPr>
+          <p:cNvPr id="4" name="Slide Number Placeholder 3"/>
+          <p:cNvSpPr>
+            <a:spLocks noGrp="1"/>
+          </p:cNvSpPr>
+          <p:nvPr>
+            <p:ph type="sldNum" idx="12"/>
+          </p:nvPr>
+        </p:nvSpPr>
+        <p:spPr>
+          <a:xfrm>
+            <a:off x="8043483" y="4790435"/>
+            <a:ext cx="459783" cy="275179"/>
+          </a:xfrm>
+        </p:spPr>
+        <p:txBody>
+          <a:bodyPr/>
+          <a:lstStyle/>
+          <a:p>
+            <a:fld id="{00000000-1234-1234-1234-123412341234}" type="slidenum">
+              <a:rPr lang="en" smtClean="0"/>
+              <a:pPr/>
+              <a:t>31</a:t>
+            </a:fld>
+            <a:endParaRPr lang="en" dirty="0"/>
+          </a:p>
+        </p:txBody>
+      </p:sp>
+    </p:spTree>
+    <p:extLst>
+      <p:ext uri="{BB962C8B-B14F-4D97-AF65-F5344CB8AC3E}">
+        <p14:creationId xmlns:p14="http://schemas.microsoft.com/office/powerpoint/2010/main" val="1126441461"/>
+      </p:ext>
+    </p:extLst>
+  </p:cSld>
+  <p:clrMapOvr>
+    <a:masterClrMapping/>
+  </p:clrMapOvr>
+  <p:timing>
+    <p:tnLst>
+      <p:par>
+        <p:cTn id="1" dur="indefinite" restart="never" nodeType="tmRoot">
+          <p:childTnLst>
+            <p:seq concurrent="1" nextAc="seek">
+              <p:cTn id="2" dur="indefinite" nodeType="mainSeq">
+                <p:childTnLst>
+                  <p:par>
+                    <p:cTn id="3" fill="hold">
+                      <p:stCondLst>
+                        <p:cond delay="indefinite"/>
+                      </p:stCondLst>
+                      <p:childTnLst>
+                        <p:par>
+                          <p:cTn id="4" fill="hold">
+                            <p:stCondLst>
+                              <p:cond delay="0"/>
+                            </p:stCondLst>
+                            <p:childTnLst>
+                              <p:par>
+                                <p:cTn id="5" presetID="2" presetClass="entr" presetSubtype="4" fill="hold" grpId="0" nodeType="clickEffect">
+                                  <p:stCondLst>
+                                    <p:cond delay="0"/>
+                                  </p:stCondLst>
+                                  <p:childTnLst>
+                                    <p:set>
+                                      <p:cBhvr>
+                                        <p:cTn id="6" dur="1" fill="hold">
+                                          <p:stCondLst>
+                                            <p:cond delay="0"/>
+                                          </p:stCondLst>
+                                        </p:cTn>
+                                        <p:tgtEl>
+                                          <p:spTgt spid="2"/>
+                                        </p:tgtEl>
+                                        <p:attrNameLst>
+                                          <p:attrName>style.visibility</p:attrName>
+                                        </p:attrNameLst>
+                                      </p:cBhvr>
+                                      <p:to>
+                                        <p:strVal val="visible"/>
+                                      </p:to>
+                                    </p:set>
+                                    <p:anim calcmode="lin" valueType="num">
+                                      <p:cBhvr additive="base">
+                                        <p:cTn id="7" dur="500" fill="hold"/>
+                                        <p:tgtEl>
+                                          <p:spTgt spid="2"/>
+                                        </p:tgtEl>
+                                        <p:attrNameLst>
+                                          <p:attrName>ppt_x</p:attrName>
+                                        </p:attrNameLst>
+                                      </p:cBhvr>
+                                      <p:tavLst>
+                                        <p:tav tm="0">
+                                          <p:val>
+                                            <p:strVal val="#ppt_x"/>
+                                          </p:val>
+                                        </p:tav>
+                                        <p:tav tm="100000">
+                                          <p:val>
+                                            <p:strVal val="#ppt_x"/>
+                                          </p:val>
+                                        </p:tav>
+                                      </p:tavLst>
+                                    </p:anim>
+                                    <p:anim calcmode="lin" valueType="num">
+                                      <p:cBhvr additive="base">
+                                        <p:cTn id="8" dur="500" fill="hold"/>
+                                        <p:tgtEl>
+                                          <p:spTgt spid="2"/>
+                                        </p:tgtEl>
+                                        <p:attrNameLst>
+                                          <p:attrName>ppt_y</p:attrName>
+                                        </p:attrNameLst>
+                                      </p:cBhvr>
+                                      <p:tavLst>
+                                        <p:tav tm="0">
+                                          <p:val>
+                                            <p:strVal val="1+#ppt_h/2"/>
+                                          </p:val>
+                                        </p:tav>
+                                        <p:tav tm="100000">
+                                          <p:val>
+                                            <p:strVal val="#ppt_y"/>
+                                          </p:val>
+                                        </p:tav>
+                                      </p:tavLst>
+                                    </p:anim>
+                                  </p:childTnLst>
+                                </p:cTn>
+                              </p:par>
+                            </p:childTnLst>
+                          </p:cTn>
+                        </p:par>
+                      </p:childTnLst>
+                    </p:cTn>
+                  </p:par>
+                </p:childTnLst>
+              </p:cTn>
+              <p:prevCondLst>
+                <p:cond evt="onPrev" delay="0">
+                  <p:tgtEl>
+                    <p:sldTgt/>
+                  </p:tgtEl>
+                </p:cond>
+              </p:prevCondLst>
+              <p:nextCondLst>
+                <p:cond evt="onNext" delay="0">
+                  <p:tgtEl>
+                    <p:sldTgt/>
+                  </p:tgtEl>
+                </p:cond>
+              </p:nextCondLst>
+            </p:seq>
+          </p:childTnLst>
+        </p:cTn>
+      </p:par>
+    </p:tnLst>
+    <p:bldLst>
+      <p:bldP spid="2" grpId="0"/>
+    </p:bldLst>
+  </p:timing>
+</p:sld>
+</file>
+
 <file path=ppt/slides/slide4.xml><?xml version="1.0" encoding="utf-8"?>
 <p:sld xmlns:a="http://schemas.openxmlformats.org/drawingml/2006/main" xmlns:r="http://schemas.openxmlformats.org/officeDocument/2006/relationships" xmlns:p="http://schemas.openxmlformats.org/presentationml/2006/main">
   <p:cSld>
@@ -12967,7 +13739,7 @@
   <a:extraClrSchemeLst/>
   <a:extLst>
     <a:ext uri="{05A4C25C-085E-4340-85A3-A5531E510DB2}">
-      <thm15:themeFamily xmlns="" xmlns:thm15="http://schemas.microsoft.com/office/thememl/2012/main" name="Presentation1" id="{6E97D440-AC0D-2948-B999-F528D41BAAC3}" vid="{FDCB8264-CDDA-C142-BE05-1C172407A782}"/>
+      <thm15:themeFamily xmlns:thm15="http://schemas.microsoft.com/office/thememl/2012/main" name="Presentation1" id="{6E97D440-AC0D-2948-B999-F528D41BAAC3}" vid="{FDCB8264-CDDA-C142-BE05-1C172407A782}"/>
     </a:ext>
   </a:extLst>
 </a:theme>
@@ -13228,7 +14000,7 @@
   <a:extraClrSchemeLst/>
   <a:extLst>
     <a:ext uri="{05A4C25C-085E-4340-85A3-A5531E510DB2}">
-      <thm15:themeFamily xmlns="" xmlns:thm15="http://schemas.microsoft.com/office/thememl/2012/main" name="Office Theme" id="{62F939B6-93AF-4DB8-9C6B-D6C7DFDC589F}" vid="{4A3C46E8-61CC-4603-A589-7422A47A8E4A}"/>
+      <thm15:themeFamily xmlns:thm15="http://schemas.microsoft.com/office/thememl/2012/main" name="Office Theme" id="{62F939B6-93AF-4DB8-9C6B-D6C7DFDC589F}" vid="{4A3C46E8-61CC-4603-A589-7422A47A8E4A}"/>
     </a:ext>
   </a:extLst>
 </a:theme>
@@ -13489,7 +14261,7 @@
   <a:extraClrSchemeLst/>
   <a:extLst>
     <a:ext uri="{05A4C25C-085E-4340-85A3-A5531E510DB2}">
-      <thm15:themeFamily xmlns="" xmlns:thm15="http://schemas.microsoft.com/office/thememl/2012/main" name="Office Theme" id="{62F939B6-93AF-4DB8-9C6B-D6C7DFDC589F}" vid="{4A3C46E8-61CC-4603-A589-7422A47A8E4A}"/>
+      <thm15:themeFamily xmlns:thm15="http://schemas.microsoft.com/office/thememl/2012/main" name="Office Theme" id="{62F939B6-93AF-4DB8-9C6B-D6C7DFDC589F}" vid="{4A3C46E8-61CC-4603-A589-7422A47A8E4A}"/>
     </a:ext>
   </a:extLst>
 </a:theme>
